--- a/figs/figs.pptx
+++ b/figs/figs.pptx
@@ -7,6 +7,9 @@
   <p:sldIdLst>
     <p:sldId id="257" r:id="rId2"/>
     <p:sldId id="258" r:id="rId3"/>
+    <p:sldId id="259" r:id="rId4"/>
+    <p:sldId id="260" r:id="rId5"/>
+    <p:sldId id="261" r:id="rId6"/>
   </p:sldIdLst>
   <p:sldSz cx="12192000" cy="6858000"/>
   <p:notesSz cx="6858000" cy="9144000"/>
@@ -244,7 +247,7 @@
           <a:p>
             <a:fld id="{0F67E279-5777-074D-88F9-44177869E121}" type="datetimeFigureOut">
               <a:rPr lang="en-US" smtClean="0"/>
-              <a:t>11/17/17</a:t>
+              <a:t>12/5/17</a:t>
             </a:fld>
             <a:endParaRPr lang="en-US"/>
           </a:p>
@@ -414,7 +417,7 @@
           <a:p>
             <a:fld id="{0F67E279-5777-074D-88F9-44177869E121}" type="datetimeFigureOut">
               <a:rPr lang="en-US" smtClean="0"/>
-              <a:t>11/17/17</a:t>
+              <a:t>12/5/17</a:t>
             </a:fld>
             <a:endParaRPr lang="en-US"/>
           </a:p>
@@ -594,7 +597,7 @@
           <a:p>
             <a:fld id="{0F67E279-5777-074D-88F9-44177869E121}" type="datetimeFigureOut">
               <a:rPr lang="en-US" smtClean="0"/>
-              <a:t>11/17/17</a:t>
+              <a:t>12/5/17</a:t>
             </a:fld>
             <a:endParaRPr lang="en-US"/>
           </a:p>
@@ -764,7 +767,7 @@
           <a:p>
             <a:fld id="{0F67E279-5777-074D-88F9-44177869E121}" type="datetimeFigureOut">
               <a:rPr lang="en-US" smtClean="0"/>
-              <a:t>11/17/17</a:t>
+              <a:t>12/5/17</a:t>
             </a:fld>
             <a:endParaRPr lang="en-US"/>
           </a:p>
@@ -1010,7 +1013,7 @@
           <a:p>
             <a:fld id="{0F67E279-5777-074D-88F9-44177869E121}" type="datetimeFigureOut">
               <a:rPr lang="en-US" smtClean="0"/>
-              <a:t>11/17/17</a:t>
+              <a:t>12/5/17</a:t>
             </a:fld>
             <a:endParaRPr lang="en-US"/>
           </a:p>
@@ -1242,7 +1245,7 @@
           <a:p>
             <a:fld id="{0F67E279-5777-074D-88F9-44177869E121}" type="datetimeFigureOut">
               <a:rPr lang="en-US" smtClean="0"/>
-              <a:t>11/17/17</a:t>
+              <a:t>12/5/17</a:t>
             </a:fld>
             <a:endParaRPr lang="en-US"/>
           </a:p>
@@ -1609,7 +1612,7 @@
           <a:p>
             <a:fld id="{0F67E279-5777-074D-88F9-44177869E121}" type="datetimeFigureOut">
               <a:rPr lang="en-US" smtClean="0"/>
-              <a:t>11/17/17</a:t>
+              <a:t>12/5/17</a:t>
             </a:fld>
             <a:endParaRPr lang="en-US"/>
           </a:p>
@@ -1727,7 +1730,7 @@
           <a:p>
             <a:fld id="{0F67E279-5777-074D-88F9-44177869E121}" type="datetimeFigureOut">
               <a:rPr lang="en-US" smtClean="0"/>
-              <a:t>11/17/17</a:t>
+              <a:t>12/5/17</a:t>
             </a:fld>
             <a:endParaRPr lang="en-US"/>
           </a:p>
@@ -1822,7 +1825,7 @@
           <a:p>
             <a:fld id="{0F67E279-5777-074D-88F9-44177869E121}" type="datetimeFigureOut">
               <a:rPr lang="en-US" smtClean="0"/>
-              <a:t>11/17/17</a:t>
+              <a:t>12/5/17</a:t>
             </a:fld>
             <a:endParaRPr lang="en-US"/>
           </a:p>
@@ -2099,7 +2102,7 @@
           <a:p>
             <a:fld id="{0F67E279-5777-074D-88F9-44177869E121}" type="datetimeFigureOut">
               <a:rPr lang="en-US" smtClean="0"/>
-              <a:t>11/17/17</a:t>
+              <a:t>12/5/17</a:t>
             </a:fld>
             <a:endParaRPr lang="en-US"/>
           </a:p>
@@ -2352,7 +2355,7 @@
           <a:p>
             <a:fld id="{0F67E279-5777-074D-88F9-44177869E121}" type="datetimeFigureOut">
               <a:rPr lang="en-US" smtClean="0"/>
-              <a:t>11/17/17</a:t>
+              <a:t>12/5/17</a:t>
             </a:fld>
             <a:endParaRPr lang="en-US"/>
           </a:p>
@@ -2565,7 +2568,7 @@
           <a:p>
             <a:fld id="{0F67E279-5777-074D-88F9-44177869E121}" type="datetimeFigureOut">
               <a:rPr lang="en-US" smtClean="0"/>
-              <a:t>11/17/17</a:t>
+              <a:t>12/5/17</a:t>
             </a:fld>
             <a:endParaRPr lang="en-US"/>
           </a:p>
@@ -4793,7 +4796,7 @@
         </p:blipFill>
         <p:spPr bwMode="auto">
           <a:xfrm>
-            <a:off x="8539069" y="1158141"/>
+            <a:off x="8693496" y="1158141"/>
             <a:ext cx="1401546" cy="824560"/>
           </a:xfrm>
           <a:prstGeom prst="rect">
@@ -5023,7 +5026,7 @@
         </p:nvSpPr>
         <p:spPr>
           <a:xfrm>
-            <a:off x="8600080" y="2296089"/>
+            <a:off x="8754507" y="2296089"/>
             <a:ext cx="1279525" cy="641350"/>
           </a:xfrm>
           <a:custGeom>
@@ -5238,7 +5241,7 @@
         </p:nvSpPr>
         <p:spPr>
           <a:xfrm>
-            <a:off x="5472112" y="2298501"/>
+            <a:off x="5626539" y="2298501"/>
             <a:ext cx="1096963" cy="641350"/>
           </a:xfrm>
           <a:custGeom>
@@ -5801,7 +5804,7 @@
         </p:blipFill>
         <p:spPr bwMode="auto">
           <a:xfrm>
-            <a:off x="7086339" y="2582539"/>
+            <a:off x="7240766" y="2582539"/>
             <a:ext cx="1187450" cy="522287"/>
           </a:xfrm>
           <a:prstGeom prst="rect">
@@ -5855,7 +5858,7 @@
         </p:blipFill>
         <p:spPr bwMode="auto">
           <a:xfrm>
-            <a:off x="6975214" y="2350764"/>
+            <a:off x="7129641" y="2350764"/>
             <a:ext cx="1193800" cy="536575"/>
           </a:xfrm>
           <a:prstGeom prst="rect">
@@ -5909,7 +5912,7 @@
         </p:blipFill>
         <p:spPr bwMode="auto">
           <a:xfrm>
-            <a:off x="6919651" y="2068189"/>
+            <a:off x="7074078" y="2068189"/>
             <a:ext cx="1171575" cy="514350"/>
           </a:xfrm>
           <a:prstGeom prst="rect">
@@ -6052,7 +6055,7 @@
         </p:nvSpPr>
         <p:spPr>
           <a:xfrm>
-            <a:off x="8488605" y="681979"/>
+            <a:off x="8643032" y="681979"/>
             <a:ext cx="1425433" cy="406606"/>
           </a:xfrm>
           <a:prstGeom prst="rect">
@@ -6117,8 +6120,8 @@
         </p:nvSpPr>
         <p:spPr>
           <a:xfrm>
-            <a:off x="4456341" y="1981200"/>
-            <a:ext cx="993198" cy="564470"/>
+            <a:off x="4407963" y="1946497"/>
+            <a:ext cx="1293024" cy="564470"/>
           </a:xfrm>
           <a:prstGeom prst="rect">
             <a:avLst/>
@@ -6182,20 +6185,12 @@
               <a:defRPr sz="1050"/>
             </a:pPr>
             <a:r>
-              <a:rPr lang="en-US" sz="1050" dirty="0">
-                <a:latin typeface="Cambria" charset="0"/>
-                <a:ea typeface="Cambria" charset="0"/>
-                <a:cs typeface="Cambria" charset="0"/>
-              </a:rPr>
-              <a:t>(AE, </a:t>
-            </a:r>
-            <a:r>
               <a:rPr lang="en-US" sz="1050" dirty="0" smtClean="0">
                 <a:latin typeface="Cambria" charset="0"/>
                 <a:ea typeface="Cambria" charset="0"/>
                 <a:cs typeface="Cambria" charset="0"/>
               </a:rPr>
-              <a:t>LSTMAE)</a:t>
+              <a:t>(VAE, AE, LSTMAE)</a:t>
             </a:r>
             <a:endParaRPr lang="en-US" sz="1050" dirty="0">
               <a:latin typeface="Cambria" charset="0"/>
@@ -6258,7 +6253,7 @@
         </p:nvSpPr>
         <p:spPr>
           <a:xfrm>
-            <a:off x="6963776" y="1823714"/>
+            <a:off x="7118203" y="1823714"/>
             <a:ext cx="1113488" cy="248743"/>
           </a:xfrm>
           <a:prstGeom prst="rect">
@@ -6409,7 +6404,7 @@
         <p:spPr>
           <a:xfrm>
             <a:off x="4457008" y="2615971"/>
-            <a:ext cx="1015104" cy="3205"/>
+            <a:ext cx="1169531" cy="3205"/>
           </a:xfrm>
           <a:prstGeom prst="straightConnector1">
             <a:avLst/>
@@ -6444,7 +6439,7 @@
         </p:nvCxnSpPr>
         <p:spPr>
           <a:xfrm flipV="1">
-            <a:off x="6569075" y="2619052"/>
+            <a:off x="6723502" y="2619052"/>
             <a:ext cx="406139" cy="124"/>
           </a:xfrm>
           <a:prstGeom prst="straightConnector1">
@@ -6480,7 +6475,7 @@
         </p:nvCxnSpPr>
         <p:spPr>
           <a:xfrm flipV="1">
-            <a:off x="8169014" y="2616764"/>
+            <a:off x="8323441" y="2616764"/>
             <a:ext cx="431066" cy="2288"/>
           </a:xfrm>
           <a:prstGeom prst="straightConnector1">
@@ -6552,7 +6547,7 @@
         </p:nvCxnSpPr>
         <p:spPr>
           <a:xfrm>
-            <a:off x="9239842" y="1982701"/>
+            <a:off x="9394269" y="1982701"/>
             <a:ext cx="1" cy="313388"/>
           </a:xfrm>
           <a:prstGeom prst="straightConnector1">
@@ -6588,8 +6583,8 @@
         </p:nvCxnSpPr>
         <p:spPr>
           <a:xfrm rot="5400000" flipH="1" flipV="1">
-            <a:off x="4274009" y="1358242"/>
-            <a:ext cx="164975" cy="3328193"/>
+            <a:off x="4351223" y="1281029"/>
+            <a:ext cx="164975" cy="3482620"/>
           </a:xfrm>
           <a:prstGeom prst="bentConnector3">
             <a:avLst>
@@ -6619,6 +6614,6746 @@
     <p:extLst>
       <p:ext uri="{BB962C8B-B14F-4D97-AF65-F5344CB8AC3E}">
         <p14:creationId xmlns:p14="http://schemas.microsoft.com/office/powerpoint/2010/main" val="118518073"/>
+      </p:ext>
+    </p:extLst>
+  </p:cSld>
+  <p:clrMapOvr>
+    <a:masterClrMapping/>
+  </p:clrMapOvr>
+</p:sld>
+</file>
+
+<file path=ppt/slides/slide3.xml><?xml version="1.0" encoding="utf-8"?>
+<p:sld xmlns:a="http://schemas.openxmlformats.org/drawingml/2006/main" xmlns:r="http://schemas.openxmlformats.org/officeDocument/2006/relationships" xmlns:p="http://schemas.openxmlformats.org/presentationml/2006/main">
+  <p:cSld>
+    <p:spTree>
+      <p:nvGrpSpPr>
+        <p:cNvPr id="1" name=""/>
+        <p:cNvGrpSpPr/>
+        <p:nvPr/>
+      </p:nvGrpSpPr>
+      <p:grpSpPr>
+        <a:xfrm>
+          <a:off x="0" y="0"/>
+          <a:ext cx="0" cy="0"/>
+          <a:chOff x="0" y="0"/>
+          <a:chExt cx="0" cy="0"/>
+        </a:xfrm>
+      </p:grpSpPr>
+      <p:pic>
+        <p:nvPicPr>
+          <p:cNvPr id="17" name="Picture 2"/>
+          <p:cNvPicPr>
+            <a:picLocks noChangeAspect="1"/>
+          </p:cNvPicPr>
+          <p:nvPr/>
+        </p:nvPicPr>
+        <p:blipFill>
+          <a:blip r:embed="rId2">
+            <a:extLst>
+              <a:ext uri="{28A0092B-C50C-407E-A947-70E740481C1C}">
+                <a14:useLocalDpi xmlns:a14="http://schemas.microsoft.com/office/drawing/2010/main" val="0"/>
+              </a:ext>
+            </a:extLst>
+          </a:blip>
+          <a:srcRect/>
+          <a:stretch>
+            <a:fillRect/>
+          </a:stretch>
+        </p:blipFill>
+        <p:spPr bwMode="auto">
+          <a:xfrm>
+            <a:off x="2097882" y="2582539"/>
+            <a:ext cx="1189038" cy="522287"/>
+          </a:xfrm>
+          <a:prstGeom prst="rect">
+            <a:avLst/>
+          </a:prstGeom>
+          <a:noFill/>
+          <a:ln>
+            <a:noFill/>
+          </a:ln>
+          <a:extLst>
+            <a:ext uri="{909E8E84-426E-40DD-AFC4-6F175D3DCCD1}">
+              <a14:hiddenFill xmlns:a14="http://schemas.microsoft.com/office/drawing/2010/main">
+                <a:solidFill>
+                  <a:srgbClr val="FFFFFF"/>
+                </a:solidFill>
+              </a14:hiddenFill>
+            </a:ext>
+            <a:ext uri="{91240B29-F687-4F45-9708-019B960494DF}">
+              <a14:hiddenLine xmlns:a14="http://schemas.microsoft.com/office/drawing/2010/main" w="9525">
+                <a:solidFill>
+                  <a:srgbClr val="000000"/>
+                </a:solidFill>
+                <a:miter lim="800000"/>
+                <a:headEnd/>
+                <a:tailEnd/>
+              </a14:hiddenLine>
+            </a:ext>
+          </a:extLst>
+        </p:spPr>
+      </p:pic>
+      <p:sp>
+        <p:nvSpPr>
+          <p:cNvPr id="19" name="Freeform 18"/>
+          <p:cNvSpPr/>
+          <p:nvPr/>
+        </p:nvSpPr>
+        <p:spPr>
+          <a:xfrm>
+            <a:off x="292894" y="2296089"/>
+            <a:ext cx="1189038" cy="639763"/>
+          </a:xfrm>
+          <a:custGeom>
+            <a:avLst>
+              <a:gd name="f0" fmla="val 3600"/>
+            </a:avLst>
+            <a:gdLst>
+              <a:gd name="f1" fmla="val 10800000"/>
+              <a:gd name="f2" fmla="val 5400000"/>
+              <a:gd name="f3" fmla="val 16200000"/>
+              <a:gd name="f4" fmla="val w"/>
+              <a:gd name="f5" fmla="val h"/>
+              <a:gd name="f6" fmla="val ss"/>
+              <a:gd name="f7" fmla="val 0"/>
+              <a:gd name="f8" fmla="*/ 5419351 1 1725033"/>
+              <a:gd name="f9" fmla="val 45"/>
+              <a:gd name="f10" fmla="val 10800"/>
+              <a:gd name="f11" fmla="val -2147483647"/>
+              <a:gd name="f12" fmla="val 2147483647"/>
+              <a:gd name="f13" fmla="abs f4"/>
+              <a:gd name="f14" fmla="abs f5"/>
+              <a:gd name="f15" fmla="abs f6"/>
+              <a:gd name="f16" fmla="*/ f8 1 180"/>
+              <a:gd name="f17" fmla="pin 0 f0 10800"/>
+              <a:gd name="f18" fmla="+- 0 0 f2"/>
+              <a:gd name="f19" fmla="?: f13 f4 1"/>
+              <a:gd name="f20" fmla="?: f14 f5 1"/>
+              <a:gd name="f21" fmla="?: f15 f6 1"/>
+              <a:gd name="f22" fmla="*/ f9 f16 1"/>
+              <a:gd name="f23" fmla="+- f7 f17 0"/>
+              <a:gd name="f24" fmla="*/ f19 1 21600"/>
+              <a:gd name="f25" fmla="*/ f20 1 21600"/>
+              <a:gd name="f26" fmla="*/ 21600 f19 1"/>
+              <a:gd name="f27" fmla="*/ 21600 f20 1"/>
+              <a:gd name="f28" fmla="+- 0 0 f22"/>
+              <a:gd name="f29" fmla="min f25 f24"/>
+              <a:gd name="f30" fmla="*/ f26 1 f21"/>
+              <a:gd name="f31" fmla="*/ f27 1 f21"/>
+              <a:gd name="f32" fmla="*/ f28 f1 1"/>
+              <a:gd name="f33" fmla="*/ f32 1 f8"/>
+              <a:gd name="f34" fmla="+- f31 0 f17"/>
+              <a:gd name="f35" fmla="+- f30 0 f17"/>
+              <a:gd name="f36" fmla="*/ f17 f29 1"/>
+              <a:gd name="f37" fmla="*/ f7 f29 1"/>
+              <a:gd name="f38" fmla="*/ f23 f29 1"/>
+              <a:gd name="f39" fmla="*/ f31 f29 1"/>
+              <a:gd name="f40" fmla="*/ f30 f29 1"/>
+              <a:gd name="f41" fmla="+- f33 0 f2"/>
+              <a:gd name="f42" fmla="+- f37 0 f38"/>
+              <a:gd name="f43" fmla="+- f38 0 f37"/>
+              <a:gd name="f44" fmla="*/ f34 f29 1"/>
+              <a:gd name="f45" fmla="*/ f35 f29 1"/>
+              <a:gd name="f46" fmla="cos 1 f41"/>
+              <a:gd name="f47" fmla="abs f42"/>
+              <a:gd name="f48" fmla="abs f43"/>
+              <a:gd name="f49" fmla="?: f42 f18 f2"/>
+              <a:gd name="f50" fmla="?: f42 f2 f18"/>
+              <a:gd name="f51" fmla="?: f42 f3 f2"/>
+              <a:gd name="f52" fmla="?: f42 f2 f3"/>
+              <a:gd name="f53" fmla="+- f39 0 f44"/>
+              <a:gd name="f54" fmla="?: f43 f18 f2"/>
+              <a:gd name="f55" fmla="?: f43 f2 f18"/>
+              <a:gd name="f56" fmla="+- f40 0 f45"/>
+              <a:gd name="f57" fmla="+- f44 0 f39"/>
+              <a:gd name="f58" fmla="+- f45 0 f40"/>
+              <a:gd name="f59" fmla="?: f42 0 f1"/>
+              <a:gd name="f60" fmla="?: f42 f1 0"/>
+              <a:gd name="f61" fmla="+- 0 0 f46"/>
+              <a:gd name="f62" fmla="?: f42 f52 f51"/>
+              <a:gd name="f63" fmla="?: f42 f51 f52"/>
+              <a:gd name="f64" fmla="?: f43 f50 f49"/>
+              <a:gd name="f65" fmla="abs f53"/>
+              <a:gd name="f66" fmla="?: f53 0 f1"/>
+              <a:gd name="f67" fmla="?: f53 f1 0"/>
+              <a:gd name="f68" fmla="?: f53 f54 f55"/>
+              <a:gd name="f69" fmla="abs f56"/>
+              <a:gd name="f70" fmla="abs f57"/>
+              <a:gd name="f71" fmla="?: f56 f18 f2"/>
+              <a:gd name="f72" fmla="?: f56 f2 f18"/>
+              <a:gd name="f73" fmla="?: f56 f3 f2"/>
+              <a:gd name="f74" fmla="?: f56 f2 f3"/>
+              <a:gd name="f75" fmla="abs f58"/>
+              <a:gd name="f76" fmla="?: f58 f18 f2"/>
+              <a:gd name="f77" fmla="?: f58 f2 f18"/>
+              <a:gd name="f78" fmla="?: f58 f60 f59"/>
+              <a:gd name="f79" fmla="?: f58 f59 f60"/>
+              <a:gd name="f80" fmla="*/ f17 f61 1"/>
+              <a:gd name="f81" fmla="?: f43 f63 f62"/>
+              <a:gd name="f82" fmla="?: f43 f67 f66"/>
+              <a:gd name="f83" fmla="?: f43 f66 f67"/>
+              <a:gd name="f84" fmla="?: f56 f74 f73"/>
+              <a:gd name="f85" fmla="?: f56 f73 f74"/>
+              <a:gd name="f86" fmla="?: f57 f72 f71"/>
+              <a:gd name="f87" fmla="?: f42 f78 f79"/>
+              <a:gd name="f88" fmla="?: f42 f76 f77"/>
+              <a:gd name="f89" fmla="*/ f80 3163 1"/>
+              <a:gd name="f90" fmla="?: f53 f82 f83"/>
+              <a:gd name="f91" fmla="?: f57 f85 f84"/>
+              <a:gd name="f92" fmla="*/ f89 1 7636"/>
+              <a:gd name="f93" fmla="+- f7 f92 0"/>
+              <a:gd name="f94" fmla="+- f30 0 f92"/>
+              <a:gd name="f95" fmla="+- f31 0 f92"/>
+              <a:gd name="f96" fmla="*/ f93 f29 1"/>
+              <a:gd name="f97" fmla="*/ f94 f29 1"/>
+              <a:gd name="f98" fmla="*/ f95 f29 1"/>
+            </a:gdLst>
+            <a:ahLst>
+              <a:ahXY gdRefX="f0" minX="f7" maxX="f10">
+                <a:pos x="f36" y="f37"/>
+              </a:ahXY>
+            </a:ahLst>
+            <a:cxnLst>
+              <a:cxn ang="3cd4">
+                <a:pos x="hc" y="t"/>
+              </a:cxn>
+              <a:cxn ang="0">
+                <a:pos x="r" y="vc"/>
+              </a:cxn>
+              <a:cxn ang="cd4">
+                <a:pos x="hc" y="b"/>
+              </a:cxn>
+              <a:cxn ang="cd2">
+                <a:pos x="l" y="vc"/>
+              </a:cxn>
+            </a:cxnLst>
+            <a:rect l="f96" t="f96" r="f97" b="f98"/>
+            <a:pathLst>
+              <a:path>
+                <a:moveTo>
+                  <a:pt x="f38" y="f37"/>
+                </a:moveTo>
+                <a:arcTo wR="f47" hR="f48" stAng="f81" swAng="f64"/>
+                <a:lnTo>
+                  <a:pt x="f37" y="f44"/>
+                </a:lnTo>
+                <a:arcTo wR="f48" hR="f65" stAng="f90" swAng="f68"/>
+                <a:lnTo>
+                  <a:pt x="f45" y="f39"/>
+                </a:lnTo>
+                <a:arcTo wR="f69" hR="f70" stAng="f91" swAng="f86"/>
+                <a:lnTo>
+                  <a:pt x="f40" y="f38"/>
+                </a:lnTo>
+                <a:arcTo wR="f75" hR="f47" stAng="f87" swAng="f88"/>
+                <a:close/>
+              </a:path>
+            </a:pathLst>
+          </a:custGeom>
+          <a:solidFill>
+            <a:srgbClr val="FFFFFF"/>
+          </a:solidFill>
+          <a:ln w="0">
+            <a:solidFill>
+              <a:srgbClr val="000000"/>
+            </a:solidFill>
+            <a:prstDash val="solid"/>
+          </a:ln>
+        </p:spPr>
+        <p:txBody>
+          <a:bodyPr wrap="none" lIns="90000" tIns="45000" rIns="90000" bIns="45000" anchor="ctr" compatLnSpc="0"/>
+          <a:lstStyle/>
+          <a:p>
+            <a:pPr algn="ctr" eaLnBrk="1" fontAlgn="auto">
+              <a:spcBef>
+                <a:spcPts val="0"/>
+              </a:spcBef>
+              <a:spcAft>
+                <a:spcPts val="0"/>
+              </a:spcAft>
+              <a:defRPr/>
+            </a:pPr>
+            <a:r>
+              <a:rPr lang="en-US" sz="1300" b="1" dirty="0">
+                <a:latin typeface="Cambria" charset="0"/>
+                <a:ea typeface="Cambria" charset="0"/>
+                <a:cs typeface="Cambria" charset="0"/>
+              </a:rPr>
+              <a:t>Pre-processing</a:t>
+            </a:r>
+          </a:p>
+        </p:txBody>
+      </p:sp>
+      <p:sp>
+        <p:nvSpPr>
+          <p:cNvPr id="20" name="Freeform 19"/>
+          <p:cNvSpPr/>
+          <p:nvPr/>
+        </p:nvSpPr>
+        <p:spPr>
+          <a:xfrm>
+            <a:off x="8754507" y="2296089"/>
+            <a:ext cx="1279525" cy="641350"/>
+          </a:xfrm>
+          <a:custGeom>
+            <a:avLst>
+              <a:gd name="f0" fmla="val 3600"/>
+            </a:avLst>
+            <a:gdLst>
+              <a:gd name="f1" fmla="val 10800000"/>
+              <a:gd name="f2" fmla="val 5400000"/>
+              <a:gd name="f3" fmla="val 16200000"/>
+              <a:gd name="f4" fmla="val w"/>
+              <a:gd name="f5" fmla="val h"/>
+              <a:gd name="f6" fmla="val ss"/>
+              <a:gd name="f7" fmla="val 0"/>
+              <a:gd name="f8" fmla="*/ 5419351 1 1725033"/>
+              <a:gd name="f9" fmla="val 45"/>
+              <a:gd name="f10" fmla="val 10800"/>
+              <a:gd name="f11" fmla="val -2147483647"/>
+              <a:gd name="f12" fmla="val 2147483647"/>
+              <a:gd name="f13" fmla="abs f4"/>
+              <a:gd name="f14" fmla="abs f5"/>
+              <a:gd name="f15" fmla="abs f6"/>
+              <a:gd name="f16" fmla="*/ f8 1 180"/>
+              <a:gd name="f17" fmla="pin 0 f0 10800"/>
+              <a:gd name="f18" fmla="+- 0 0 f2"/>
+              <a:gd name="f19" fmla="?: f13 f4 1"/>
+              <a:gd name="f20" fmla="?: f14 f5 1"/>
+              <a:gd name="f21" fmla="?: f15 f6 1"/>
+              <a:gd name="f22" fmla="*/ f9 f16 1"/>
+              <a:gd name="f23" fmla="+- f7 f17 0"/>
+              <a:gd name="f24" fmla="*/ f19 1 21600"/>
+              <a:gd name="f25" fmla="*/ f20 1 21600"/>
+              <a:gd name="f26" fmla="*/ 21600 f19 1"/>
+              <a:gd name="f27" fmla="*/ 21600 f20 1"/>
+              <a:gd name="f28" fmla="+- 0 0 f22"/>
+              <a:gd name="f29" fmla="min f25 f24"/>
+              <a:gd name="f30" fmla="*/ f26 1 f21"/>
+              <a:gd name="f31" fmla="*/ f27 1 f21"/>
+              <a:gd name="f32" fmla="*/ f28 f1 1"/>
+              <a:gd name="f33" fmla="*/ f32 1 f8"/>
+              <a:gd name="f34" fmla="+- f31 0 f17"/>
+              <a:gd name="f35" fmla="+- f30 0 f17"/>
+              <a:gd name="f36" fmla="*/ f17 f29 1"/>
+              <a:gd name="f37" fmla="*/ f7 f29 1"/>
+              <a:gd name="f38" fmla="*/ f23 f29 1"/>
+              <a:gd name="f39" fmla="*/ f31 f29 1"/>
+              <a:gd name="f40" fmla="*/ f30 f29 1"/>
+              <a:gd name="f41" fmla="+- f33 0 f2"/>
+              <a:gd name="f42" fmla="+- f37 0 f38"/>
+              <a:gd name="f43" fmla="+- f38 0 f37"/>
+              <a:gd name="f44" fmla="*/ f34 f29 1"/>
+              <a:gd name="f45" fmla="*/ f35 f29 1"/>
+              <a:gd name="f46" fmla="cos 1 f41"/>
+              <a:gd name="f47" fmla="abs f42"/>
+              <a:gd name="f48" fmla="abs f43"/>
+              <a:gd name="f49" fmla="?: f42 f18 f2"/>
+              <a:gd name="f50" fmla="?: f42 f2 f18"/>
+              <a:gd name="f51" fmla="?: f42 f3 f2"/>
+              <a:gd name="f52" fmla="?: f42 f2 f3"/>
+              <a:gd name="f53" fmla="+- f39 0 f44"/>
+              <a:gd name="f54" fmla="?: f43 f18 f2"/>
+              <a:gd name="f55" fmla="?: f43 f2 f18"/>
+              <a:gd name="f56" fmla="+- f40 0 f45"/>
+              <a:gd name="f57" fmla="+- f44 0 f39"/>
+              <a:gd name="f58" fmla="+- f45 0 f40"/>
+              <a:gd name="f59" fmla="?: f42 0 f1"/>
+              <a:gd name="f60" fmla="?: f42 f1 0"/>
+              <a:gd name="f61" fmla="+- 0 0 f46"/>
+              <a:gd name="f62" fmla="?: f42 f52 f51"/>
+              <a:gd name="f63" fmla="?: f42 f51 f52"/>
+              <a:gd name="f64" fmla="?: f43 f50 f49"/>
+              <a:gd name="f65" fmla="abs f53"/>
+              <a:gd name="f66" fmla="?: f53 0 f1"/>
+              <a:gd name="f67" fmla="?: f53 f1 0"/>
+              <a:gd name="f68" fmla="?: f53 f54 f55"/>
+              <a:gd name="f69" fmla="abs f56"/>
+              <a:gd name="f70" fmla="abs f57"/>
+              <a:gd name="f71" fmla="?: f56 f18 f2"/>
+              <a:gd name="f72" fmla="?: f56 f2 f18"/>
+              <a:gd name="f73" fmla="?: f56 f3 f2"/>
+              <a:gd name="f74" fmla="?: f56 f2 f3"/>
+              <a:gd name="f75" fmla="abs f58"/>
+              <a:gd name="f76" fmla="?: f58 f18 f2"/>
+              <a:gd name="f77" fmla="?: f58 f2 f18"/>
+              <a:gd name="f78" fmla="?: f58 f60 f59"/>
+              <a:gd name="f79" fmla="?: f58 f59 f60"/>
+              <a:gd name="f80" fmla="*/ f17 f61 1"/>
+              <a:gd name="f81" fmla="?: f43 f63 f62"/>
+              <a:gd name="f82" fmla="?: f43 f67 f66"/>
+              <a:gd name="f83" fmla="?: f43 f66 f67"/>
+              <a:gd name="f84" fmla="?: f56 f74 f73"/>
+              <a:gd name="f85" fmla="?: f56 f73 f74"/>
+              <a:gd name="f86" fmla="?: f57 f72 f71"/>
+              <a:gd name="f87" fmla="?: f42 f78 f79"/>
+              <a:gd name="f88" fmla="?: f42 f76 f77"/>
+              <a:gd name="f89" fmla="*/ f80 3163 1"/>
+              <a:gd name="f90" fmla="?: f53 f82 f83"/>
+              <a:gd name="f91" fmla="?: f57 f85 f84"/>
+              <a:gd name="f92" fmla="*/ f89 1 7636"/>
+              <a:gd name="f93" fmla="+- f7 f92 0"/>
+              <a:gd name="f94" fmla="+- f30 0 f92"/>
+              <a:gd name="f95" fmla="+- f31 0 f92"/>
+              <a:gd name="f96" fmla="*/ f93 f29 1"/>
+              <a:gd name="f97" fmla="*/ f94 f29 1"/>
+              <a:gd name="f98" fmla="*/ f95 f29 1"/>
+            </a:gdLst>
+            <a:ahLst>
+              <a:ahXY gdRefX="f0" minX="f7" maxX="f10">
+                <a:pos x="f36" y="f37"/>
+              </a:ahXY>
+            </a:ahLst>
+            <a:cxnLst>
+              <a:cxn ang="3cd4">
+                <a:pos x="hc" y="t"/>
+              </a:cxn>
+              <a:cxn ang="0">
+                <a:pos x="r" y="vc"/>
+              </a:cxn>
+              <a:cxn ang="cd4">
+                <a:pos x="hc" y="b"/>
+              </a:cxn>
+              <a:cxn ang="cd2">
+                <a:pos x="l" y="vc"/>
+              </a:cxn>
+            </a:cxnLst>
+            <a:rect l="f96" t="f96" r="f97" b="f98"/>
+            <a:pathLst>
+              <a:path>
+                <a:moveTo>
+                  <a:pt x="f38" y="f37"/>
+                </a:moveTo>
+                <a:arcTo wR="f47" hR="f48" stAng="f81" swAng="f64"/>
+                <a:lnTo>
+                  <a:pt x="f37" y="f44"/>
+                </a:lnTo>
+                <a:arcTo wR="f48" hR="f65" stAng="f90" swAng="f68"/>
+                <a:lnTo>
+                  <a:pt x="f45" y="f39"/>
+                </a:lnTo>
+                <a:arcTo wR="f69" hR="f70" stAng="f91" swAng="f86"/>
+                <a:lnTo>
+                  <a:pt x="f40" y="f38"/>
+                </a:lnTo>
+                <a:arcTo wR="f75" hR="f47" stAng="f87" swAng="f88"/>
+                <a:close/>
+              </a:path>
+            </a:pathLst>
+          </a:custGeom>
+          <a:solidFill>
+            <a:srgbClr val="FFFFFF"/>
+          </a:solidFill>
+          <a:ln w="0">
+            <a:solidFill>
+              <a:srgbClr val="000000"/>
+            </a:solidFill>
+            <a:prstDash val="solid"/>
+          </a:ln>
+        </p:spPr>
+        <p:txBody>
+          <a:bodyPr wrap="none" lIns="90000" tIns="45000" rIns="90000" bIns="45000" anchor="ctr" compatLnSpc="0"/>
+          <a:lstStyle/>
+          <a:p>
+            <a:pPr algn="ctr" eaLnBrk="1" fontAlgn="auto">
+              <a:spcBef>
+                <a:spcPts val="0"/>
+              </a:spcBef>
+              <a:spcAft>
+                <a:spcPts val="0"/>
+              </a:spcAft>
+              <a:defRPr/>
+            </a:pPr>
+            <a:r>
+              <a:rPr lang="en-US" sz="1300" b="1" dirty="0" smtClean="0">
+                <a:latin typeface="Cambria" charset="0"/>
+                <a:ea typeface="Cambria" charset="0"/>
+                <a:cs typeface="Cambria" charset="0"/>
+              </a:rPr>
+              <a:t>Post-</a:t>
+            </a:r>
+          </a:p>
+          <a:p>
+            <a:pPr algn="ctr" eaLnBrk="1" fontAlgn="auto">
+              <a:spcBef>
+                <a:spcPts val="0"/>
+              </a:spcBef>
+              <a:spcAft>
+                <a:spcPts val="0"/>
+              </a:spcAft>
+              <a:defRPr/>
+            </a:pPr>
+            <a:r>
+              <a:rPr lang="en-US" sz="1300" b="1" dirty="0" smtClean="0">
+                <a:latin typeface="Cambria" charset="0"/>
+                <a:ea typeface="Cambria" charset="0"/>
+                <a:cs typeface="Cambria" charset="0"/>
+              </a:rPr>
+              <a:t>processing</a:t>
+            </a:r>
+            <a:endParaRPr lang="en-US" sz="1300" b="1" dirty="0">
+              <a:latin typeface="Cambria" charset="0"/>
+              <a:ea typeface="Cambria" charset="0"/>
+              <a:cs typeface="Cambria" charset="0"/>
+            </a:endParaRPr>
+          </a:p>
+        </p:txBody>
+      </p:sp>
+      <p:sp>
+        <p:nvSpPr>
+          <p:cNvPr id="22" name="Freeform 21"/>
+          <p:cNvSpPr/>
+          <p:nvPr/>
+        </p:nvSpPr>
+        <p:spPr>
+          <a:xfrm>
+            <a:off x="5626539" y="2298501"/>
+            <a:ext cx="1287936" cy="637351"/>
+          </a:xfrm>
+          <a:custGeom>
+            <a:avLst>
+              <a:gd name="f0" fmla="val 3600"/>
+            </a:avLst>
+            <a:gdLst>
+              <a:gd name="f1" fmla="val 10800000"/>
+              <a:gd name="f2" fmla="val 5400000"/>
+              <a:gd name="f3" fmla="val 16200000"/>
+              <a:gd name="f4" fmla="val w"/>
+              <a:gd name="f5" fmla="val h"/>
+              <a:gd name="f6" fmla="val ss"/>
+              <a:gd name="f7" fmla="val 0"/>
+              <a:gd name="f8" fmla="*/ 5419351 1 1725033"/>
+              <a:gd name="f9" fmla="val 45"/>
+              <a:gd name="f10" fmla="val 10800"/>
+              <a:gd name="f11" fmla="val -2147483647"/>
+              <a:gd name="f12" fmla="val 2147483647"/>
+              <a:gd name="f13" fmla="abs f4"/>
+              <a:gd name="f14" fmla="abs f5"/>
+              <a:gd name="f15" fmla="abs f6"/>
+              <a:gd name="f16" fmla="*/ f8 1 180"/>
+              <a:gd name="f17" fmla="pin 0 f0 10800"/>
+              <a:gd name="f18" fmla="+- 0 0 f2"/>
+              <a:gd name="f19" fmla="?: f13 f4 1"/>
+              <a:gd name="f20" fmla="?: f14 f5 1"/>
+              <a:gd name="f21" fmla="?: f15 f6 1"/>
+              <a:gd name="f22" fmla="*/ f9 f16 1"/>
+              <a:gd name="f23" fmla="+- f7 f17 0"/>
+              <a:gd name="f24" fmla="*/ f19 1 21600"/>
+              <a:gd name="f25" fmla="*/ f20 1 21600"/>
+              <a:gd name="f26" fmla="*/ 21600 f19 1"/>
+              <a:gd name="f27" fmla="*/ 21600 f20 1"/>
+              <a:gd name="f28" fmla="+- 0 0 f22"/>
+              <a:gd name="f29" fmla="min f25 f24"/>
+              <a:gd name="f30" fmla="*/ f26 1 f21"/>
+              <a:gd name="f31" fmla="*/ f27 1 f21"/>
+              <a:gd name="f32" fmla="*/ f28 f1 1"/>
+              <a:gd name="f33" fmla="*/ f32 1 f8"/>
+              <a:gd name="f34" fmla="+- f31 0 f17"/>
+              <a:gd name="f35" fmla="+- f30 0 f17"/>
+              <a:gd name="f36" fmla="*/ f17 f29 1"/>
+              <a:gd name="f37" fmla="*/ f7 f29 1"/>
+              <a:gd name="f38" fmla="*/ f23 f29 1"/>
+              <a:gd name="f39" fmla="*/ f31 f29 1"/>
+              <a:gd name="f40" fmla="*/ f30 f29 1"/>
+              <a:gd name="f41" fmla="+- f33 0 f2"/>
+              <a:gd name="f42" fmla="+- f37 0 f38"/>
+              <a:gd name="f43" fmla="+- f38 0 f37"/>
+              <a:gd name="f44" fmla="*/ f34 f29 1"/>
+              <a:gd name="f45" fmla="*/ f35 f29 1"/>
+              <a:gd name="f46" fmla="cos 1 f41"/>
+              <a:gd name="f47" fmla="abs f42"/>
+              <a:gd name="f48" fmla="abs f43"/>
+              <a:gd name="f49" fmla="?: f42 f18 f2"/>
+              <a:gd name="f50" fmla="?: f42 f2 f18"/>
+              <a:gd name="f51" fmla="?: f42 f3 f2"/>
+              <a:gd name="f52" fmla="?: f42 f2 f3"/>
+              <a:gd name="f53" fmla="+- f39 0 f44"/>
+              <a:gd name="f54" fmla="?: f43 f18 f2"/>
+              <a:gd name="f55" fmla="?: f43 f2 f18"/>
+              <a:gd name="f56" fmla="+- f40 0 f45"/>
+              <a:gd name="f57" fmla="+- f44 0 f39"/>
+              <a:gd name="f58" fmla="+- f45 0 f40"/>
+              <a:gd name="f59" fmla="?: f42 0 f1"/>
+              <a:gd name="f60" fmla="?: f42 f1 0"/>
+              <a:gd name="f61" fmla="+- 0 0 f46"/>
+              <a:gd name="f62" fmla="?: f42 f52 f51"/>
+              <a:gd name="f63" fmla="?: f42 f51 f52"/>
+              <a:gd name="f64" fmla="?: f43 f50 f49"/>
+              <a:gd name="f65" fmla="abs f53"/>
+              <a:gd name="f66" fmla="?: f53 0 f1"/>
+              <a:gd name="f67" fmla="?: f53 f1 0"/>
+              <a:gd name="f68" fmla="?: f53 f54 f55"/>
+              <a:gd name="f69" fmla="abs f56"/>
+              <a:gd name="f70" fmla="abs f57"/>
+              <a:gd name="f71" fmla="?: f56 f18 f2"/>
+              <a:gd name="f72" fmla="?: f56 f2 f18"/>
+              <a:gd name="f73" fmla="?: f56 f3 f2"/>
+              <a:gd name="f74" fmla="?: f56 f2 f3"/>
+              <a:gd name="f75" fmla="abs f58"/>
+              <a:gd name="f76" fmla="?: f58 f18 f2"/>
+              <a:gd name="f77" fmla="?: f58 f2 f18"/>
+              <a:gd name="f78" fmla="?: f58 f60 f59"/>
+              <a:gd name="f79" fmla="?: f58 f59 f60"/>
+              <a:gd name="f80" fmla="*/ f17 f61 1"/>
+              <a:gd name="f81" fmla="?: f43 f63 f62"/>
+              <a:gd name="f82" fmla="?: f43 f67 f66"/>
+              <a:gd name="f83" fmla="?: f43 f66 f67"/>
+              <a:gd name="f84" fmla="?: f56 f74 f73"/>
+              <a:gd name="f85" fmla="?: f56 f73 f74"/>
+              <a:gd name="f86" fmla="?: f57 f72 f71"/>
+              <a:gd name="f87" fmla="?: f42 f78 f79"/>
+              <a:gd name="f88" fmla="?: f42 f76 f77"/>
+              <a:gd name="f89" fmla="*/ f80 3163 1"/>
+              <a:gd name="f90" fmla="?: f53 f82 f83"/>
+              <a:gd name="f91" fmla="?: f57 f85 f84"/>
+              <a:gd name="f92" fmla="*/ f89 1 7636"/>
+              <a:gd name="f93" fmla="+- f7 f92 0"/>
+              <a:gd name="f94" fmla="+- f30 0 f92"/>
+              <a:gd name="f95" fmla="+- f31 0 f92"/>
+              <a:gd name="f96" fmla="*/ f93 f29 1"/>
+              <a:gd name="f97" fmla="*/ f94 f29 1"/>
+              <a:gd name="f98" fmla="*/ f95 f29 1"/>
+            </a:gdLst>
+            <a:ahLst>
+              <a:ahXY gdRefX="f0" minX="f7" maxX="f10">
+                <a:pos x="f36" y="f37"/>
+              </a:ahXY>
+            </a:ahLst>
+            <a:cxnLst>
+              <a:cxn ang="3cd4">
+                <a:pos x="hc" y="t"/>
+              </a:cxn>
+              <a:cxn ang="0">
+                <a:pos x="r" y="vc"/>
+              </a:cxn>
+              <a:cxn ang="cd4">
+                <a:pos x="hc" y="b"/>
+              </a:cxn>
+              <a:cxn ang="cd2">
+                <a:pos x="l" y="vc"/>
+              </a:cxn>
+            </a:cxnLst>
+            <a:rect l="f96" t="f96" r="f97" b="f98"/>
+            <a:pathLst>
+              <a:path>
+                <a:moveTo>
+                  <a:pt x="f38" y="f37"/>
+                </a:moveTo>
+                <a:arcTo wR="f47" hR="f48" stAng="f81" swAng="f64"/>
+                <a:lnTo>
+                  <a:pt x="f37" y="f44"/>
+                </a:lnTo>
+                <a:arcTo wR="f48" hR="f65" stAng="f90" swAng="f68"/>
+                <a:lnTo>
+                  <a:pt x="f45" y="f39"/>
+                </a:lnTo>
+                <a:arcTo wR="f69" hR="f70" stAng="f91" swAng="f86"/>
+                <a:lnTo>
+                  <a:pt x="f40" y="f38"/>
+                </a:lnTo>
+                <a:arcTo wR="f75" hR="f47" stAng="f87" swAng="f88"/>
+                <a:close/>
+              </a:path>
+            </a:pathLst>
+          </a:custGeom>
+          <a:solidFill>
+            <a:srgbClr val="FFFFFF"/>
+          </a:solidFill>
+          <a:ln w="0">
+            <a:solidFill>
+              <a:srgbClr val="000000"/>
+            </a:solidFill>
+            <a:prstDash val="solid"/>
+          </a:ln>
+        </p:spPr>
+        <p:txBody>
+          <a:bodyPr wrap="none" lIns="90000" tIns="45000" rIns="90000" bIns="45000" anchor="ctr" compatLnSpc="0"/>
+          <a:lstStyle/>
+          <a:p>
+            <a:pPr algn="ctr" eaLnBrk="1" fontAlgn="auto">
+              <a:spcBef>
+                <a:spcPts val="0"/>
+              </a:spcBef>
+              <a:spcAft>
+                <a:spcPts val="0"/>
+              </a:spcAft>
+              <a:defRPr/>
+            </a:pPr>
+            <a:r>
+              <a:rPr lang="en-US" sz="1300" b="1" dirty="0" smtClean="0">
+                <a:latin typeface="Cambria" charset="0"/>
+                <a:ea typeface="Cambria" charset="0"/>
+                <a:cs typeface="Cambria" charset="0"/>
+              </a:rPr>
+              <a:t>Event Log</a:t>
+            </a:r>
+          </a:p>
+          <a:p>
+            <a:pPr algn="ctr" eaLnBrk="1" fontAlgn="auto">
+              <a:spcBef>
+                <a:spcPts val="0"/>
+              </a:spcBef>
+              <a:spcAft>
+                <a:spcPts val="0"/>
+              </a:spcAft>
+              <a:defRPr/>
+            </a:pPr>
+            <a:r>
+              <a:rPr lang="en-US" sz="1300" b="1" dirty="0" smtClean="0">
+                <a:latin typeface="Cambria" charset="0"/>
+                <a:ea typeface="Cambria" charset="0"/>
+                <a:cs typeface="Cambria" charset="0"/>
+              </a:rPr>
+              <a:t> Reconstruction</a:t>
+            </a:r>
+            <a:endParaRPr lang="en-US" sz="1300" b="1" dirty="0">
+              <a:latin typeface="Cambria" charset="0"/>
+              <a:ea typeface="Cambria" charset="0"/>
+              <a:cs typeface="Cambria" charset="0"/>
+            </a:endParaRPr>
+          </a:p>
+        </p:txBody>
+      </p:sp>
+      <p:sp>
+        <p:nvSpPr>
+          <p:cNvPr id="23" name="Freeform 22"/>
+          <p:cNvSpPr/>
+          <p:nvPr/>
+        </p:nvSpPr>
+        <p:spPr>
+          <a:xfrm>
+            <a:off x="3628333" y="2296089"/>
+            <a:ext cx="828675" cy="639763"/>
+          </a:xfrm>
+          <a:custGeom>
+            <a:avLst>
+              <a:gd name="f0" fmla="val 3600"/>
+            </a:avLst>
+            <a:gdLst>
+              <a:gd name="f1" fmla="val 10800000"/>
+              <a:gd name="f2" fmla="val 5400000"/>
+              <a:gd name="f3" fmla="val 16200000"/>
+              <a:gd name="f4" fmla="val w"/>
+              <a:gd name="f5" fmla="val h"/>
+              <a:gd name="f6" fmla="val ss"/>
+              <a:gd name="f7" fmla="val 0"/>
+              <a:gd name="f8" fmla="*/ 5419351 1 1725033"/>
+              <a:gd name="f9" fmla="val 45"/>
+              <a:gd name="f10" fmla="val 10800"/>
+              <a:gd name="f11" fmla="val -2147483647"/>
+              <a:gd name="f12" fmla="val 2147483647"/>
+              <a:gd name="f13" fmla="abs f4"/>
+              <a:gd name="f14" fmla="abs f5"/>
+              <a:gd name="f15" fmla="abs f6"/>
+              <a:gd name="f16" fmla="*/ f8 1 180"/>
+              <a:gd name="f17" fmla="pin 0 f0 10800"/>
+              <a:gd name="f18" fmla="+- 0 0 f2"/>
+              <a:gd name="f19" fmla="?: f13 f4 1"/>
+              <a:gd name="f20" fmla="?: f14 f5 1"/>
+              <a:gd name="f21" fmla="?: f15 f6 1"/>
+              <a:gd name="f22" fmla="*/ f9 f16 1"/>
+              <a:gd name="f23" fmla="+- f7 f17 0"/>
+              <a:gd name="f24" fmla="*/ f19 1 21600"/>
+              <a:gd name="f25" fmla="*/ f20 1 21600"/>
+              <a:gd name="f26" fmla="*/ 21600 f19 1"/>
+              <a:gd name="f27" fmla="*/ 21600 f20 1"/>
+              <a:gd name="f28" fmla="+- 0 0 f22"/>
+              <a:gd name="f29" fmla="min f25 f24"/>
+              <a:gd name="f30" fmla="*/ f26 1 f21"/>
+              <a:gd name="f31" fmla="*/ f27 1 f21"/>
+              <a:gd name="f32" fmla="*/ f28 f1 1"/>
+              <a:gd name="f33" fmla="*/ f32 1 f8"/>
+              <a:gd name="f34" fmla="+- f31 0 f17"/>
+              <a:gd name="f35" fmla="+- f30 0 f17"/>
+              <a:gd name="f36" fmla="*/ f17 f29 1"/>
+              <a:gd name="f37" fmla="*/ f7 f29 1"/>
+              <a:gd name="f38" fmla="*/ f23 f29 1"/>
+              <a:gd name="f39" fmla="*/ f31 f29 1"/>
+              <a:gd name="f40" fmla="*/ f30 f29 1"/>
+              <a:gd name="f41" fmla="+- f33 0 f2"/>
+              <a:gd name="f42" fmla="+- f37 0 f38"/>
+              <a:gd name="f43" fmla="+- f38 0 f37"/>
+              <a:gd name="f44" fmla="*/ f34 f29 1"/>
+              <a:gd name="f45" fmla="*/ f35 f29 1"/>
+              <a:gd name="f46" fmla="cos 1 f41"/>
+              <a:gd name="f47" fmla="abs f42"/>
+              <a:gd name="f48" fmla="abs f43"/>
+              <a:gd name="f49" fmla="?: f42 f18 f2"/>
+              <a:gd name="f50" fmla="?: f42 f2 f18"/>
+              <a:gd name="f51" fmla="?: f42 f3 f2"/>
+              <a:gd name="f52" fmla="?: f42 f2 f3"/>
+              <a:gd name="f53" fmla="+- f39 0 f44"/>
+              <a:gd name="f54" fmla="?: f43 f18 f2"/>
+              <a:gd name="f55" fmla="?: f43 f2 f18"/>
+              <a:gd name="f56" fmla="+- f40 0 f45"/>
+              <a:gd name="f57" fmla="+- f44 0 f39"/>
+              <a:gd name="f58" fmla="+- f45 0 f40"/>
+              <a:gd name="f59" fmla="?: f42 0 f1"/>
+              <a:gd name="f60" fmla="?: f42 f1 0"/>
+              <a:gd name="f61" fmla="+- 0 0 f46"/>
+              <a:gd name="f62" fmla="?: f42 f52 f51"/>
+              <a:gd name="f63" fmla="?: f42 f51 f52"/>
+              <a:gd name="f64" fmla="?: f43 f50 f49"/>
+              <a:gd name="f65" fmla="abs f53"/>
+              <a:gd name="f66" fmla="?: f53 0 f1"/>
+              <a:gd name="f67" fmla="?: f53 f1 0"/>
+              <a:gd name="f68" fmla="?: f53 f54 f55"/>
+              <a:gd name="f69" fmla="abs f56"/>
+              <a:gd name="f70" fmla="abs f57"/>
+              <a:gd name="f71" fmla="?: f56 f18 f2"/>
+              <a:gd name="f72" fmla="?: f56 f2 f18"/>
+              <a:gd name="f73" fmla="?: f56 f3 f2"/>
+              <a:gd name="f74" fmla="?: f56 f2 f3"/>
+              <a:gd name="f75" fmla="abs f58"/>
+              <a:gd name="f76" fmla="?: f58 f18 f2"/>
+              <a:gd name="f77" fmla="?: f58 f2 f18"/>
+              <a:gd name="f78" fmla="?: f58 f60 f59"/>
+              <a:gd name="f79" fmla="?: f58 f59 f60"/>
+              <a:gd name="f80" fmla="*/ f17 f61 1"/>
+              <a:gd name="f81" fmla="?: f43 f63 f62"/>
+              <a:gd name="f82" fmla="?: f43 f67 f66"/>
+              <a:gd name="f83" fmla="?: f43 f66 f67"/>
+              <a:gd name="f84" fmla="?: f56 f74 f73"/>
+              <a:gd name="f85" fmla="?: f56 f73 f74"/>
+              <a:gd name="f86" fmla="?: f57 f72 f71"/>
+              <a:gd name="f87" fmla="?: f42 f78 f79"/>
+              <a:gd name="f88" fmla="?: f42 f76 f77"/>
+              <a:gd name="f89" fmla="*/ f80 3163 1"/>
+              <a:gd name="f90" fmla="?: f53 f82 f83"/>
+              <a:gd name="f91" fmla="?: f57 f85 f84"/>
+              <a:gd name="f92" fmla="*/ f89 1 7636"/>
+              <a:gd name="f93" fmla="+- f7 f92 0"/>
+              <a:gd name="f94" fmla="+- f30 0 f92"/>
+              <a:gd name="f95" fmla="+- f31 0 f92"/>
+              <a:gd name="f96" fmla="*/ f93 f29 1"/>
+              <a:gd name="f97" fmla="*/ f94 f29 1"/>
+              <a:gd name="f98" fmla="*/ f95 f29 1"/>
+            </a:gdLst>
+            <a:ahLst>
+              <a:ahXY gdRefX="f0" minX="f7" maxX="f10">
+                <a:pos x="f36" y="f37"/>
+              </a:ahXY>
+            </a:ahLst>
+            <a:cxnLst>
+              <a:cxn ang="3cd4">
+                <a:pos x="hc" y="t"/>
+              </a:cxn>
+              <a:cxn ang="0">
+                <a:pos x="r" y="vc"/>
+              </a:cxn>
+              <a:cxn ang="cd4">
+                <a:pos x="hc" y="b"/>
+              </a:cxn>
+              <a:cxn ang="cd2">
+                <a:pos x="l" y="vc"/>
+              </a:cxn>
+            </a:cxnLst>
+            <a:rect l="f96" t="f96" r="f97" b="f98"/>
+            <a:pathLst>
+              <a:path>
+                <a:moveTo>
+                  <a:pt x="f38" y="f37"/>
+                </a:moveTo>
+                <a:arcTo wR="f47" hR="f48" stAng="f81" swAng="f64"/>
+                <a:lnTo>
+                  <a:pt x="f37" y="f44"/>
+                </a:lnTo>
+                <a:arcTo wR="f48" hR="f65" stAng="f90" swAng="f68"/>
+                <a:lnTo>
+                  <a:pt x="f45" y="f39"/>
+                </a:lnTo>
+                <a:arcTo wR="f69" hR="f70" stAng="f91" swAng="f86"/>
+                <a:lnTo>
+                  <a:pt x="f40" y="f38"/>
+                </a:lnTo>
+                <a:arcTo wR="f75" hR="f47" stAng="f87" swAng="f88"/>
+                <a:close/>
+              </a:path>
+            </a:pathLst>
+          </a:custGeom>
+          <a:solidFill>
+            <a:srgbClr val="FFFFFF"/>
+          </a:solidFill>
+          <a:ln w="0">
+            <a:solidFill>
+              <a:srgbClr val="000000"/>
+            </a:solidFill>
+            <a:prstDash val="solid"/>
+          </a:ln>
+        </p:spPr>
+        <p:txBody>
+          <a:bodyPr wrap="none" lIns="90000" tIns="45000" rIns="90000" bIns="45000" anchor="ctr" compatLnSpc="0"/>
+          <a:lstStyle/>
+          <a:p>
+            <a:pPr algn="ctr" eaLnBrk="1" fontAlgn="auto">
+              <a:spcBef>
+                <a:spcPts val="0"/>
+              </a:spcBef>
+              <a:spcAft>
+                <a:spcPts val="0"/>
+              </a:spcAft>
+              <a:defRPr/>
+            </a:pPr>
+            <a:r>
+              <a:rPr lang="en-US" sz="1300" b="1">
+                <a:latin typeface="Cambria" charset="0"/>
+                <a:ea typeface="Cambria" charset="0"/>
+                <a:cs typeface="Cambria" charset="0"/>
+              </a:rPr>
+              <a:t>Model </a:t>
+            </a:r>
+            <a:br>
+              <a:rPr lang="en-US" sz="1300" b="1">
+                <a:latin typeface="Cambria" charset="0"/>
+                <a:ea typeface="Cambria" charset="0"/>
+                <a:cs typeface="Cambria" charset="0"/>
+              </a:rPr>
+            </a:br>
+            <a:r>
+              <a:rPr lang="en-US" sz="1300" b="1">
+                <a:latin typeface="Cambria" charset="0"/>
+                <a:ea typeface="Cambria" charset="0"/>
+                <a:cs typeface="Cambria" charset="0"/>
+              </a:rPr>
+              <a:t>Training</a:t>
+            </a:r>
+          </a:p>
+        </p:txBody>
+      </p:sp>
+      <p:pic>
+        <p:nvPicPr>
+          <p:cNvPr id="24" name="Picture 9"/>
+          <p:cNvPicPr>
+            <a:picLocks noChangeAspect="1"/>
+          </p:cNvPicPr>
+          <p:nvPr/>
+        </p:nvPicPr>
+        <p:blipFill>
+          <a:blip r:embed="rId3">
+            <a:extLst>
+              <a:ext uri="{28A0092B-C50C-407E-A947-70E740481C1C}">
+                <a14:useLocalDpi xmlns:a14="http://schemas.microsoft.com/office/drawing/2010/main" val="0"/>
+              </a:ext>
+            </a:extLst>
+          </a:blip>
+          <a:srcRect/>
+          <a:stretch>
+            <a:fillRect/>
+          </a:stretch>
+        </p:blipFill>
+        <p:spPr bwMode="auto">
+          <a:xfrm>
+            <a:off x="1986757" y="2350764"/>
+            <a:ext cx="1193800" cy="536575"/>
+          </a:xfrm>
+          <a:prstGeom prst="rect">
+            <a:avLst/>
+          </a:prstGeom>
+          <a:noFill/>
+          <a:ln>
+            <a:noFill/>
+          </a:ln>
+          <a:extLst>
+            <a:ext uri="{909E8E84-426E-40DD-AFC4-6F175D3DCCD1}">
+              <a14:hiddenFill xmlns:a14="http://schemas.microsoft.com/office/drawing/2010/main">
+                <a:solidFill>
+                  <a:srgbClr val="FFFFFF"/>
+                </a:solidFill>
+              </a14:hiddenFill>
+            </a:ext>
+            <a:ext uri="{91240B29-F687-4F45-9708-019B960494DF}">
+              <a14:hiddenLine xmlns:a14="http://schemas.microsoft.com/office/drawing/2010/main" w="9525">
+                <a:solidFill>
+                  <a:srgbClr val="000000"/>
+                </a:solidFill>
+                <a:miter lim="800000"/>
+                <a:headEnd/>
+                <a:tailEnd/>
+              </a14:hiddenLine>
+            </a:ext>
+          </a:extLst>
+        </p:spPr>
+      </p:pic>
+      <p:pic>
+        <p:nvPicPr>
+          <p:cNvPr id="25" name="Picture 10"/>
+          <p:cNvPicPr>
+            <a:picLocks noChangeAspect="1"/>
+          </p:cNvPicPr>
+          <p:nvPr/>
+        </p:nvPicPr>
+        <p:blipFill>
+          <a:blip r:embed="rId4">
+            <a:extLst>
+              <a:ext uri="{28A0092B-C50C-407E-A947-70E740481C1C}">
+                <a14:useLocalDpi xmlns:a14="http://schemas.microsoft.com/office/drawing/2010/main" val="0"/>
+              </a:ext>
+            </a:extLst>
+          </a:blip>
+          <a:srcRect/>
+          <a:stretch>
+            <a:fillRect/>
+          </a:stretch>
+        </p:blipFill>
+        <p:spPr bwMode="auto">
+          <a:xfrm>
+            <a:off x="1931195" y="2068189"/>
+            <a:ext cx="1171575" cy="514350"/>
+          </a:xfrm>
+          <a:prstGeom prst="rect">
+            <a:avLst/>
+          </a:prstGeom>
+          <a:noFill/>
+          <a:ln>
+            <a:noFill/>
+          </a:ln>
+          <a:extLst>
+            <a:ext uri="{909E8E84-426E-40DD-AFC4-6F175D3DCCD1}">
+              <a14:hiddenFill xmlns:a14="http://schemas.microsoft.com/office/drawing/2010/main">
+                <a:solidFill>
+                  <a:srgbClr val="FFFFFF"/>
+                </a:solidFill>
+              </a14:hiddenFill>
+            </a:ext>
+            <a:ext uri="{91240B29-F687-4F45-9708-019B960494DF}">
+              <a14:hiddenLine xmlns:a14="http://schemas.microsoft.com/office/drawing/2010/main" w="9525">
+                <a:solidFill>
+                  <a:srgbClr val="000000"/>
+                </a:solidFill>
+                <a:miter lim="800000"/>
+                <a:headEnd/>
+                <a:tailEnd/>
+              </a14:hiddenLine>
+            </a:ext>
+          </a:extLst>
+        </p:spPr>
+      </p:pic>
+      <p:pic>
+        <p:nvPicPr>
+          <p:cNvPr id="26" name="Picture 11"/>
+          <p:cNvPicPr>
+            <a:picLocks noChangeAspect="1"/>
+          </p:cNvPicPr>
+          <p:nvPr/>
+        </p:nvPicPr>
+        <p:blipFill>
+          <a:blip r:embed="rId2">
+            <a:extLst>
+              <a:ext uri="{28A0092B-C50C-407E-A947-70E740481C1C}">
+                <a14:useLocalDpi xmlns:a14="http://schemas.microsoft.com/office/drawing/2010/main" val="0"/>
+              </a:ext>
+            </a:extLst>
+          </a:blip>
+          <a:srcRect/>
+          <a:stretch>
+            <a:fillRect/>
+          </a:stretch>
+        </p:blipFill>
+        <p:spPr bwMode="auto">
+          <a:xfrm>
+            <a:off x="7240766" y="2582539"/>
+            <a:ext cx="1187450" cy="522287"/>
+          </a:xfrm>
+          <a:prstGeom prst="rect">
+            <a:avLst/>
+          </a:prstGeom>
+          <a:noFill/>
+          <a:ln>
+            <a:noFill/>
+          </a:ln>
+          <a:extLst>
+            <a:ext uri="{909E8E84-426E-40DD-AFC4-6F175D3DCCD1}">
+              <a14:hiddenFill xmlns:a14="http://schemas.microsoft.com/office/drawing/2010/main">
+                <a:solidFill>
+                  <a:srgbClr val="FFFFFF"/>
+                </a:solidFill>
+              </a14:hiddenFill>
+            </a:ext>
+            <a:ext uri="{91240B29-F687-4F45-9708-019B960494DF}">
+              <a14:hiddenLine xmlns:a14="http://schemas.microsoft.com/office/drawing/2010/main" w="9525">
+                <a:solidFill>
+                  <a:srgbClr val="000000"/>
+                </a:solidFill>
+                <a:miter lim="800000"/>
+                <a:headEnd/>
+                <a:tailEnd/>
+              </a14:hiddenLine>
+            </a:ext>
+          </a:extLst>
+        </p:spPr>
+      </p:pic>
+      <p:pic>
+        <p:nvPicPr>
+          <p:cNvPr id="27" name="Picture 12"/>
+          <p:cNvPicPr>
+            <a:picLocks noChangeAspect="1"/>
+          </p:cNvPicPr>
+          <p:nvPr/>
+        </p:nvPicPr>
+        <p:blipFill>
+          <a:blip r:embed="rId3">
+            <a:extLst>
+              <a:ext uri="{28A0092B-C50C-407E-A947-70E740481C1C}">
+                <a14:useLocalDpi xmlns:a14="http://schemas.microsoft.com/office/drawing/2010/main" val="0"/>
+              </a:ext>
+            </a:extLst>
+          </a:blip>
+          <a:srcRect/>
+          <a:stretch>
+            <a:fillRect/>
+          </a:stretch>
+        </p:blipFill>
+        <p:spPr bwMode="auto">
+          <a:xfrm>
+            <a:off x="7129641" y="2350764"/>
+            <a:ext cx="1193800" cy="536575"/>
+          </a:xfrm>
+          <a:prstGeom prst="rect">
+            <a:avLst/>
+          </a:prstGeom>
+          <a:noFill/>
+          <a:ln>
+            <a:noFill/>
+          </a:ln>
+          <a:extLst>
+            <a:ext uri="{909E8E84-426E-40DD-AFC4-6F175D3DCCD1}">
+              <a14:hiddenFill xmlns:a14="http://schemas.microsoft.com/office/drawing/2010/main">
+                <a:solidFill>
+                  <a:srgbClr val="FFFFFF"/>
+                </a:solidFill>
+              </a14:hiddenFill>
+            </a:ext>
+            <a:ext uri="{91240B29-F687-4F45-9708-019B960494DF}">
+              <a14:hiddenLine xmlns:a14="http://schemas.microsoft.com/office/drawing/2010/main" w="9525">
+                <a:solidFill>
+                  <a:srgbClr val="000000"/>
+                </a:solidFill>
+                <a:miter lim="800000"/>
+                <a:headEnd/>
+                <a:tailEnd/>
+              </a14:hiddenLine>
+            </a:ext>
+          </a:extLst>
+        </p:spPr>
+      </p:pic>
+      <p:pic>
+        <p:nvPicPr>
+          <p:cNvPr id="28" name="Picture 13"/>
+          <p:cNvPicPr>
+            <a:picLocks noChangeAspect="1"/>
+          </p:cNvPicPr>
+          <p:nvPr/>
+        </p:nvPicPr>
+        <p:blipFill>
+          <a:blip r:embed="rId4">
+            <a:extLst>
+              <a:ext uri="{28A0092B-C50C-407E-A947-70E740481C1C}">
+                <a14:useLocalDpi xmlns:a14="http://schemas.microsoft.com/office/drawing/2010/main" val="0"/>
+              </a:ext>
+            </a:extLst>
+          </a:blip>
+          <a:srcRect/>
+          <a:stretch>
+            <a:fillRect/>
+          </a:stretch>
+        </p:blipFill>
+        <p:spPr bwMode="auto">
+          <a:xfrm>
+            <a:off x="7074078" y="2068189"/>
+            <a:ext cx="1171575" cy="514350"/>
+          </a:xfrm>
+          <a:prstGeom prst="rect">
+            <a:avLst/>
+          </a:prstGeom>
+          <a:noFill/>
+          <a:ln>
+            <a:noFill/>
+          </a:ln>
+          <a:extLst>
+            <a:ext uri="{909E8E84-426E-40DD-AFC4-6F175D3DCCD1}">
+              <a14:hiddenFill xmlns:a14="http://schemas.microsoft.com/office/drawing/2010/main">
+                <a:solidFill>
+                  <a:srgbClr val="FFFFFF"/>
+                </a:solidFill>
+              </a14:hiddenFill>
+            </a:ext>
+            <a:ext uri="{91240B29-F687-4F45-9708-019B960494DF}">
+              <a14:hiddenLine xmlns:a14="http://schemas.microsoft.com/office/drawing/2010/main" w="9525">
+                <a:solidFill>
+                  <a:srgbClr val="000000"/>
+                </a:solidFill>
+                <a:miter lim="800000"/>
+                <a:headEnd/>
+                <a:tailEnd/>
+              </a14:hiddenLine>
+            </a:ext>
+          </a:extLst>
+        </p:spPr>
+      </p:pic>
+      <p:sp>
+        <p:nvSpPr>
+          <p:cNvPr id="37" name="TextBox 36"/>
+          <p:cNvSpPr txBox="1"/>
+          <p:nvPr/>
+        </p:nvSpPr>
+        <p:spPr>
+          <a:xfrm>
+            <a:off x="395623" y="681979"/>
+            <a:ext cx="983580" cy="406606"/>
+          </a:xfrm>
+          <a:prstGeom prst="rect">
+            <a:avLst/>
+          </a:prstGeom>
+          <a:noFill/>
+          <a:ln>
+            <a:noFill/>
+          </a:ln>
+        </p:spPr>
+        <p:txBody>
+          <a:bodyPr wrap="none" lIns="90000" tIns="45000" rIns="90000" bIns="45000" compatLnSpc="0">
+            <a:spAutoFit/>
+          </a:bodyPr>
+          <a:lstStyle/>
+          <a:p>
+            <a:pPr algn="ctr" eaLnBrk="1" fontAlgn="auto">
+              <a:spcBef>
+                <a:spcPts val="0"/>
+              </a:spcBef>
+              <a:spcAft>
+                <a:spcPts val="0"/>
+              </a:spcAft>
+              <a:defRPr sz="1050"/>
+            </a:pPr>
+            <a:r>
+              <a:rPr lang="en-US" sz="1050" b="1" dirty="0">
+                <a:latin typeface="Cambria" charset="0"/>
+                <a:ea typeface="Cambria" charset="0"/>
+                <a:cs typeface="Cambria" charset="0"/>
+              </a:rPr>
+              <a:t>Event log</a:t>
+            </a:r>
+            <a:br>
+              <a:rPr lang="en-US" sz="1050" b="1" dirty="0">
+                <a:latin typeface="Cambria" charset="0"/>
+                <a:ea typeface="Cambria" charset="0"/>
+                <a:cs typeface="Cambria" charset="0"/>
+              </a:rPr>
+            </a:br>
+            <a:r>
+              <a:rPr lang="en-US" sz="1050" b="1" dirty="0">
+                <a:latin typeface="Cambria" charset="0"/>
+                <a:ea typeface="Cambria" charset="0"/>
+                <a:cs typeface="Cambria" charset="0"/>
+              </a:rPr>
+              <a:t>(low quality)</a:t>
+            </a:r>
+          </a:p>
+        </p:txBody>
+      </p:sp>
+      <p:sp>
+        <p:nvSpPr>
+          <p:cNvPr id="38" name="TextBox 37"/>
+          <p:cNvSpPr txBox="1"/>
+          <p:nvPr/>
+        </p:nvSpPr>
+        <p:spPr>
+          <a:xfrm>
+            <a:off x="8760277" y="681979"/>
+            <a:ext cx="1190945" cy="406606"/>
+          </a:xfrm>
+          <a:prstGeom prst="rect">
+            <a:avLst/>
+          </a:prstGeom>
+          <a:noFill/>
+          <a:ln>
+            <a:noFill/>
+          </a:ln>
+        </p:spPr>
+        <p:txBody>
+          <a:bodyPr wrap="none" lIns="90000" tIns="45000" rIns="90000" bIns="45000" compatLnSpc="0">
+            <a:spAutoFit/>
+          </a:bodyPr>
+          <a:lstStyle/>
+          <a:p>
+            <a:pPr algn="ctr" eaLnBrk="1" fontAlgn="auto">
+              <a:spcBef>
+                <a:spcPts val="0"/>
+              </a:spcBef>
+              <a:spcAft>
+                <a:spcPts val="0"/>
+              </a:spcAft>
+              <a:defRPr sz="1050"/>
+            </a:pPr>
+            <a:r>
+              <a:rPr lang="en-US" sz="1050" b="1" dirty="0">
+                <a:latin typeface="Cambria" charset="0"/>
+                <a:ea typeface="Cambria" charset="0"/>
+                <a:cs typeface="Cambria" charset="0"/>
+              </a:rPr>
+              <a:t>Event log</a:t>
+            </a:r>
+            <a:br>
+              <a:rPr lang="en-US" sz="1050" b="1" dirty="0">
+                <a:latin typeface="Cambria" charset="0"/>
+                <a:ea typeface="Cambria" charset="0"/>
+                <a:cs typeface="Cambria" charset="0"/>
+              </a:rPr>
+            </a:br>
+            <a:r>
+              <a:rPr lang="en-US" sz="1050" b="1" dirty="0" smtClean="0">
+                <a:latin typeface="Cambria" charset="0"/>
+                <a:ea typeface="Cambria" charset="0"/>
+                <a:cs typeface="Cambria" charset="0"/>
+              </a:rPr>
+              <a:t>(Reconstructed)</a:t>
+            </a:r>
+            <a:endParaRPr lang="en-US" sz="1050" b="1" dirty="0">
+              <a:latin typeface="Cambria" charset="0"/>
+              <a:ea typeface="Cambria" charset="0"/>
+              <a:cs typeface="Cambria" charset="0"/>
+            </a:endParaRPr>
+          </a:p>
+        </p:txBody>
+      </p:sp>
+      <p:sp>
+        <p:nvSpPr>
+          <p:cNvPr id="39" name="TextBox 38"/>
+          <p:cNvSpPr txBox="1"/>
+          <p:nvPr/>
+        </p:nvSpPr>
+        <p:spPr>
+          <a:xfrm>
+            <a:off x="4407963" y="1946497"/>
+            <a:ext cx="1293024" cy="564470"/>
+          </a:xfrm>
+          <a:prstGeom prst="rect">
+            <a:avLst/>
+          </a:prstGeom>
+          <a:noFill/>
+          <a:ln>
+            <a:noFill/>
+          </a:ln>
+        </p:spPr>
+        <p:txBody>
+          <a:bodyPr wrap="none" lIns="90000" tIns="45000" rIns="90000" bIns="45000" compatLnSpc="0">
+            <a:spAutoFit/>
+          </a:bodyPr>
+          <a:lstStyle/>
+          <a:p>
+            <a:pPr algn="ctr" eaLnBrk="1" fontAlgn="auto">
+              <a:spcBef>
+                <a:spcPts val="0"/>
+              </a:spcBef>
+              <a:spcAft>
+                <a:spcPts val="0"/>
+              </a:spcAft>
+              <a:defRPr sz="1050"/>
+            </a:pPr>
+            <a:r>
+              <a:rPr lang="en-US" sz="1050" dirty="0">
+                <a:latin typeface="Cambria" charset="0"/>
+                <a:ea typeface="Cambria" charset="0"/>
+                <a:cs typeface="Cambria" charset="0"/>
+              </a:rPr>
+              <a:t>Trained</a:t>
+            </a:r>
+          </a:p>
+          <a:p>
+            <a:pPr algn="ctr" eaLnBrk="1" fontAlgn="auto">
+              <a:spcBef>
+                <a:spcPts val="0"/>
+              </a:spcBef>
+              <a:spcAft>
+                <a:spcPts val="0"/>
+              </a:spcAft>
+              <a:defRPr sz="1050"/>
+            </a:pPr>
+            <a:r>
+              <a:rPr lang="en-US" sz="1050" dirty="0">
+                <a:latin typeface="Cambria" charset="0"/>
+                <a:ea typeface="Cambria" charset="0"/>
+                <a:cs typeface="Cambria" charset="0"/>
+              </a:rPr>
+              <a:t>Model</a:t>
+            </a:r>
+          </a:p>
+          <a:p>
+            <a:pPr algn="ctr" eaLnBrk="1" fontAlgn="auto">
+              <a:spcBef>
+                <a:spcPts val="0"/>
+              </a:spcBef>
+              <a:spcAft>
+                <a:spcPts val="0"/>
+              </a:spcAft>
+              <a:defRPr sz="1050"/>
+            </a:pPr>
+            <a:r>
+              <a:rPr lang="en-US" sz="1050" dirty="0" smtClean="0">
+                <a:latin typeface="Cambria" charset="0"/>
+                <a:ea typeface="Cambria" charset="0"/>
+                <a:cs typeface="Cambria" charset="0"/>
+              </a:rPr>
+              <a:t>(VAE, AE, LSTMAE)</a:t>
+            </a:r>
+            <a:endParaRPr lang="en-US" sz="1050" dirty="0">
+              <a:latin typeface="Cambria" charset="0"/>
+              <a:ea typeface="Cambria" charset="0"/>
+              <a:cs typeface="Cambria" charset="0"/>
+            </a:endParaRPr>
+          </a:p>
+        </p:txBody>
+      </p:sp>
+      <p:sp>
+        <p:nvSpPr>
+          <p:cNvPr id="40" name="TextBox 39"/>
+          <p:cNvSpPr txBox="1"/>
+          <p:nvPr/>
+        </p:nvSpPr>
+        <p:spPr>
+          <a:xfrm>
+            <a:off x="1965114" y="1822126"/>
+            <a:ext cx="1024361" cy="248743"/>
+          </a:xfrm>
+          <a:prstGeom prst="rect">
+            <a:avLst/>
+          </a:prstGeom>
+          <a:noFill/>
+          <a:ln>
+            <a:noFill/>
+          </a:ln>
+        </p:spPr>
+        <p:txBody>
+          <a:bodyPr wrap="none" lIns="90000" tIns="45000" rIns="90000" bIns="45000" compatLnSpc="0">
+            <a:spAutoFit/>
+          </a:bodyPr>
+          <a:lstStyle/>
+          <a:p>
+            <a:pPr algn="ctr" eaLnBrk="1" fontAlgn="auto">
+              <a:spcBef>
+                <a:spcPts val="0"/>
+              </a:spcBef>
+              <a:spcAft>
+                <a:spcPts val="0"/>
+              </a:spcAft>
+              <a:defRPr sz="1050"/>
+            </a:pPr>
+            <a:r>
+              <a:rPr lang="en-US" sz="1050" dirty="0">
+                <a:latin typeface="Cambria" charset="0"/>
+                <a:ea typeface="Cambria" charset="0"/>
+                <a:cs typeface="Cambria" charset="0"/>
+              </a:rPr>
+              <a:t>Input matrices</a:t>
+            </a:r>
+          </a:p>
+        </p:txBody>
+      </p:sp>
+      <p:sp>
+        <p:nvSpPr>
+          <p:cNvPr id="41" name="TextBox 40"/>
+          <p:cNvSpPr txBox="1"/>
+          <p:nvPr/>
+        </p:nvSpPr>
+        <p:spPr>
+          <a:xfrm>
+            <a:off x="7118203" y="1823714"/>
+            <a:ext cx="1113488" cy="248743"/>
+          </a:xfrm>
+          <a:prstGeom prst="rect">
+            <a:avLst/>
+          </a:prstGeom>
+          <a:noFill/>
+          <a:ln>
+            <a:noFill/>
+          </a:ln>
+        </p:spPr>
+        <p:txBody>
+          <a:bodyPr wrap="none" lIns="90000" tIns="45000" rIns="90000" bIns="45000" compatLnSpc="0">
+            <a:spAutoFit/>
+          </a:bodyPr>
+          <a:lstStyle/>
+          <a:p>
+            <a:pPr algn="ctr" eaLnBrk="1" fontAlgn="auto">
+              <a:spcBef>
+                <a:spcPts val="0"/>
+              </a:spcBef>
+              <a:spcAft>
+                <a:spcPts val="0"/>
+              </a:spcAft>
+              <a:defRPr sz="1050"/>
+            </a:pPr>
+            <a:r>
+              <a:rPr lang="en-US" sz="1050">
+                <a:latin typeface="Cambria" charset="0"/>
+                <a:ea typeface="Cambria" charset="0"/>
+                <a:cs typeface="Cambria" charset="0"/>
+              </a:rPr>
+              <a:t>Output matrices</a:t>
+            </a:r>
+          </a:p>
+        </p:txBody>
+      </p:sp>
+      <p:cxnSp>
+        <p:nvCxnSpPr>
+          <p:cNvPr id="44" name="Straight Arrow Connector 43"/>
+          <p:cNvCxnSpPr>
+            <a:stCxn id="19" idx="1"/>
+            <a:endCxn id="24" idx="1"/>
+          </p:cNvCxnSpPr>
+          <p:nvPr/>
+        </p:nvCxnSpPr>
+        <p:spPr>
+          <a:xfrm>
+            <a:off x="1481932" y="2615971"/>
+            <a:ext cx="504825" cy="3081"/>
+          </a:xfrm>
+          <a:prstGeom prst="straightConnector1">
+            <a:avLst/>
+          </a:prstGeom>
+          <a:ln>
+            <a:tailEnd type="triangle"/>
+          </a:ln>
+        </p:spPr>
+        <p:style>
+          <a:lnRef idx="3">
+            <a:schemeClr val="dk1"/>
+          </a:lnRef>
+          <a:fillRef idx="0">
+            <a:schemeClr val="dk1"/>
+          </a:fillRef>
+          <a:effectRef idx="2">
+            <a:schemeClr val="dk1"/>
+          </a:effectRef>
+          <a:fontRef idx="minor">
+            <a:schemeClr val="tx1"/>
+          </a:fontRef>
+        </p:style>
+      </p:cxnSp>
+      <p:cxnSp>
+        <p:nvCxnSpPr>
+          <p:cNvPr id="48" name="Straight Arrow Connector 47"/>
+          <p:cNvCxnSpPr>
+            <a:stCxn id="24" idx="3"/>
+            <a:endCxn id="23" idx="3"/>
+          </p:cNvCxnSpPr>
+          <p:nvPr/>
+        </p:nvCxnSpPr>
+        <p:spPr>
+          <a:xfrm flipV="1">
+            <a:off x="3180557" y="2615971"/>
+            <a:ext cx="447776" cy="3081"/>
+          </a:xfrm>
+          <a:prstGeom prst="straightConnector1">
+            <a:avLst/>
+          </a:prstGeom>
+          <a:ln>
+            <a:tailEnd type="triangle"/>
+          </a:ln>
+        </p:spPr>
+        <p:style>
+          <a:lnRef idx="3">
+            <a:schemeClr val="dk1"/>
+          </a:lnRef>
+          <a:fillRef idx="0">
+            <a:schemeClr val="dk1"/>
+          </a:fillRef>
+          <a:effectRef idx="2">
+            <a:schemeClr val="dk1"/>
+          </a:effectRef>
+          <a:fontRef idx="minor">
+            <a:schemeClr val="tx1"/>
+          </a:fontRef>
+        </p:style>
+      </p:cxnSp>
+      <p:cxnSp>
+        <p:nvCxnSpPr>
+          <p:cNvPr id="51" name="Straight Arrow Connector 50"/>
+          <p:cNvCxnSpPr>
+            <a:stCxn id="23" idx="1"/>
+            <a:endCxn id="22" idx="3"/>
+          </p:cNvCxnSpPr>
+          <p:nvPr/>
+        </p:nvCxnSpPr>
+        <p:spPr>
+          <a:xfrm>
+            <a:off x="4457008" y="2615971"/>
+            <a:ext cx="1169531" cy="1206"/>
+          </a:xfrm>
+          <a:prstGeom prst="straightConnector1">
+            <a:avLst/>
+          </a:prstGeom>
+          <a:ln>
+            <a:tailEnd type="triangle"/>
+          </a:ln>
+        </p:spPr>
+        <p:style>
+          <a:lnRef idx="3">
+            <a:schemeClr val="dk1"/>
+          </a:lnRef>
+          <a:fillRef idx="0">
+            <a:schemeClr val="dk1"/>
+          </a:fillRef>
+          <a:effectRef idx="2">
+            <a:schemeClr val="dk1"/>
+          </a:effectRef>
+          <a:fontRef idx="minor">
+            <a:schemeClr val="tx1"/>
+          </a:fontRef>
+        </p:style>
+      </p:cxnSp>
+      <p:cxnSp>
+        <p:nvCxnSpPr>
+          <p:cNvPr id="55" name="Straight Arrow Connector 54"/>
+          <p:cNvCxnSpPr>
+            <a:stCxn id="22" idx="1"/>
+            <a:endCxn id="27" idx="1"/>
+          </p:cNvCxnSpPr>
+          <p:nvPr/>
+        </p:nvCxnSpPr>
+        <p:spPr>
+          <a:xfrm>
+            <a:off x="6914475" y="2617177"/>
+            <a:ext cx="215166" cy="1875"/>
+          </a:xfrm>
+          <a:prstGeom prst="straightConnector1">
+            <a:avLst/>
+          </a:prstGeom>
+          <a:ln>
+            <a:tailEnd type="triangle"/>
+          </a:ln>
+        </p:spPr>
+        <p:style>
+          <a:lnRef idx="3">
+            <a:schemeClr val="dk1"/>
+          </a:lnRef>
+          <a:fillRef idx="0">
+            <a:schemeClr val="dk1"/>
+          </a:fillRef>
+          <a:effectRef idx="2">
+            <a:schemeClr val="dk1"/>
+          </a:effectRef>
+          <a:fontRef idx="minor">
+            <a:schemeClr val="tx1"/>
+          </a:fontRef>
+        </p:style>
+      </p:cxnSp>
+      <p:cxnSp>
+        <p:nvCxnSpPr>
+          <p:cNvPr id="59" name="Straight Arrow Connector 58"/>
+          <p:cNvCxnSpPr>
+            <a:stCxn id="27" idx="3"/>
+            <a:endCxn id="20" idx="3"/>
+          </p:cNvCxnSpPr>
+          <p:nvPr/>
+        </p:nvCxnSpPr>
+        <p:spPr>
+          <a:xfrm flipV="1">
+            <a:off x="8323441" y="2616764"/>
+            <a:ext cx="431066" cy="2288"/>
+          </a:xfrm>
+          <a:prstGeom prst="straightConnector1">
+            <a:avLst/>
+          </a:prstGeom>
+          <a:ln>
+            <a:tailEnd type="triangle"/>
+          </a:ln>
+        </p:spPr>
+        <p:style>
+          <a:lnRef idx="3">
+            <a:schemeClr val="dk1"/>
+          </a:lnRef>
+          <a:fillRef idx="0">
+            <a:schemeClr val="dk1"/>
+          </a:fillRef>
+          <a:effectRef idx="2">
+            <a:schemeClr val="dk1"/>
+          </a:effectRef>
+          <a:fontRef idx="minor">
+            <a:schemeClr val="tx1"/>
+          </a:fontRef>
+        </p:style>
+      </p:cxnSp>
+      <p:cxnSp>
+        <p:nvCxnSpPr>
+          <p:cNvPr id="64" name="Straight Arrow Connector 63"/>
+          <p:cNvCxnSpPr>
+            <a:stCxn id="29" idx="2"/>
+            <a:endCxn id="19" idx="0"/>
+          </p:cNvCxnSpPr>
+          <p:nvPr/>
+        </p:nvCxnSpPr>
+        <p:spPr>
+          <a:xfrm>
+            <a:off x="887413" y="1982701"/>
+            <a:ext cx="0" cy="313388"/>
+          </a:xfrm>
+          <a:prstGeom prst="straightConnector1">
+            <a:avLst/>
+          </a:prstGeom>
+          <a:ln>
+            <a:tailEnd type="triangle"/>
+          </a:ln>
+        </p:spPr>
+        <p:style>
+          <a:lnRef idx="3">
+            <a:schemeClr val="dk1"/>
+          </a:lnRef>
+          <a:fillRef idx="0">
+            <a:schemeClr val="dk1"/>
+          </a:fillRef>
+          <a:effectRef idx="2">
+            <a:schemeClr val="dk1"/>
+          </a:effectRef>
+          <a:fontRef idx="minor">
+            <a:schemeClr val="tx1"/>
+          </a:fontRef>
+        </p:style>
+      </p:cxnSp>
+      <p:cxnSp>
+        <p:nvCxnSpPr>
+          <p:cNvPr id="67" name="Straight Arrow Connector 66"/>
+          <p:cNvCxnSpPr>
+            <a:stCxn id="6" idx="2"/>
+            <a:endCxn id="20" idx="0"/>
+          </p:cNvCxnSpPr>
+          <p:nvPr/>
+        </p:nvCxnSpPr>
+        <p:spPr>
+          <a:xfrm>
+            <a:off x="9394269" y="2084986"/>
+            <a:ext cx="1" cy="211103"/>
+          </a:xfrm>
+          <a:prstGeom prst="straightConnector1">
+            <a:avLst/>
+          </a:prstGeom>
+          <a:ln>
+            <a:tailEnd type="triangle"/>
+          </a:ln>
+        </p:spPr>
+        <p:style>
+          <a:lnRef idx="3">
+            <a:schemeClr val="dk1"/>
+          </a:lnRef>
+          <a:fillRef idx="0">
+            <a:schemeClr val="dk1"/>
+          </a:fillRef>
+          <a:effectRef idx="2">
+            <a:schemeClr val="dk1"/>
+          </a:effectRef>
+          <a:fontRef idx="minor">
+            <a:schemeClr val="tx1"/>
+          </a:fontRef>
+        </p:style>
+      </p:cxnSp>
+      <p:cxnSp>
+        <p:nvCxnSpPr>
+          <p:cNvPr id="76" name="Elbow Connector 75"/>
+          <p:cNvCxnSpPr>
+            <a:stCxn id="17" idx="2"/>
+            <a:endCxn id="22" idx="2"/>
+          </p:cNvCxnSpPr>
+          <p:nvPr/>
+        </p:nvCxnSpPr>
+        <p:spPr>
+          <a:xfrm rot="5400000" flipH="1" flipV="1">
+            <a:off x="4396967" y="1231286"/>
+            <a:ext cx="168974" cy="3578106"/>
+          </a:xfrm>
+          <a:prstGeom prst="bentConnector3">
+            <a:avLst>
+              <a:gd name="adj1" fmla="val -135287"/>
+            </a:avLst>
+          </a:prstGeom>
+          <a:ln>
+            <a:tailEnd type="triangle"/>
+          </a:ln>
+        </p:spPr>
+        <p:style>
+          <a:lnRef idx="3">
+            <a:schemeClr val="dk1"/>
+          </a:lnRef>
+          <a:fillRef idx="0">
+            <a:schemeClr val="dk1"/>
+          </a:fillRef>
+          <a:effectRef idx="2">
+            <a:schemeClr val="dk1"/>
+          </a:effectRef>
+          <a:fontRef idx="minor">
+            <a:schemeClr val="tx1"/>
+          </a:fontRef>
+        </p:style>
+      </p:cxnSp>
+      <p:pic>
+        <p:nvPicPr>
+          <p:cNvPr id="29" name="Picture 3"/>
+          <p:cNvPicPr>
+            <a:picLocks noChangeAspect="1"/>
+          </p:cNvPicPr>
+          <p:nvPr/>
+        </p:nvPicPr>
+        <p:blipFill>
+          <a:blip r:embed="rId5">
+            <a:extLst>
+              <a:ext uri="{28A0092B-C50C-407E-A947-70E740481C1C}">
+                <a14:useLocalDpi xmlns:a14="http://schemas.microsoft.com/office/drawing/2010/main" val="0"/>
+              </a:ext>
+            </a:extLst>
+          </a:blip>
+          <a:srcRect/>
+          <a:stretch>
+            <a:fillRect/>
+          </a:stretch>
+        </p:blipFill>
+        <p:spPr bwMode="auto">
+          <a:xfrm>
+            <a:off x="186640" y="1158141"/>
+            <a:ext cx="1401546" cy="824560"/>
+          </a:xfrm>
+          <a:prstGeom prst="rect">
+            <a:avLst/>
+          </a:prstGeom>
+          <a:noFill/>
+          <a:ln>
+            <a:noFill/>
+          </a:ln>
+          <a:extLst>
+            <a:ext uri="{909E8E84-426E-40DD-AFC4-6F175D3DCCD1}">
+              <a14:hiddenFill xmlns:a14="http://schemas.microsoft.com/office/drawing/2010/main">
+                <a:solidFill>
+                  <a:srgbClr val="FFFFFF"/>
+                </a:solidFill>
+              </a14:hiddenFill>
+            </a:ext>
+            <a:ext uri="{91240B29-F687-4F45-9708-019B960494DF}">
+              <a14:hiddenLine xmlns:a14="http://schemas.microsoft.com/office/drawing/2010/main" w="9525">
+                <a:solidFill>
+                  <a:srgbClr val="000000"/>
+                </a:solidFill>
+                <a:miter lim="800000"/>
+                <a:headEnd/>
+                <a:tailEnd/>
+              </a14:hiddenLine>
+            </a:ext>
+          </a:extLst>
+        </p:spPr>
+      </p:pic>
+      <p:pic>
+        <p:nvPicPr>
+          <p:cNvPr id="6" name="Picture 5"/>
+          <p:cNvPicPr>
+            <a:picLocks noChangeAspect="1"/>
+          </p:cNvPicPr>
+          <p:nvPr/>
+        </p:nvPicPr>
+        <p:blipFill>
+          <a:blip r:embed="rId6">
+            <a:extLst>
+              <a:ext uri="{28A0092B-C50C-407E-A947-70E740481C1C}">
+                <a14:useLocalDpi xmlns:a14="http://schemas.microsoft.com/office/drawing/2010/main" val="0"/>
+              </a:ext>
+            </a:extLst>
+          </a:blip>
+          <a:stretch>
+            <a:fillRect/>
+          </a:stretch>
+        </p:blipFill>
+        <p:spPr>
+          <a:xfrm>
+            <a:off x="8725033" y="1158141"/>
+            <a:ext cx="1338472" cy="926845"/>
+          </a:xfrm>
+          <a:prstGeom prst="rect">
+            <a:avLst/>
+          </a:prstGeom>
+        </p:spPr>
+      </p:pic>
+    </p:spTree>
+    <p:extLst>
+      <p:ext uri="{BB962C8B-B14F-4D97-AF65-F5344CB8AC3E}">
+        <p14:creationId xmlns:p14="http://schemas.microsoft.com/office/powerpoint/2010/main" val="1319390768"/>
+      </p:ext>
+    </p:extLst>
+  </p:cSld>
+  <p:clrMapOvr>
+    <a:masterClrMapping/>
+  </p:clrMapOvr>
+</p:sld>
+</file>
+
+<file path=ppt/slides/slide4.xml><?xml version="1.0" encoding="utf-8"?>
+<p:sld xmlns:a="http://schemas.openxmlformats.org/drawingml/2006/main" xmlns:r="http://schemas.openxmlformats.org/officeDocument/2006/relationships" xmlns:p="http://schemas.openxmlformats.org/presentationml/2006/main">
+  <p:cSld>
+    <p:spTree>
+      <p:nvGrpSpPr>
+        <p:cNvPr id="1" name=""/>
+        <p:cNvGrpSpPr/>
+        <p:nvPr/>
+      </p:nvGrpSpPr>
+      <p:grpSpPr>
+        <a:xfrm>
+          <a:off x="0" y="0"/>
+          <a:ext cx="0" cy="0"/>
+          <a:chOff x="0" y="0"/>
+          <a:chExt cx="0" cy="0"/>
+        </a:xfrm>
+      </p:grpSpPr>
+      <p:grpSp>
+        <p:nvGrpSpPr>
+          <p:cNvPr id="2" name="Group 1"/>
+          <p:cNvGrpSpPr/>
+          <p:nvPr/>
+        </p:nvGrpSpPr>
+        <p:grpSpPr>
+          <a:xfrm>
+            <a:off x="764772" y="964276"/>
+            <a:ext cx="10673541" cy="2743200"/>
+            <a:chOff x="199506" y="1246909"/>
+            <a:chExt cx="10624725" cy="3158836"/>
+          </a:xfrm>
+        </p:grpSpPr>
+        <p:sp>
+          <p:nvSpPr>
+            <p:cNvPr id="62" name="TextBox 61"/>
+            <p:cNvSpPr txBox="1"/>
+            <p:nvPr/>
+          </p:nvSpPr>
+          <p:spPr>
+            <a:xfrm>
+              <a:off x="8638393" y="3209428"/>
+              <a:ext cx="1313566" cy="369332"/>
+            </a:xfrm>
+            <a:prstGeom prst="rect">
+              <a:avLst/>
+            </a:prstGeom>
+            <a:ln>
+              <a:noFill/>
+            </a:ln>
+          </p:spPr>
+          <p:style>
+            <a:lnRef idx="2">
+              <a:schemeClr val="accent1"/>
+            </a:lnRef>
+            <a:fillRef idx="1">
+              <a:schemeClr val="lt1"/>
+            </a:fillRef>
+            <a:effectRef idx="0">
+              <a:schemeClr val="accent1"/>
+            </a:effectRef>
+            <a:fontRef idx="minor">
+              <a:schemeClr val="dk1"/>
+            </a:fontRef>
+          </p:style>
+          <p:txBody>
+            <a:bodyPr wrap="square" rtlCol="0">
+              <a:spAutoFit/>
+            </a:bodyPr>
+            <a:lstStyle/>
+            <a:p>
+              <a:pPr algn="ctr"/>
+              <a:r>
+                <a:rPr lang="en-US" dirty="0" smtClean="0">
+                  <a:latin typeface="Cambria" charset="0"/>
+                  <a:ea typeface="Cambria" charset="0"/>
+                  <a:cs typeface="Cambria" charset="0"/>
+                </a:rPr>
+                <a:t>Threshold</a:t>
+              </a:r>
+              <a:endParaRPr lang="en-US" dirty="0">
+                <a:latin typeface="Cambria" charset="0"/>
+                <a:ea typeface="Cambria" charset="0"/>
+                <a:cs typeface="Cambria" charset="0"/>
+              </a:endParaRPr>
+            </a:p>
+          </p:txBody>
+        </p:sp>
+        <p:grpSp>
+          <p:nvGrpSpPr>
+            <p:cNvPr id="71" name="Group 70"/>
+            <p:cNvGrpSpPr/>
+            <p:nvPr/>
+          </p:nvGrpSpPr>
+          <p:grpSpPr>
+            <a:xfrm>
+              <a:off x="10257103" y="3029714"/>
+              <a:ext cx="567128" cy="573377"/>
+              <a:chOff x="10180821" y="764498"/>
+              <a:chExt cx="567128" cy="573377"/>
+            </a:xfrm>
+          </p:grpSpPr>
+          <p:sp>
+            <p:nvSpPr>
+              <p:cNvPr id="72" name="Oval 71"/>
+              <p:cNvSpPr/>
+              <p:nvPr/>
+            </p:nvSpPr>
+            <p:spPr>
+              <a:xfrm>
+                <a:off x="10180821" y="764498"/>
+                <a:ext cx="567128" cy="573377"/>
+              </a:xfrm>
+              <a:prstGeom prst="ellipse">
+                <a:avLst/>
+              </a:prstGeom>
+              <a:noFill/>
+              <a:ln w="28575">
+                <a:solidFill>
+                  <a:schemeClr val="accent1"/>
+                </a:solidFill>
+              </a:ln>
+            </p:spPr>
+            <p:style>
+              <a:lnRef idx="2">
+                <a:schemeClr val="accent1">
+                  <a:shade val="50000"/>
+                </a:schemeClr>
+              </a:lnRef>
+              <a:fillRef idx="1">
+                <a:schemeClr val="accent1"/>
+              </a:fillRef>
+              <a:effectRef idx="0">
+                <a:schemeClr val="accent1"/>
+              </a:effectRef>
+              <a:fontRef idx="minor">
+                <a:schemeClr val="lt1"/>
+              </a:fontRef>
+            </p:style>
+            <p:txBody>
+              <a:bodyPr rtlCol="0" anchor="ctr"/>
+              <a:lstStyle/>
+              <a:p>
+                <a:pPr algn="ctr"/>
+                <a:endParaRPr lang="en-US">
+                  <a:latin typeface="Cambria" charset="0"/>
+                  <a:ea typeface="Cambria" charset="0"/>
+                  <a:cs typeface="Cambria" charset="0"/>
+                </a:endParaRPr>
+              </a:p>
+            </p:txBody>
+          </p:sp>
+          <p:sp>
+            <p:nvSpPr>
+              <p:cNvPr id="73" name="TextBox 72"/>
+              <p:cNvSpPr txBox="1"/>
+              <p:nvPr/>
+            </p:nvSpPr>
+            <p:spPr>
+              <a:xfrm>
+                <a:off x="10305114" y="881510"/>
+                <a:ext cx="408482" cy="369332"/>
+              </a:xfrm>
+              <a:prstGeom prst="rect">
+                <a:avLst/>
+              </a:prstGeom>
+              <a:noFill/>
+            </p:spPr>
+            <p:txBody>
+              <a:bodyPr wrap="square" rtlCol="0">
+                <a:spAutoFit/>
+              </a:bodyPr>
+              <a:lstStyle/>
+              <a:p>
+                <a:r>
+                  <a:rPr lang="en-US" dirty="0" smtClean="0">
+                    <a:latin typeface="Cambria" charset="0"/>
+                    <a:ea typeface="Cambria" charset="0"/>
+                    <a:cs typeface="Cambria" charset="0"/>
+                  </a:rPr>
+                  <a:t>N</a:t>
+                </a:r>
+                <a:endParaRPr lang="en-US" dirty="0">
+                  <a:latin typeface="Cambria" charset="0"/>
+                  <a:ea typeface="Cambria" charset="0"/>
+                  <a:cs typeface="Cambria" charset="0"/>
+                </a:endParaRPr>
+              </a:p>
+            </p:txBody>
+          </p:sp>
+        </p:grpSp>
+        <p:grpSp>
+          <p:nvGrpSpPr>
+            <p:cNvPr id="74" name="Group 73"/>
+            <p:cNvGrpSpPr/>
+            <p:nvPr/>
+          </p:nvGrpSpPr>
+          <p:grpSpPr>
+            <a:xfrm>
+              <a:off x="10257103" y="1958546"/>
+              <a:ext cx="567128" cy="573377"/>
+              <a:chOff x="10180821" y="764498"/>
+              <a:chExt cx="567128" cy="573377"/>
+            </a:xfrm>
+          </p:grpSpPr>
+          <p:sp>
+            <p:nvSpPr>
+              <p:cNvPr id="75" name="Oval 74"/>
+              <p:cNvSpPr/>
+              <p:nvPr/>
+            </p:nvSpPr>
+            <p:spPr>
+              <a:xfrm>
+                <a:off x="10180821" y="764498"/>
+                <a:ext cx="567128" cy="573377"/>
+              </a:xfrm>
+              <a:prstGeom prst="ellipse">
+                <a:avLst/>
+              </a:prstGeom>
+              <a:noFill/>
+              <a:ln w="28575">
+                <a:solidFill>
+                  <a:schemeClr val="accent1"/>
+                </a:solidFill>
+              </a:ln>
+            </p:spPr>
+            <p:style>
+              <a:lnRef idx="2">
+                <a:schemeClr val="accent1">
+                  <a:shade val="50000"/>
+                </a:schemeClr>
+              </a:lnRef>
+              <a:fillRef idx="1">
+                <a:schemeClr val="accent1"/>
+              </a:fillRef>
+              <a:effectRef idx="0">
+                <a:schemeClr val="accent1"/>
+              </a:effectRef>
+              <a:fontRef idx="minor">
+                <a:schemeClr val="lt1"/>
+              </a:fontRef>
+            </p:style>
+            <p:txBody>
+              <a:bodyPr rtlCol="0" anchor="ctr"/>
+              <a:lstStyle/>
+              <a:p>
+                <a:pPr algn="ctr"/>
+                <a:endParaRPr lang="en-US">
+                  <a:latin typeface="Cambria" charset="0"/>
+                  <a:ea typeface="Cambria" charset="0"/>
+                  <a:cs typeface="Cambria" charset="0"/>
+                </a:endParaRPr>
+              </a:p>
+            </p:txBody>
+          </p:sp>
+          <p:sp>
+            <p:nvSpPr>
+              <p:cNvPr id="77" name="TextBox 76"/>
+              <p:cNvSpPr txBox="1"/>
+              <p:nvPr/>
+            </p:nvSpPr>
+            <p:spPr>
+              <a:xfrm>
+                <a:off x="10305114" y="881510"/>
+                <a:ext cx="408482" cy="369332"/>
+              </a:xfrm>
+              <a:prstGeom prst="rect">
+                <a:avLst/>
+              </a:prstGeom>
+              <a:noFill/>
+            </p:spPr>
+            <p:txBody>
+              <a:bodyPr wrap="square" rtlCol="0">
+                <a:spAutoFit/>
+              </a:bodyPr>
+              <a:lstStyle/>
+              <a:p>
+                <a:r>
+                  <a:rPr lang="en-US" dirty="0">
+                    <a:latin typeface="Cambria" charset="0"/>
+                    <a:ea typeface="Cambria" charset="0"/>
+                    <a:cs typeface="Cambria" charset="0"/>
+                  </a:rPr>
+                  <a:t>A</a:t>
+                </a:r>
+              </a:p>
+            </p:txBody>
+          </p:sp>
+        </p:grpSp>
+        <p:cxnSp>
+          <p:nvCxnSpPr>
+            <p:cNvPr id="155" name="Straight Arrow Connector 154"/>
+            <p:cNvCxnSpPr>
+              <a:stCxn id="158" idx="3"/>
+              <a:endCxn id="75" idx="2"/>
+            </p:cNvCxnSpPr>
+            <p:nvPr/>
+          </p:nvCxnSpPr>
+          <p:spPr>
+            <a:xfrm flipV="1">
+              <a:off x="8672746" y="2245235"/>
+              <a:ext cx="1584357" cy="579382"/>
+            </a:xfrm>
+            <a:prstGeom prst="straightConnector1">
+              <a:avLst/>
+            </a:prstGeom>
+            <a:ln>
+              <a:tailEnd type="triangle"/>
+            </a:ln>
+          </p:spPr>
+          <p:style>
+            <a:lnRef idx="1">
+              <a:schemeClr val="accent1"/>
+            </a:lnRef>
+            <a:fillRef idx="0">
+              <a:schemeClr val="accent1"/>
+            </a:fillRef>
+            <a:effectRef idx="0">
+              <a:schemeClr val="accent1"/>
+            </a:effectRef>
+            <a:fontRef idx="minor">
+              <a:schemeClr val="tx1"/>
+            </a:fontRef>
+          </p:style>
+        </p:cxnSp>
+        <p:cxnSp>
+          <p:nvCxnSpPr>
+            <p:cNvPr id="157" name="Straight Arrow Connector 156"/>
+            <p:cNvCxnSpPr>
+              <a:stCxn id="158" idx="3"/>
+              <a:endCxn id="72" idx="2"/>
+            </p:cNvCxnSpPr>
+            <p:nvPr/>
+          </p:nvCxnSpPr>
+          <p:spPr>
+            <a:xfrm>
+              <a:off x="8672746" y="2824617"/>
+              <a:ext cx="1584357" cy="491786"/>
+            </a:xfrm>
+            <a:prstGeom prst="straightConnector1">
+              <a:avLst/>
+            </a:prstGeom>
+            <a:ln>
+              <a:tailEnd type="triangle"/>
+            </a:ln>
+          </p:spPr>
+          <p:style>
+            <a:lnRef idx="1">
+              <a:schemeClr val="accent1"/>
+            </a:lnRef>
+            <a:fillRef idx="0">
+              <a:schemeClr val="accent1"/>
+            </a:fillRef>
+            <a:effectRef idx="0">
+              <a:schemeClr val="accent1"/>
+            </a:effectRef>
+            <a:fontRef idx="minor">
+              <a:schemeClr val="tx1"/>
+            </a:fontRef>
+          </p:style>
+        </p:cxnSp>
+        <p:sp>
+          <p:nvSpPr>
+            <p:cNvPr id="158" name="Rounded Rectangle 157"/>
+            <p:cNvSpPr/>
+            <p:nvPr/>
+          </p:nvSpPr>
+          <p:spPr>
+            <a:xfrm>
+              <a:off x="6747719" y="2352845"/>
+              <a:ext cx="1925027" cy="943544"/>
+            </a:xfrm>
+            <a:prstGeom prst="roundRect">
+              <a:avLst/>
+            </a:prstGeom>
+          </p:spPr>
+          <p:style>
+            <a:lnRef idx="2">
+              <a:schemeClr val="accent1"/>
+            </a:lnRef>
+            <a:fillRef idx="1">
+              <a:schemeClr val="lt1"/>
+            </a:fillRef>
+            <a:effectRef idx="0">
+              <a:schemeClr val="accent1"/>
+            </a:effectRef>
+            <a:fontRef idx="minor">
+              <a:schemeClr val="dk1"/>
+            </a:fontRef>
+          </p:style>
+          <p:txBody>
+            <a:bodyPr rtlCol="0" anchor="ctr"/>
+            <a:lstStyle/>
+            <a:p>
+              <a:pPr algn="ctr"/>
+              <a:r>
+                <a:rPr lang="en-US" dirty="0">
+                  <a:latin typeface="Cambria" charset="0"/>
+                  <a:ea typeface="Cambria" charset="0"/>
+                  <a:cs typeface="Cambria" charset="0"/>
+                </a:rPr>
+                <a:t>MAE</a:t>
+              </a:r>
+            </a:p>
+            <a:p>
+              <a:pPr algn="ctr"/>
+              <a:r>
+                <a:rPr lang="en-US" dirty="0">
+                  <a:latin typeface="Cambria" charset="0"/>
+                  <a:ea typeface="Cambria" charset="0"/>
+                  <a:cs typeface="Cambria" charset="0"/>
+                </a:rPr>
+                <a:t>(reconstruction error)</a:t>
+              </a:r>
+            </a:p>
+          </p:txBody>
+        </p:sp>
+        <p:sp>
+          <p:nvSpPr>
+            <p:cNvPr id="38" name="Oval 37"/>
+            <p:cNvSpPr/>
+            <p:nvPr/>
+          </p:nvSpPr>
+          <p:spPr>
+            <a:xfrm>
+              <a:off x="424343" y="2131052"/>
+              <a:ext cx="464696" cy="494675"/>
+            </a:xfrm>
+            <a:prstGeom prst="ellipse">
+              <a:avLst/>
+            </a:prstGeom>
+          </p:spPr>
+          <p:style>
+            <a:lnRef idx="2">
+              <a:schemeClr val="accent1">
+                <a:shade val="50000"/>
+              </a:schemeClr>
+            </a:lnRef>
+            <a:fillRef idx="1">
+              <a:schemeClr val="accent1"/>
+            </a:fillRef>
+            <a:effectRef idx="0">
+              <a:schemeClr val="accent1"/>
+            </a:effectRef>
+            <a:fontRef idx="minor">
+              <a:schemeClr val="lt1"/>
+            </a:fontRef>
+          </p:style>
+          <p:txBody>
+            <a:bodyPr rtlCol="0" anchor="ctr"/>
+            <a:lstStyle/>
+            <a:p>
+              <a:pPr algn="ctr"/>
+              <a:endParaRPr lang="en-US">
+                <a:latin typeface="Cambria" charset="0"/>
+                <a:ea typeface="Cambria" charset="0"/>
+                <a:cs typeface="Cambria" charset="0"/>
+              </a:endParaRPr>
+            </a:p>
+          </p:txBody>
+        </p:sp>
+        <p:sp>
+          <p:nvSpPr>
+            <p:cNvPr id="39" name="Oval 38"/>
+            <p:cNvSpPr/>
+            <p:nvPr/>
+          </p:nvSpPr>
+          <p:spPr>
+            <a:xfrm>
+              <a:off x="424343" y="3520994"/>
+              <a:ext cx="464696" cy="494675"/>
+            </a:xfrm>
+            <a:prstGeom prst="ellipse">
+              <a:avLst/>
+            </a:prstGeom>
+          </p:spPr>
+          <p:style>
+            <a:lnRef idx="2">
+              <a:schemeClr val="accent1">
+                <a:shade val="50000"/>
+              </a:schemeClr>
+            </a:lnRef>
+            <a:fillRef idx="1">
+              <a:schemeClr val="accent1"/>
+            </a:fillRef>
+            <a:effectRef idx="0">
+              <a:schemeClr val="accent1"/>
+            </a:effectRef>
+            <a:fontRef idx="minor">
+              <a:schemeClr val="lt1"/>
+            </a:fontRef>
+          </p:style>
+          <p:txBody>
+            <a:bodyPr rtlCol="0" anchor="ctr"/>
+            <a:lstStyle/>
+            <a:p>
+              <a:pPr algn="ctr"/>
+              <a:endParaRPr lang="en-US">
+                <a:latin typeface="Cambria" charset="0"/>
+                <a:ea typeface="Cambria" charset="0"/>
+                <a:cs typeface="Cambria" charset="0"/>
+              </a:endParaRPr>
+            </a:p>
+          </p:txBody>
+        </p:sp>
+        <p:sp>
+          <p:nvSpPr>
+            <p:cNvPr id="40" name="Oval 39"/>
+            <p:cNvSpPr/>
+            <p:nvPr/>
+          </p:nvSpPr>
+          <p:spPr>
+            <a:xfrm>
+              <a:off x="424343" y="2826023"/>
+              <a:ext cx="464696" cy="494675"/>
+            </a:xfrm>
+            <a:prstGeom prst="ellipse">
+              <a:avLst/>
+            </a:prstGeom>
+          </p:spPr>
+          <p:style>
+            <a:lnRef idx="2">
+              <a:schemeClr val="accent1">
+                <a:shade val="50000"/>
+              </a:schemeClr>
+            </a:lnRef>
+            <a:fillRef idx="1">
+              <a:schemeClr val="accent1"/>
+            </a:fillRef>
+            <a:effectRef idx="0">
+              <a:schemeClr val="accent1"/>
+            </a:effectRef>
+            <a:fontRef idx="minor">
+              <a:schemeClr val="lt1"/>
+            </a:fontRef>
+          </p:style>
+          <p:txBody>
+            <a:bodyPr rtlCol="0" anchor="ctr"/>
+            <a:lstStyle/>
+            <a:p>
+              <a:pPr algn="ctr"/>
+              <a:endParaRPr lang="en-US">
+                <a:latin typeface="Cambria" charset="0"/>
+                <a:ea typeface="Cambria" charset="0"/>
+                <a:cs typeface="Cambria" charset="0"/>
+              </a:endParaRPr>
+            </a:p>
+          </p:txBody>
+        </p:sp>
+        <p:sp>
+          <p:nvSpPr>
+            <p:cNvPr id="41" name="Oval 40"/>
+            <p:cNvSpPr/>
+            <p:nvPr/>
+          </p:nvSpPr>
+          <p:spPr>
+            <a:xfrm>
+              <a:off x="1131379" y="2131052"/>
+              <a:ext cx="464696" cy="494675"/>
+            </a:xfrm>
+            <a:prstGeom prst="ellipse">
+              <a:avLst/>
+            </a:prstGeom>
+          </p:spPr>
+          <p:style>
+            <a:lnRef idx="2">
+              <a:schemeClr val="accent1">
+                <a:shade val="50000"/>
+              </a:schemeClr>
+            </a:lnRef>
+            <a:fillRef idx="1">
+              <a:schemeClr val="accent1"/>
+            </a:fillRef>
+            <a:effectRef idx="0">
+              <a:schemeClr val="accent1"/>
+            </a:effectRef>
+            <a:fontRef idx="minor">
+              <a:schemeClr val="lt1"/>
+            </a:fontRef>
+          </p:style>
+          <p:txBody>
+            <a:bodyPr rtlCol="0" anchor="ctr"/>
+            <a:lstStyle/>
+            <a:p>
+              <a:pPr algn="ctr"/>
+              <a:endParaRPr lang="en-US">
+                <a:latin typeface="Cambria" charset="0"/>
+                <a:ea typeface="Cambria" charset="0"/>
+                <a:cs typeface="Cambria" charset="0"/>
+              </a:endParaRPr>
+            </a:p>
+          </p:txBody>
+        </p:sp>
+        <p:sp>
+          <p:nvSpPr>
+            <p:cNvPr id="44" name="Oval 43"/>
+            <p:cNvSpPr/>
+            <p:nvPr/>
+          </p:nvSpPr>
+          <p:spPr>
+            <a:xfrm>
+              <a:off x="1131379" y="3520994"/>
+              <a:ext cx="464696" cy="494675"/>
+            </a:xfrm>
+            <a:prstGeom prst="ellipse">
+              <a:avLst/>
+            </a:prstGeom>
+          </p:spPr>
+          <p:style>
+            <a:lnRef idx="2">
+              <a:schemeClr val="accent1">
+                <a:shade val="50000"/>
+              </a:schemeClr>
+            </a:lnRef>
+            <a:fillRef idx="1">
+              <a:schemeClr val="accent1"/>
+            </a:fillRef>
+            <a:effectRef idx="0">
+              <a:schemeClr val="accent1"/>
+            </a:effectRef>
+            <a:fontRef idx="minor">
+              <a:schemeClr val="lt1"/>
+            </a:fontRef>
+          </p:style>
+          <p:txBody>
+            <a:bodyPr rtlCol="0" anchor="ctr"/>
+            <a:lstStyle/>
+            <a:p>
+              <a:pPr algn="ctr"/>
+              <a:endParaRPr lang="en-US">
+                <a:latin typeface="Cambria" charset="0"/>
+                <a:ea typeface="Cambria" charset="0"/>
+                <a:cs typeface="Cambria" charset="0"/>
+              </a:endParaRPr>
+            </a:p>
+          </p:txBody>
+        </p:sp>
+        <p:sp>
+          <p:nvSpPr>
+            <p:cNvPr id="48" name="Oval 47"/>
+            <p:cNvSpPr/>
+            <p:nvPr/>
+          </p:nvSpPr>
+          <p:spPr>
+            <a:xfrm>
+              <a:off x="1131379" y="2826023"/>
+              <a:ext cx="464696" cy="494675"/>
+            </a:xfrm>
+            <a:prstGeom prst="ellipse">
+              <a:avLst/>
+            </a:prstGeom>
+          </p:spPr>
+          <p:style>
+            <a:lnRef idx="2">
+              <a:schemeClr val="accent1">
+                <a:shade val="50000"/>
+              </a:schemeClr>
+            </a:lnRef>
+            <a:fillRef idx="1">
+              <a:schemeClr val="accent1"/>
+            </a:fillRef>
+            <a:effectRef idx="0">
+              <a:schemeClr val="accent1"/>
+            </a:effectRef>
+            <a:fontRef idx="minor">
+              <a:schemeClr val="lt1"/>
+            </a:fontRef>
+          </p:style>
+          <p:txBody>
+            <a:bodyPr rtlCol="0" anchor="ctr"/>
+            <a:lstStyle/>
+            <a:p>
+              <a:pPr algn="ctr"/>
+              <a:endParaRPr lang="en-US">
+                <a:latin typeface="Cambria" charset="0"/>
+                <a:ea typeface="Cambria" charset="0"/>
+                <a:cs typeface="Cambria" charset="0"/>
+              </a:endParaRPr>
+            </a:p>
+          </p:txBody>
+        </p:sp>
+        <p:sp>
+          <p:nvSpPr>
+            <p:cNvPr id="51" name="Oval 50"/>
+            <p:cNvSpPr/>
+            <p:nvPr/>
+          </p:nvSpPr>
+          <p:spPr>
+            <a:xfrm>
+              <a:off x="1838415" y="2131052"/>
+              <a:ext cx="464696" cy="494675"/>
+            </a:xfrm>
+            <a:prstGeom prst="ellipse">
+              <a:avLst/>
+            </a:prstGeom>
+          </p:spPr>
+          <p:style>
+            <a:lnRef idx="2">
+              <a:schemeClr val="accent1">
+                <a:shade val="50000"/>
+              </a:schemeClr>
+            </a:lnRef>
+            <a:fillRef idx="1">
+              <a:schemeClr val="accent1"/>
+            </a:fillRef>
+            <a:effectRef idx="0">
+              <a:schemeClr val="accent1"/>
+            </a:effectRef>
+            <a:fontRef idx="minor">
+              <a:schemeClr val="lt1"/>
+            </a:fontRef>
+          </p:style>
+          <p:txBody>
+            <a:bodyPr rtlCol="0" anchor="ctr"/>
+            <a:lstStyle/>
+            <a:p>
+              <a:pPr algn="ctr"/>
+              <a:endParaRPr lang="en-US">
+                <a:latin typeface="Cambria" charset="0"/>
+                <a:ea typeface="Cambria" charset="0"/>
+                <a:cs typeface="Cambria" charset="0"/>
+              </a:endParaRPr>
+            </a:p>
+          </p:txBody>
+        </p:sp>
+        <p:sp>
+          <p:nvSpPr>
+            <p:cNvPr id="55" name="Oval 54"/>
+            <p:cNvSpPr/>
+            <p:nvPr/>
+          </p:nvSpPr>
+          <p:spPr>
+            <a:xfrm>
+              <a:off x="1838415" y="3520994"/>
+              <a:ext cx="464696" cy="494675"/>
+            </a:xfrm>
+            <a:prstGeom prst="ellipse">
+              <a:avLst/>
+            </a:prstGeom>
+          </p:spPr>
+          <p:style>
+            <a:lnRef idx="2">
+              <a:schemeClr val="accent1">
+                <a:shade val="50000"/>
+              </a:schemeClr>
+            </a:lnRef>
+            <a:fillRef idx="1">
+              <a:schemeClr val="accent1"/>
+            </a:fillRef>
+            <a:effectRef idx="0">
+              <a:schemeClr val="accent1"/>
+            </a:effectRef>
+            <a:fontRef idx="minor">
+              <a:schemeClr val="lt1"/>
+            </a:fontRef>
+          </p:style>
+          <p:txBody>
+            <a:bodyPr rtlCol="0" anchor="ctr"/>
+            <a:lstStyle/>
+            <a:p>
+              <a:pPr algn="ctr"/>
+              <a:endParaRPr lang="en-US">
+                <a:latin typeface="Cambria" charset="0"/>
+                <a:ea typeface="Cambria" charset="0"/>
+                <a:cs typeface="Cambria" charset="0"/>
+              </a:endParaRPr>
+            </a:p>
+          </p:txBody>
+        </p:sp>
+        <p:sp>
+          <p:nvSpPr>
+            <p:cNvPr id="59" name="Oval 58"/>
+            <p:cNvSpPr/>
+            <p:nvPr/>
+          </p:nvSpPr>
+          <p:spPr>
+            <a:xfrm>
+              <a:off x="1838415" y="2826023"/>
+              <a:ext cx="464696" cy="494675"/>
+            </a:xfrm>
+            <a:prstGeom prst="ellipse">
+              <a:avLst/>
+            </a:prstGeom>
+          </p:spPr>
+          <p:style>
+            <a:lnRef idx="2">
+              <a:schemeClr val="accent1">
+                <a:shade val="50000"/>
+              </a:schemeClr>
+            </a:lnRef>
+            <a:fillRef idx="1">
+              <a:schemeClr val="accent1"/>
+            </a:fillRef>
+            <a:effectRef idx="0">
+              <a:schemeClr val="accent1"/>
+            </a:effectRef>
+            <a:fontRef idx="minor">
+              <a:schemeClr val="lt1"/>
+            </a:fontRef>
+          </p:style>
+          <p:txBody>
+            <a:bodyPr rtlCol="0" anchor="ctr"/>
+            <a:lstStyle/>
+            <a:p>
+              <a:pPr algn="ctr"/>
+              <a:endParaRPr lang="en-US">
+                <a:latin typeface="Cambria" charset="0"/>
+                <a:ea typeface="Cambria" charset="0"/>
+                <a:cs typeface="Cambria" charset="0"/>
+              </a:endParaRPr>
+            </a:p>
+          </p:txBody>
+        </p:sp>
+        <p:sp>
+          <p:nvSpPr>
+            <p:cNvPr id="60" name="Oval 59"/>
+            <p:cNvSpPr/>
+            <p:nvPr/>
+          </p:nvSpPr>
+          <p:spPr>
+            <a:xfrm>
+              <a:off x="2946738" y="2131052"/>
+              <a:ext cx="464696" cy="494675"/>
+            </a:xfrm>
+            <a:prstGeom prst="ellipse">
+              <a:avLst/>
+            </a:prstGeom>
+          </p:spPr>
+          <p:style>
+            <a:lnRef idx="2">
+              <a:schemeClr val="accent1">
+                <a:shade val="50000"/>
+              </a:schemeClr>
+            </a:lnRef>
+            <a:fillRef idx="1">
+              <a:schemeClr val="accent1"/>
+            </a:fillRef>
+            <a:effectRef idx="0">
+              <a:schemeClr val="accent1"/>
+            </a:effectRef>
+            <a:fontRef idx="minor">
+              <a:schemeClr val="lt1"/>
+            </a:fontRef>
+          </p:style>
+          <p:txBody>
+            <a:bodyPr rtlCol="0" anchor="ctr"/>
+            <a:lstStyle/>
+            <a:p>
+              <a:pPr algn="ctr"/>
+              <a:endParaRPr lang="en-US">
+                <a:latin typeface="Cambria" charset="0"/>
+                <a:ea typeface="Cambria" charset="0"/>
+                <a:cs typeface="Cambria" charset="0"/>
+              </a:endParaRPr>
+            </a:p>
+          </p:txBody>
+        </p:sp>
+        <p:sp>
+          <p:nvSpPr>
+            <p:cNvPr id="61" name="Oval 60"/>
+            <p:cNvSpPr/>
+            <p:nvPr/>
+          </p:nvSpPr>
+          <p:spPr>
+            <a:xfrm>
+              <a:off x="2946738" y="3520994"/>
+              <a:ext cx="464696" cy="494675"/>
+            </a:xfrm>
+            <a:prstGeom prst="ellipse">
+              <a:avLst/>
+            </a:prstGeom>
+          </p:spPr>
+          <p:style>
+            <a:lnRef idx="2">
+              <a:schemeClr val="accent1">
+                <a:shade val="50000"/>
+              </a:schemeClr>
+            </a:lnRef>
+            <a:fillRef idx="1">
+              <a:schemeClr val="accent1"/>
+            </a:fillRef>
+            <a:effectRef idx="0">
+              <a:schemeClr val="accent1"/>
+            </a:effectRef>
+            <a:fontRef idx="minor">
+              <a:schemeClr val="lt1"/>
+            </a:fontRef>
+          </p:style>
+          <p:txBody>
+            <a:bodyPr rtlCol="0" anchor="ctr"/>
+            <a:lstStyle/>
+            <a:p>
+              <a:pPr algn="ctr"/>
+              <a:endParaRPr lang="en-US">
+                <a:latin typeface="Cambria" charset="0"/>
+                <a:ea typeface="Cambria" charset="0"/>
+                <a:cs typeface="Cambria" charset="0"/>
+              </a:endParaRPr>
+            </a:p>
+          </p:txBody>
+        </p:sp>
+        <p:sp>
+          <p:nvSpPr>
+            <p:cNvPr id="63" name="Oval 62"/>
+            <p:cNvSpPr/>
+            <p:nvPr/>
+          </p:nvSpPr>
+          <p:spPr>
+            <a:xfrm>
+              <a:off x="2946738" y="2826023"/>
+              <a:ext cx="464696" cy="494675"/>
+            </a:xfrm>
+            <a:prstGeom prst="ellipse">
+              <a:avLst/>
+            </a:prstGeom>
+          </p:spPr>
+          <p:style>
+            <a:lnRef idx="2">
+              <a:schemeClr val="accent1">
+                <a:shade val="50000"/>
+              </a:schemeClr>
+            </a:lnRef>
+            <a:fillRef idx="1">
+              <a:schemeClr val="accent1"/>
+            </a:fillRef>
+            <a:effectRef idx="0">
+              <a:schemeClr val="accent1"/>
+            </a:effectRef>
+            <a:fontRef idx="minor">
+              <a:schemeClr val="lt1"/>
+            </a:fontRef>
+          </p:style>
+          <p:txBody>
+            <a:bodyPr rtlCol="0" anchor="ctr"/>
+            <a:lstStyle/>
+            <a:p>
+              <a:pPr algn="ctr"/>
+              <a:endParaRPr lang="en-US">
+                <a:latin typeface="Cambria" charset="0"/>
+                <a:ea typeface="Cambria" charset="0"/>
+                <a:cs typeface="Cambria" charset="0"/>
+              </a:endParaRPr>
+            </a:p>
+          </p:txBody>
+        </p:sp>
+        <p:sp>
+          <p:nvSpPr>
+            <p:cNvPr id="64" name="Oval 63"/>
+            <p:cNvSpPr/>
+            <p:nvPr/>
+          </p:nvSpPr>
+          <p:spPr>
+            <a:xfrm>
+              <a:off x="3653774" y="2131052"/>
+              <a:ext cx="464696" cy="494675"/>
+            </a:xfrm>
+            <a:prstGeom prst="ellipse">
+              <a:avLst/>
+            </a:prstGeom>
+          </p:spPr>
+          <p:style>
+            <a:lnRef idx="2">
+              <a:schemeClr val="accent1">
+                <a:shade val="50000"/>
+              </a:schemeClr>
+            </a:lnRef>
+            <a:fillRef idx="1">
+              <a:schemeClr val="accent1"/>
+            </a:fillRef>
+            <a:effectRef idx="0">
+              <a:schemeClr val="accent1"/>
+            </a:effectRef>
+            <a:fontRef idx="minor">
+              <a:schemeClr val="lt1"/>
+            </a:fontRef>
+          </p:style>
+          <p:txBody>
+            <a:bodyPr rtlCol="0" anchor="ctr"/>
+            <a:lstStyle/>
+            <a:p>
+              <a:pPr algn="ctr"/>
+              <a:endParaRPr lang="en-US">
+                <a:latin typeface="Cambria" charset="0"/>
+                <a:ea typeface="Cambria" charset="0"/>
+                <a:cs typeface="Cambria" charset="0"/>
+              </a:endParaRPr>
+            </a:p>
+          </p:txBody>
+        </p:sp>
+        <p:sp>
+          <p:nvSpPr>
+            <p:cNvPr id="65" name="Oval 64"/>
+            <p:cNvSpPr/>
+            <p:nvPr/>
+          </p:nvSpPr>
+          <p:spPr>
+            <a:xfrm>
+              <a:off x="3653774" y="3520994"/>
+              <a:ext cx="464696" cy="494675"/>
+            </a:xfrm>
+            <a:prstGeom prst="ellipse">
+              <a:avLst/>
+            </a:prstGeom>
+          </p:spPr>
+          <p:style>
+            <a:lnRef idx="2">
+              <a:schemeClr val="accent1">
+                <a:shade val="50000"/>
+              </a:schemeClr>
+            </a:lnRef>
+            <a:fillRef idx="1">
+              <a:schemeClr val="accent1"/>
+            </a:fillRef>
+            <a:effectRef idx="0">
+              <a:schemeClr val="accent1"/>
+            </a:effectRef>
+            <a:fontRef idx="minor">
+              <a:schemeClr val="lt1"/>
+            </a:fontRef>
+          </p:style>
+          <p:txBody>
+            <a:bodyPr rtlCol="0" anchor="ctr"/>
+            <a:lstStyle/>
+            <a:p>
+              <a:pPr algn="ctr"/>
+              <a:endParaRPr lang="en-US">
+                <a:latin typeface="Cambria" charset="0"/>
+                <a:ea typeface="Cambria" charset="0"/>
+                <a:cs typeface="Cambria" charset="0"/>
+              </a:endParaRPr>
+            </a:p>
+          </p:txBody>
+        </p:sp>
+        <p:sp>
+          <p:nvSpPr>
+            <p:cNvPr id="66" name="Oval 65"/>
+            <p:cNvSpPr/>
+            <p:nvPr/>
+          </p:nvSpPr>
+          <p:spPr>
+            <a:xfrm>
+              <a:off x="3653774" y="2826023"/>
+              <a:ext cx="464696" cy="494675"/>
+            </a:xfrm>
+            <a:prstGeom prst="ellipse">
+              <a:avLst/>
+            </a:prstGeom>
+          </p:spPr>
+          <p:style>
+            <a:lnRef idx="2">
+              <a:schemeClr val="accent1">
+                <a:shade val="50000"/>
+              </a:schemeClr>
+            </a:lnRef>
+            <a:fillRef idx="1">
+              <a:schemeClr val="accent1"/>
+            </a:fillRef>
+            <a:effectRef idx="0">
+              <a:schemeClr val="accent1"/>
+            </a:effectRef>
+            <a:fontRef idx="minor">
+              <a:schemeClr val="lt1"/>
+            </a:fontRef>
+          </p:style>
+          <p:txBody>
+            <a:bodyPr rtlCol="0" anchor="ctr"/>
+            <a:lstStyle/>
+            <a:p>
+              <a:pPr algn="ctr"/>
+              <a:endParaRPr lang="en-US">
+                <a:latin typeface="Cambria" charset="0"/>
+                <a:ea typeface="Cambria" charset="0"/>
+                <a:cs typeface="Cambria" charset="0"/>
+              </a:endParaRPr>
+            </a:p>
+          </p:txBody>
+        </p:sp>
+        <p:sp>
+          <p:nvSpPr>
+            <p:cNvPr id="67" name="Oval 66"/>
+            <p:cNvSpPr/>
+            <p:nvPr/>
+          </p:nvSpPr>
+          <p:spPr>
+            <a:xfrm>
+              <a:off x="4360810" y="2131052"/>
+              <a:ext cx="464696" cy="494675"/>
+            </a:xfrm>
+            <a:prstGeom prst="ellipse">
+              <a:avLst/>
+            </a:prstGeom>
+          </p:spPr>
+          <p:style>
+            <a:lnRef idx="2">
+              <a:schemeClr val="accent1">
+                <a:shade val="50000"/>
+              </a:schemeClr>
+            </a:lnRef>
+            <a:fillRef idx="1">
+              <a:schemeClr val="accent1"/>
+            </a:fillRef>
+            <a:effectRef idx="0">
+              <a:schemeClr val="accent1"/>
+            </a:effectRef>
+            <a:fontRef idx="minor">
+              <a:schemeClr val="lt1"/>
+            </a:fontRef>
+          </p:style>
+          <p:txBody>
+            <a:bodyPr rtlCol="0" anchor="ctr"/>
+            <a:lstStyle/>
+            <a:p>
+              <a:pPr algn="ctr"/>
+              <a:endParaRPr lang="en-US">
+                <a:latin typeface="Cambria" charset="0"/>
+                <a:ea typeface="Cambria" charset="0"/>
+                <a:cs typeface="Cambria" charset="0"/>
+              </a:endParaRPr>
+            </a:p>
+          </p:txBody>
+        </p:sp>
+        <p:sp>
+          <p:nvSpPr>
+            <p:cNvPr id="68" name="Oval 67"/>
+            <p:cNvSpPr/>
+            <p:nvPr/>
+          </p:nvSpPr>
+          <p:spPr>
+            <a:xfrm>
+              <a:off x="4360810" y="3520994"/>
+              <a:ext cx="464696" cy="494675"/>
+            </a:xfrm>
+            <a:prstGeom prst="ellipse">
+              <a:avLst/>
+            </a:prstGeom>
+          </p:spPr>
+          <p:style>
+            <a:lnRef idx="2">
+              <a:schemeClr val="accent1">
+                <a:shade val="50000"/>
+              </a:schemeClr>
+            </a:lnRef>
+            <a:fillRef idx="1">
+              <a:schemeClr val="accent1"/>
+            </a:fillRef>
+            <a:effectRef idx="0">
+              <a:schemeClr val="accent1"/>
+            </a:effectRef>
+            <a:fontRef idx="minor">
+              <a:schemeClr val="lt1"/>
+            </a:fontRef>
+          </p:style>
+          <p:txBody>
+            <a:bodyPr rtlCol="0" anchor="ctr"/>
+            <a:lstStyle/>
+            <a:p>
+              <a:pPr algn="ctr"/>
+              <a:endParaRPr lang="en-US">
+                <a:latin typeface="Cambria" charset="0"/>
+                <a:ea typeface="Cambria" charset="0"/>
+                <a:cs typeface="Cambria" charset="0"/>
+              </a:endParaRPr>
+            </a:p>
+          </p:txBody>
+        </p:sp>
+        <p:sp>
+          <p:nvSpPr>
+            <p:cNvPr id="69" name="Oval 68"/>
+            <p:cNvSpPr/>
+            <p:nvPr/>
+          </p:nvSpPr>
+          <p:spPr>
+            <a:xfrm>
+              <a:off x="4360810" y="2826023"/>
+              <a:ext cx="464696" cy="494675"/>
+            </a:xfrm>
+            <a:prstGeom prst="ellipse">
+              <a:avLst/>
+            </a:prstGeom>
+          </p:spPr>
+          <p:style>
+            <a:lnRef idx="2">
+              <a:schemeClr val="accent1">
+                <a:shade val="50000"/>
+              </a:schemeClr>
+            </a:lnRef>
+            <a:fillRef idx="1">
+              <a:schemeClr val="accent1"/>
+            </a:fillRef>
+            <a:effectRef idx="0">
+              <a:schemeClr val="accent1"/>
+            </a:effectRef>
+            <a:fontRef idx="minor">
+              <a:schemeClr val="lt1"/>
+            </a:fontRef>
+          </p:style>
+          <p:txBody>
+            <a:bodyPr rtlCol="0" anchor="ctr"/>
+            <a:lstStyle/>
+            <a:p>
+              <a:pPr algn="ctr"/>
+              <a:endParaRPr lang="en-US">
+                <a:latin typeface="Cambria" charset="0"/>
+                <a:ea typeface="Cambria" charset="0"/>
+                <a:cs typeface="Cambria" charset="0"/>
+              </a:endParaRPr>
+            </a:p>
+          </p:txBody>
+        </p:sp>
+        <p:sp>
+          <p:nvSpPr>
+            <p:cNvPr id="70" name="TextBox 69"/>
+            <p:cNvSpPr txBox="1"/>
+            <p:nvPr/>
+          </p:nvSpPr>
+          <p:spPr>
+            <a:xfrm>
+              <a:off x="991471" y="1476906"/>
+              <a:ext cx="846944" cy="369332"/>
+            </a:xfrm>
+            <a:prstGeom prst="rect">
+              <a:avLst/>
+            </a:prstGeom>
+            <a:noFill/>
+          </p:spPr>
+          <p:txBody>
+            <a:bodyPr wrap="square" rtlCol="0">
+              <a:spAutoFit/>
+            </a:bodyPr>
+            <a:lstStyle/>
+            <a:p>
+              <a:r>
+                <a:rPr lang="en-US" b="1" dirty="0" smtClean="0">
+                  <a:latin typeface="Cambria" charset="0"/>
+                  <a:ea typeface="Cambria" charset="0"/>
+                  <a:cs typeface="Cambria" charset="0"/>
+                </a:rPr>
+                <a:t>Input</a:t>
+              </a:r>
+              <a:endParaRPr lang="en-US" b="1" dirty="0">
+                <a:latin typeface="Cambria" charset="0"/>
+                <a:ea typeface="Cambria" charset="0"/>
+                <a:cs typeface="Cambria" charset="0"/>
+              </a:endParaRPr>
+            </a:p>
+          </p:txBody>
+        </p:sp>
+        <p:sp>
+          <p:nvSpPr>
+            <p:cNvPr id="76" name="TextBox 75"/>
+            <p:cNvSpPr txBox="1"/>
+            <p:nvPr/>
+          </p:nvSpPr>
+          <p:spPr>
+            <a:xfrm>
+              <a:off x="3064180" y="1504315"/>
+              <a:ext cx="1643883" cy="369332"/>
+            </a:xfrm>
+            <a:prstGeom prst="rect">
+              <a:avLst/>
+            </a:prstGeom>
+            <a:noFill/>
+          </p:spPr>
+          <p:txBody>
+            <a:bodyPr wrap="square" rtlCol="0">
+              <a:spAutoFit/>
+            </a:bodyPr>
+            <a:lstStyle/>
+            <a:p>
+              <a:r>
+                <a:rPr lang="en-US" b="1" smtClean="0">
+                  <a:latin typeface="Cambria" charset="0"/>
+                  <a:ea typeface="Cambria" charset="0"/>
+                  <a:cs typeface="Cambria" charset="0"/>
+                </a:rPr>
+                <a:t>Recon </a:t>
+              </a:r>
+              <a:r>
+                <a:rPr lang="en-US" b="1" dirty="0" smtClean="0">
+                  <a:latin typeface="Cambria" charset="0"/>
+                  <a:ea typeface="Cambria" charset="0"/>
+                  <a:cs typeface="Cambria" charset="0"/>
+                </a:rPr>
+                <a:t>input</a:t>
+              </a:r>
+              <a:endParaRPr lang="en-US" b="1" dirty="0">
+                <a:latin typeface="Cambria" charset="0"/>
+                <a:ea typeface="Cambria" charset="0"/>
+                <a:cs typeface="Cambria" charset="0"/>
+              </a:endParaRPr>
+            </a:p>
+          </p:txBody>
+        </p:sp>
+        <p:sp>
+          <p:nvSpPr>
+            <p:cNvPr id="78" name="Rounded Rectangle 77"/>
+            <p:cNvSpPr/>
+            <p:nvPr/>
+          </p:nvSpPr>
+          <p:spPr>
+            <a:xfrm>
+              <a:off x="199506" y="1246909"/>
+              <a:ext cx="5041835" cy="3158836"/>
+            </a:xfrm>
+            <a:prstGeom prst="roundRect">
+              <a:avLst/>
+            </a:prstGeom>
+            <a:noFill/>
+          </p:spPr>
+          <p:style>
+            <a:lnRef idx="2">
+              <a:schemeClr val="accent1"/>
+            </a:lnRef>
+            <a:fillRef idx="1">
+              <a:schemeClr val="lt1"/>
+            </a:fillRef>
+            <a:effectRef idx="0">
+              <a:schemeClr val="accent1"/>
+            </a:effectRef>
+            <a:fontRef idx="minor">
+              <a:schemeClr val="dk1"/>
+            </a:fontRef>
+          </p:style>
+          <p:txBody>
+            <a:bodyPr rtlCol="0" anchor="ctr"/>
+            <a:lstStyle/>
+            <a:p>
+              <a:pPr algn="ctr"/>
+              <a:endParaRPr lang="en-US"/>
+            </a:p>
+          </p:txBody>
+        </p:sp>
+        <p:cxnSp>
+          <p:nvCxnSpPr>
+            <p:cNvPr id="79" name="Straight Arrow Connector 78"/>
+            <p:cNvCxnSpPr>
+              <a:endCxn id="158" idx="1"/>
+            </p:cNvCxnSpPr>
+            <p:nvPr/>
+          </p:nvCxnSpPr>
+          <p:spPr>
+            <a:xfrm flipV="1">
+              <a:off x="5241341" y="2824617"/>
+              <a:ext cx="1506378" cy="1711"/>
+            </a:xfrm>
+            <a:prstGeom prst="straightConnector1">
+              <a:avLst/>
+            </a:prstGeom>
+            <a:ln>
+              <a:tailEnd type="triangle"/>
+            </a:ln>
+          </p:spPr>
+          <p:style>
+            <a:lnRef idx="1">
+              <a:schemeClr val="accent1"/>
+            </a:lnRef>
+            <a:fillRef idx="0">
+              <a:schemeClr val="accent1"/>
+            </a:fillRef>
+            <a:effectRef idx="0">
+              <a:schemeClr val="accent1"/>
+            </a:effectRef>
+            <a:fontRef idx="minor">
+              <a:schemeClr val="tx1"/>
+            </a:fontRef>
+          </p:style>
+        </p:cxnSp>
+      </p:grpSp>
+      <p:grpSp>
+        <p:nvGrpSpPr>
+          <p:cNvPr id="106" name="Group 105"/>
+          <p:cNvGrpSpPr/>
+          <p:nvPr/>
+        </p:nvGrpSpPr>
+        <p:grpSpPr>
+          <a:xfrm>
+            <a:off x="781396" y="3787789"/>
+            <a:ext cx="10806545" cy="2712764"/>
+            <a:chOff x="199506" y="1245199"/>
+            <a:chExt cx="10724475" cy="3160546"/>
+          </a:xfrm>
+        </p:grpSpPr>
+        <p:sp>
+          <p:nvSpPr>
+            <p:cNvPr id="107" name="Oval 106"/>
+            <p:cNvSpPr/>
+            <p:nvPr/>
+          </p:nvSpPr>
+          <p:spPr>
+            <a:xfrm>
+              <a:off x="424343" y="2131052"/>
+              <a:ext cx="464696" cy="494675"/>
+            </a:xfrm>
+            <a:prstGeom prst="ellipse">
+              <a:avLst/>
+            </a:prstGeom>
+          </p:spPr>
+          <p:style>
+            <a:lnRef idx="2">
+              <a:schemeClr val="accent1">
+                <a:shade val="50000"/>
+              </a:schemeClr>
+            </a:lnRef>
+            <a:fillRef idx="1">
+              <a:schemeClr val="accent1"/>
+            </a:fillRef>
+            <a:effectRef idx="0">
+              <a:schemeClr val="accent1"/>
+            </a:effectRef>
+            <a:fontRef idx="minor">
+              <a:schemeClr val="lt1"/>
+            </a:fontRef>
+          </p:style>
+          <p:txBody>
+            <a:bodyPr rtlCol="0" anchor="ctr"/>
+            <a:lstStyle/>
+            <a:p>
+              <a:pPr algn="ctr"/>
+              <a:endParaRPr lang="en-US">
+                <a:latin typeface="Cambria" charset="0"/>
+                <a:ea typeface="Cambria" charset="0"/>
+                <a:cs typeface="Cambria" charset="0"/>
+              </a:endParaRPr>
+            </a:p>
+          </p:txBody>
+        </p:sp>
+        <p:sp>
+          <p:nvSpPr>
+            <p:cNvPr id="108" name="Oval 107"/>
+            <p:cNvSpPr/>
+            <p:nvPr/>
+          </p:nvSpPr>
+          <p:spPr>
+            <a:xfrm>
+              <a:off x="424343" y="3520994"/>
+              <a:ext cx="464696" cy="494675"/>
+            </a:xfrm>
+            <a:prstGeom prst="ellipse">
+              <a:avLst/>
+            </a:prstGeom>
+          </p:spPr>
+          <p:style>
+            <a:lnRef idx="2">
+              <a:schemeClr val="accent1">
+                <a:shade val="50000"/>
+              </a:schemeClr>
+            </a:lnRef>
+            <a:fillRef idx="1">
+              <a:schemeClr val="accent1"/>
+            </a:fillRef>
+            <a:effectRef idx="0">
+              <a:schemeClr val="accent1"/>
+            </a:effectRef>
+            <a:fontRef idx="minor">
+              <a:schemeClr val="lt1"/>
+            </a:fontRef>
+          </p:style>
+          <p:txBody>
+            <a:bodyPr rtlCol="0" anchor="ctr"/>
+            <a:lstStyle/>
+            <a:p>
+              <a:pPr algn="ctr"/>
+              <a:endParaRPr lang="en-US">
+                <a:latin typeface="Cambria" charset="0"/>
+                <a:ea typeface="Cambria" charset="0"/>
+                <a:cs typeface="Cambria" charset="0"/>
+              </a:endParaRPr>
+            </a:p>
+          </p:txBody>
+        </p:sp>
+        <p:sp>
+          <p:nvSpPr>
+            <p:cNvPr id="109" name="Oval 108"/>
+            <p:cNvSpPr/>
+            <p:nvPr/>
+          </p:nvSpPr>
+          <p:spPr>
+            <a:xfrm>
+              <a:off x="424343" y="2826023"/>
+              <a:ext cx="464696" cy="494675"/>
+            </a:xfrm>
+            <a:prstGeom prst="ellipse">
+              <a:avLst/>
+            </a:prstGeom>
+          </p:spPr>
+          <p:style>
+            <a:lnRef idx="2">
+              <a:schemeClr val="accent1">
+                <a:shade val="50000"/>
+              </a:schemeClr>
+            </a:lnRef>
+            <a:fillRef idx="1">
+              <a:schemeClr val="accent1"/>
+            </a:fillRef>
+            <a:effectRef idx="0">
+              <a:schemeClr val="accent1"/>
+            </a:effectRef>
+            <a:fontRef idx="minor">
+              <a:schemeClr val="lt1"/>
+            </a:fontRef>
+          </p:style>
+          <p:txBody>
+            <a:bodyPr rtlCol="0" anchor="ctr"/>
+            <a:lstStyle/>
+            <a:p>
+              <a:pPr algn="ctr"/>
+              <a:endParaRPr lang="en-US">
+                <a:latin typeface="Cambria" charset="0"/>
+                <a:ea typeface="Cambria" charset="0"/>
+                <a:cs typeface="Cambria" charset="0"/>
+              </a:endParaRPr>
+            </a:p>
+          </p:txBody>
+        </p:sp>
+        <p:sp>
+          <p:nvSpPr>
+            <p:cNvPr id="110" name="Oval 109"/>
+            <p:cNvSpPr/>
+            <p:nvPr/>
+          </p:nvSpPr>
+          <p:spPr>
+            <a:xfrm>
+              <a:off x="1131379" y="2131052"/>
+              <a:ext cx="464696" cy="494675"/>
+            </a:xfrm>
+            <a:prstGeom prst="ellipse">
+              <a:avLst/>
+            </a:prstGeom>
+          </p:spPr>
+          <p:style>
+            <a:lnRef idx="2">
+              <a:schemeClr val="accent1">
+                <a:shade val="50000"/>
+              </a:schemeClr>
+            </a:lnRef>
+            <a:fillRef idx="1">
+              <a:schemeClr val="accent1"/>
+            </a:fillRef>
+            <a:effectRef idx="0">
+              <a:schemeClr val="accent1"/>
+            </a:effectRef>
+            <a:fontRef idx="minor">
+              <a:schemeClr val="lt1"/>
+            </a:fontRef>
+          </p:style>
+          <p:txBody>
+            <a:bodyPr rtlCol="0" anchor="ctr"/>
+            <a:lstStyle/>
+            <a:p>
+              <a:pPr algn="ctr"/>
+              <a:endParaRPr lang="en-US">
+                <a:latin typeface="Cambria" charset="0"/>
+                <a:ea typeface="Cambria" charset="0"/>
+                <a:cs typeface="Cambria" charset="0"/>
+              </a:endParaRPr>
+            </a:p>
+          </p:txBody>
+        </p:sp>
+        <p:sp>
+          <p:nvSpPr>
+            <p:cNvPr id="111" name="Oval 110"/>
+            <p:cNvSpPr/>
+            <p:nvPr/>
+          </p:nvSpPr>
+          <p:spPr>
+            <a:xfrm>
+              <a:off x="1131379" y="3520994"/>
+              <a:ext cx="464696" cy="494675"/>
+            </a:xfrm>
+            <a:prstGeom prst="ellipse">
+              <a:avLst/>
+            </a:prstGeom>
+          </p:spPr>
+          <p:style>
+            <a:lnRef idx="2">
+              <a:schemeClr val="accent1">
+                <a:shade val="50000"/>
+              </a:schemeClr>
+            </a:lnRef>
+            <a:fillRef idx="1">
+              <a:schemeClr val="accent1"/>
+            </a:fillRef>
+            <a:effectRef idx="0">
+              <a:schemeClr val="accent1"/>
+            </a:effectRef>
+            <a:fontRef idx="minor">
+              <a:schemeClr val="lt1"/>
+            </a:fontRef>
+          </p:style>
+          <p:txBody>
+            <a:bodyPr rtlCol="0" anchor="ctr"/>
+            <a:lstStyle/>
+            <a:p>
+              <a:pPr algn="ctr"/>
+              <a:endParaRPr lang="en-US">
+                <a:latin typeface="Cambria" charset="0"/>
+                <a:ea typeface="Cambria" charset="0"/>
+                <a:cs typeface="Cambria" charset="0"/>
+              </a:endParaRPr>
+            </a:p>
+          </p:txBody>
+        </p:sp>
+        <p:sp>
+          <p:nvSpPr>
+            <p:cNvPr id="112" name="Oval 111"/>
+            <p:cNvSpPr/>
+            <p:nvPr/>
+          </p:nvSpPr>
+          <p:spPr>
+            <a:xfrm>
+              <a:off x="1131379" y="2826023"/>
+              <a:ext cx="464696" cy="494675"/>
+            </a:xfrm>
+            <a:prstGeom prst="ellipse">
+              <a:avLst/>
+            </a:prstGeom>
+          </p:spPr>
+          <p:style>
+            <a:lnRef idx="2">
+              <a:schemeClr val="accent1">
+                <a:shade val="50000"/>
+              </a:schemeClr>
+            </a:lnRef>
+            <a:fillRef idx="1">
+              <a:schemeClr val="accent1"/>
+            </a:fillRef>
+            <a:effectRef idx="0">
+              <a:schemeClr val="accent1"/>
+            </a:effectRef>
+            <a:fontRef idx="minor">
+              <a:schemeClr val="lt1"/>
+            </a:fontRef>
+          </p:style>
+          <p:txBody>
+            <a:bodyPr rtlCol="0" anchor="ctr"/>
+            <a:lstStyle/>
+            <a:p>
+              <a:pPr algn="ctr"/>
+              <a:endParaRPr lang="en-US">
+                <a:latin typeface="Cambria" charset="0"/>
+                <a:ea typeface="Cambria" charset="0"/>
+                <a:cs typeface="Cambria" charset="0"/>
+              </a:endParaRPr>
+            </a:p>
+          </p:txBody>
+        </p:sp>
+        <p:sp>
+          <p:nvSpPr>
+            <p:cNvPr id="113" name="Oval 112"/>
+            <p:cNvSpPr/>
+            <p:nvPr/>
+          </p:nvSpPr>
+          <p:spPr>
+            <a:xfrm>
+              <a:off x="1838415" y="2131052"/>
+              <a:ext cx="464696" cy="494675"/>
+            </a:xfrm>
+            <a:prstGeom prst="ellipse">
+              <a:avLst/>
+            </a:prstGeom>
+          </p:spPr>
+          <p:style>
+            <a:lnRef idx="2">
+              <a:schemeClr val="accent1">
+                <a:shade val="50000"/>
+              </a:schemeClr>
+            </a:lnRef>
+            <a:fillRef idx="1">
+              <a:schemeClr val="accent1"/>
+            </a:fillRef>
+            <a:effectRef idx="0">
+              <a:schemeClr val="accent1"/>
+            </a:effectRef>
+            <a:fontRef idx="minor">
+              <a:schemeClr val="lt1"/>
+            </a:fontRef>
+          </p:style>
+          <p:txBody>
+            <a:bodyPr rtlCol="0" anchor="ctr"/>
+            <a:lstStyle/>
+            <a:p>
+              <a:pPr algn="ctr"/>
+              <a:endParaRPr lang="en-US">
+                <a:latin typeface="Cambria" charset="0"/>
+                <a:ea typeface="Cambria" charset="0"/>
+                <a:cs typeface="Cambria" charset="0"/>
+              </a:endParaRPr>
+            </a:p>
+          </p:txBody>
+        </p:sp>
+        <p:sp>
+          <p:nvSpPr>
+            <p:cNvPr id="114" name="Oval 113"/>
+            <p:cNvSpPr/>
+            <p:nvPr/>
+          </p:nvSpPr>
+          <p:spPr>
+            <a:xfrm>
+              <a:off x="1838415" y="3520994"/>
+              <a:ext cx="464696" cy="494675"/>
+            </a:xfrm>
+            <a:prstGeom prst="ellipse">
+              <a:avLst/>
+            </a:prstGeom>
+          </p:spPr>
+          <p:style>
+            <a:lnRef idx="2">
+              <a:schemeClr val="accent1">
+                <a:shade val="50000"/>
+              </a:schemeClr>
+            </a:lnRef>
+            <a:fillRef idx="1">
+              <a:schemeClr val="accent1"/>
+            </a:fillRef>
+            <a:effectRef idx="0">
+              <a:schemeClr val="accent1"/>
+            </a:effectRef>
+            <a:fontRef idx="minor">
+              <a:schemeClr val="lt1"/>
+            </a:fontRef>
+          </p:style>
+          <p:txBody>
+            <a:bodyPr rtlCol="0" anchor="ctr"/>
+            <a:lstStyle/>
+            <a:p>
+              <a:pPr algn="ctr"/>
+              <a:endParaRPr lang="en-US">
+                <a:latin typeface="Cambria" charset="0"/>
+                <a:ea typeface="Cambria" charset="0"/>
+                <a:cs typeface="Cambria" charset="0"/>
+              </a:endParaRPr>
+            </a:p>
+          </p:txBody>
+        </p:sp>
+        <p:sp>
+          <p:nvSpPr>
+            <p:cNvPr id="115" name="Oval 114"/>
+            <p:cNvSpPr/>
+            <p:nvPr/>
+          </p:nvSpPr>
+          <p:spPr>
+            <a:xfrm>
+              <a:off x="1838415" y="2826023"/>
+              <a:ext cx="464696" cy="494675"/>
+            </a:xfrm>
+            <a:prstGeom prst="ellipse">
+              <a:avLst/>
+            </a:prstGeom>
+          </p:spPr>
+          <p:style>
+            <a:lnRef idx="2">
+              <a:schemeClr val="accent1">
+                <a:shade val="50000"/>
+              </a:schemeClr>
+            </a:lnRef>
+            <a:fillRef idx="1">
+              <a:schemeClr val="accent1"/>
+            </a:fillRef>
+            <a:effectRef idx="0">
+              <a:schemeClr val="accent1"/>
+            </a:effectRef>
+            <a:fontRef idx="minor">
+              <a:schemeClr val="lt1"/>
+            </a:fontRef>
+          </p:style>
+          <p:txBody>
+            <a:bodyPr rtlCol="0" anchor="ctr"/>
+            <a:lstStyle/>
+            <a:p>
+              <a:pPr algn="ctr"/>
+              <a:endParaRPr lang="en-US">
+                <a:latin typeface="Cambria" charset="0"/>
+                <a:ea typeface="Cambria" charset="0"/>
+                <a:cs typeface="Cambria" charset="0"/>
+              </a:endParaRPr>
+            </a:p>
+          </p:txBody>
+        </p:sp>
+        <p:sp>
+          <p:nvSpPr>
+            <p:cNvPr id="116" name="Oval 115"/>
+            <p:cNvSpPr/>
+            <p:nvPr/>
+          </p:nvSpPr>
+          <p:spPr>
+            <a:xfrm>
+              <a:off x="2946738" y="2131052"/>
+              <a:ext cx="464696" cy="494675"/>
+            </a:xfrm>
+            <a:prstGeom prst="ellipse">
+              <a:avLst/>
+            </a:prstGeom>
+          </p:spPr>
+          <p:style>
+            <a:lnRef idx="2">
+              <a:schemeClr val="accent1">
+                <a:shade val="50000"/>
+              </a:schemeClr>
+            </a:lnRef>
+            <a:fillRef idx="1">
+              <a:schemeClr val="accent1"/>
+            </a:fillRef>
+            <a:effectRef idx="0">
+              <a:schemeClr val="accent1"/>
+            </a:effectRef>
+            <a:fontRef idx="minor">
+              <a:schemeClr val="lt1"/>
+            </a:fontRef>
+          </p:style>
+          <p:txBody>
+            <a:bodyPr rtlCol="0" anchor="ctr"/>
+            <a:lstStyle/>
+            <a:p>
+              <a:pPr algn="ctr"/>
+              <a:endParaRPr lang="en-US">
+                <a:latin typeface="Cambria" charset="0"/>
+                <a:ea typeface="Cambria" charset="0"/>
+                <a:cs typeface="Cambria" charset="0"/>
+              </a:endParaRPr>
+            </a:p>
+          </p:txBody>
+        </p:sp>
+        <p:sp>
+          <p:nvSpPr>
+            <p:cNvPr id="117" name="Oval 116"/>
+            <p:cNvSpPr/>
+            <p:nvPr/>
+          </p:nvSpPr>
+          <p:spPr>
+            <a:xfrm>
+              <a:off x="2946738" y="3520994"/>
+              <a:ext cx="464696" cy="494675"/>
+            </a:xfrm>
+            <a:prstGeom prst="ellipse">
+              <a:avLst/>
+            </a:prstGeom>
+          </p:spPr>
+          <p:style>
+            <a:lnRef idx="2">
+              <a:schemeClr val="accent1">
+                <a:shade val="50000"/>
+              </a:schemeClr>
+            </a:lnRef>
+            <a:fillRef idx="1">
+              <a:schemeClr val="accent1"/>
+            </a:fillRef>
+            <a:effectRef idx="0">
+              <a:schemeClr val="accent1"/>
+            </a:effectRef>
+            <a:fontRef idx="minor">
+              <a:schemeClr val="lt1"/>
+            </a:fontRef>
+          </p:style>
+          <p:txBody>
+            <a:bodyPr rtlCol="0" anchor="ctr"/>
+            <a:lstStyle/>
+            <a:p>
+              <a:pPr algn="ctr"/>
+              <a:endParaRPr lang="en-US">
+                <a:latin typeface="Cambria" charset="0"/>
+                <a:ea typeface="Cambria" charset="0"/>
+                <a:cs typeface="Cambria" charset="0"/>
+              </a:endParaRPr>
+            </a:p>
+          </p:txBody>
+        </p:sp>
+        <p:sp>
+          <p:nvSpPr>
+            <p:cNvPr id="118" name="Oval 117"/>
+            <p:cNvSpPr/>
+            <p:nvPr/>
+          </p:nvSpPr>
+          <p:spPr>
+            <a:xfrm>
+              <a:off x="2946738" y="2826023"/>
+              <a:ext cx="464696" cy="494675"/>
+            </a:xfrm>
+            <a:prstGeom prst="ellipse">
+              <a:avLst/>
+            </a:prstGeom>
+          </p:spPr>
+          <p:style>
+            <a:lnRef idx="2">
+              <a:schemeClr val="accent1">
+                <a:shade val="50000"/>
+              </a:schemeClr>
+            </a:lnRef>
+            <a:fillRef idx="1">
+              <a:schemeClr val="accent1"/>
+            </a:fillRef>
+            <a:effectRef idx="0">
+              <a:schemeClr val="accent1"/>
+            </a:effectRef>
+            <a:fontRef idx="minor">
+              <a:schemeClr val="lt1"/>
+            </a:fontRef>
+          </p:style>
+          <p:txBody>
+            <a:bodyPr rtlCol="0" anchor="ctr"/>
+            <a:lstStyle/>
+            <a:p>
+              <a:pPr algn="ctr"/>
+              <a:endParaRPr lang="en-US">
+                <a:latin typeface="Cambria" charset="0"/>
+                <a:ea typeface="Cambria" charset="0"/>
+                <a:cs typeface="Cambria" charset="0"/>
+              </a:endParaRPr>
+            </a:p>
+          </p:txBody>
+        </p:sp>
+        <p:sp>
+          <p:nvSpPr>
+            <p:cNvPr id="119" name="Oval 118"/>
+            <p:cNvSpPr/>
+            <p:nvPr/>
+          </p:nvSpPr>
+          <p:spPr>
+            <a:xfrm>
+              <a:off x="3653774" y="2131052"/>
+              <a:ext cx="464696" cy="494675"/>
+            </a:xfrm>
+            <a:prstGeom prst="ellipse">
+              <a:avLst/>
+            </a:prstGeom>
+          </p:spPr>
+          <p:style>
+            <a:lnRef idx="2">
+              <a:schemeClr val="accent1">
+                <a:shade val="50000"/>
+              </a:schemeClr>
+            </a:lnRef>
+            <a:fillRef idx="1">
+              <a:schemeClr val="accent1"/>
+            </a:fillRef>
+            <a:effectRef idx="0">
+              <a:schemeClr val="accent1"/>
+            </a:effectRef>
+            <a:fontRef idx="minor">
+              <a:schemeClr val="lt1"/>
+            </a:fontRef>
+          </p:style>
+          <p:txBody>
+            <a:bodyPr rtlCol="0" anchor="ctr"/>
+            <a:lstStyle/>
+            <a:p>
+              <a:pPr algn="ctr"/>
+              <a:endParaRPr lang="en-US">
+                <a:latin typeface="Cambria" charset="0"/>
+                <a:ea typeface="Cambria" charset="0"/>
+                <a:cs typeface="Cambria" charset="0"/>
+              </a:endParaRPr>
+            </a:p>
+          </p:txBody>
+        </p:sp>
+        <p:sp>
+          <p:nvSpPr>
+            <p:cNvPr id="120" name="Oval 119"/>
+            <p:cNvSpPr/>
+            <p:nvPr/>
+          </p:nvSpPr>
+          <p:spPr>
+            <a:xfrm>
+              <a:off x="3653774" y="3520994"/>
+              <a:ext cx="464696" cy="494675"/>
+            </a:xfrm>
+            <a:prstGeom prst="ellipse">
+              <a:avLst/>
+            </a:prstGeom>
+          </p:spPr>
+          <p:style>
+            <a:lnRef idx="2">
+              <a:schemeClr val="accent1">
+                <a:shade val="50000"/>
+              </a:schemeClr>
+            </a:lnRef>
+            <a:fillRef idx="1">
+              <a:schemeClr val="accent1"/>
+            </a:fillRef>
+            <a:effectRef idx="0">
+              <a:schemeClr val="accent1"/>
+            </a:effectRef>
+            <a:fontRef idx="minor">
+              <a:schemeClr val="lt1"/>
+            </a:fontRef>
+          </p:style>
+          <p:txBody>
+            <a:bodyPr rtlCol="0" anchor="ctr"/>
+            <a:lstStyle/>
+            <a:p>
+              <a:pPr algn="ctr"/>
+              <a:endParaRPr lang="en-US">
+                <a:latin typeface="Cambria" charset="0"/>
+                <a:ea typeface="Cambria" charset="0"/>
+                <a:cs typeface="Cambria" charset="0"/>
+              </a:endParaRPr>
+            </a:p>
+          </p:txBody>
+        </p:sp>
+        <p:sp>
+          <p:nvSpPr>
+            <p:cNvPr id="121" name="Oval 120"/>
+            <p:cNvSpPr/>
+            <p:nvPr/>
+          </p:nvSpPr>
+          <p:spPr>
+            <a:xfrm>
+              <a:off x="3653774" y="2826023"/>
+              <a:ext cx="464696" cy="494675"/>
+            </a:xfrm>
+            <a:prstGeom prst="ellipse">
+              <a:avLst/>
+            </a:prstGeom>
+          </p:spPr>
+          <p:style>
+            <a:lnRef idx="2">
+              <a:schemeClr val="accent1">
+                <a:shade val="50000"/>
+              </a:schemeClr>
+            </a:lnRef>
+            <a:fillRef idx="1">
+              <a:schemeClr val="accent1"/>
+            </a:fillRef>
+            <a:effectRef idx="0">
+              <a:schemeClr val="accent1"/>
+            </a:effectRef>
+            <a:fontRef idx="minor">
+              <a:schemeClr val="lt1"/>
+            </a:fontRef>
+          </p:style>
+          <p:txBody>
+            <a:bodyPr rtlCol="0" anchor="ctr"/>
+            <a:lstStyle/>
+            <a:p>
+              <a:pPr algn="ctr"/>
+              <a:endParaRPr lang="en-US">
+                <a:latin typeface="Cambria" charset="0"/>
+                <a:ea typeface="Cambria" charset="0"/>
+                <a:cs typeface="Cambria" charset="0"/>
+              </a:endParaRPr>
+            </a:p>
+          </p:txBody>
+        </p:sp>
+        <p:sp>
+          <p:nvSpPr>
+            <p:cNvPr id="122" name="Oval 121"/>
+            <p:cNvSpPr/>
+            <p:nvPr/>
+          </p:nvSpPr>
+          <p:spPr>
+            <a:xfrm>
+              <a:off x="4360810" y="2131052"/>
+              <a:ext cx="464696" cy="494675"/>
+            </a:xfrm>
+            <a:prstGeom prst="ellipse">
+              <a:avLst/>
+            </a:prstGeom>
+          </p:spPr>
+          <p:style>
+            <a:lnRef idx="2">
+              <a:schemeClr val="accent1">
+                <a:shade val="50000"/>
+              </a:schemeClr>
+            </a:lnRef>
+            <a:fillRef idx="1">
+              <a:schemeClr val="accent1"/>
+            </a:fillRef>
+            <a:effectRef idx="0">
+              <a:schemeClr val="accent1"/>
+            </a:effectRef>
+            <a:fontRef idx="minor">
+              <a:schemeClr val="lt1"/>
+            </a:fontRef>
+          </p:style>
+          <p:txBody>
+            <a:bodyPr rtlCol="0" anchor="ctr"/>
+            <a:lstStyle/>
+            <a:p>
+              <a:pPr algn="ctr"/>
+              <a:endParaRPr lang="en-US">
+                <a:latin typeface="Cambria" charset="0"/>
+                <a:ea typeface="Cambria" charset="0"/>
+                <a:cs typeface="Cambria" charset="0"/>
+              </a:endParaRPr>
+            </a:p>
+          </p:txBody>
+        </p:sp>
+        <p:sp>
+          <p:nvSpPr>
+            <p:cNvPr id="123" name="Oval 122"/>
+            <p:cNvSpPr/>
+            <p:nvPr/>
+          </p:nvSpPr>
+          <p:spPr>
+            <a:xfrm>
+              <a:off x="4360810" y="3520994"/>
+              <a:ext cx="464696" cy="494675"/>
+            </a:xfrm>
+            <a:prstGeom prst="ellipse">
+              <a:avLst/>
+            </a:prstGeom>
+          </p:spPr>
+          <p:style>
+            <a:lnRef idx="2">
+              <a:schemeClr val="accent1">
+                <a:shade val="50000"/>
+              </a:schemeClr>
+            </a:lnRef>
+            <a:fillRef idx="1">
+              <a:schemeClr val="accent1"/>
+            </a:fillRef>
+            <a:effectRef idx="0">
+              <a:schemeClr val="accent1"/>
+            </a:effectRef>
+            <a:fontRef idx="minor">
+              <a:schemeClr val="lt1"/>
+            </a:fontRef>
+          </p:style>
+          <p:txBody>
+            <a:bodyPr rtlCol="0" anchor="ctr"/>
+            <a:lstStyle/>
+            <a:p>
+              <a:pPr algn="ctr"/>
+              <a:endParaRPr lang="en-US">
+                <a:latin typeface="Cambria" charset="0"/>
+                <a:ea typeface="Cambria" charset="0"/>
+                <a:cs typeface="Cambria" charset="0"/>
+              </a:endParaRPr>
+            </a:p>
+          </p:txBody>
+        </p:sp>
+        <p:sp>
+          <p:nvSpPr>
+            <p:cNvPr id="124" name="Oval 123"/>
+            <p:cNvSpPr/>
+            <p:nvPr/>
+          </p:nvSpPr>
+          <p:spPr>
+            <a:xfrm>
+              <a:off x="4360810" y="2826023"/>
+              <a:ext cx="464696" cy="494675"/>
+            </a:xfrm>
+            <a:prstGeom prst="ellipse">
+              <a:avLst/>
+            </a:prstGeom>
+          </p:spPr>
+          <p:style>
+            <a:lnRef idx="2">
+              <a:schemeClr val="accent1">
+                <a:shade val="50000"/>
+              </a:schemeClr>
+            </a:lnRef>
+            <a:fillRef idx="1">
+              <a:schemeClr val="accent1"/>
+            </a:fillRef>
+            <a:effectRef idx="0">
+              <a:schemeClr val="accent1"/>
+            </a:effectRef>
+            <a:fontRef idx="minor">
+              <a:schemeClr val="lt1"/>
+            </a:fontRef>
+          </p:style>
+          <p:txBody>
+            <a:bodyPr rtlCol="0" anchor="ctr"/>
+            <a:lstStyle/>
+            <a:p>
+              <a:pPr algn="ctr"/>
+              <a:endParaRPr lang="en-US">
+                <a:latin typeface="Cambria" charset="0"/>
+                <a:ea typeface="Cambria" charset="0"/>
+                <a:cs typeface="Cambria" charset="0"/>
+              </a:endParaRPr>
+            </a:p>
+          </p:txBody>
+        </p:sp>
+        <p:sp>
+          <p:nvSpPr>
+            <p:cNvPr id="125" name="TextBox 124"/>
+            <p:cNvSpPr txBox="1"/>
+            <p:nvPr/>
+          </p:nvSpPr>
+          <p:spPr>
+            <a:xfrm>
+              <a:off x="991471" y="1476906"/>
+              <a:ext cx="846944" cy="369332"/>
+            </a:xfrm>
+            <a:prstGeom prst="rect">
+              <a:avLst/>
+            </a:prstGeom>
+            <a:noFill/>
+          </p:spPr>
+          <p:txBody>
+            <a:bodyPr wrap="square" rtlCol="0">
+              <a:spAutoFit/>
+            </a:bodyPr>
+            <a:lstStyle/>
+            <a:p>
+              <a:r>
+                <a:rPr lang="en-US" b="1" dirty="0" smtClean="0">
+                  <a:latin typeface="Cambria" charset="0"/>
+                  <a:ea typeface="Cambria" charset="0"/>
+                  <a:cs typeface="Cambria" charset="0"/>
+                </a:rPr>
+                <a:t>Input</a:t>
+              </a:r>
+              <a:endParaRPr lang="en-US" b="1" dirty="0">
+                <a:latin typeface="Cambria" charset="0"/>
+                <a:ea typeface="Cambria" charset="0"/>
+                <a:cs typeface="Cambria" charset="0"/>
+              </a:endParaRPr>
+            </a:p>
+          </p:txBody>
+        </p:sp>
+        <p:sp>
+          <p:nvSpPr>
+            <p:cNvPr id="126" name="TextBox 125"/>
+            <p:cNvSpPr txBox="1"/>
+            <p:nvPr/>
+          </p:nvSpPr>
+          <p:spPr>
+            <a:xfrm>
+              <a:off x="3064180" y="1504315"/>
+              <a:ext cx="1643883" cy="369332"/>
+            </a:xfrm>
+            <a:prstGeom prst="rect">
+              <a:avLst/>
+            </a:prstGeom>
+            <a:noFill/>
+          </p:spPr>
+          <p:txBody>
+            <a:bodyPr wrap="square" rtlCol="0">
+              <a:spAutoFit/>
+            </a:bodyPr>
+            <a:lstStyle/>
+            <a:p>
+              <a:r>
+                <a:rPr lang="en-US" b="1" smtClean="0">
+                  <a:latin typeface="Cambria" charset="0"/>
+                  <a:ea typeface="Cambria" charset="0"/>
+                  <a:cs typeface="Cambria" charset="0"/>
+                </a:rPr>
+                <a:t>Recon </a:t>
+              </a:r>
+              <a:r>
+                <a:rPr lang="en-US" b="1" dirty="0" smtClean="0">
+                  <a:latin typeface="Cambria" charset="0"/>
+                  <a:ea typeface="Cambria" charset="0"/>
+                  <a:cs typeface="Cambria" charset="0"/>
+                </a:rPr>
+                <a:t>input</a:t>
+              </a:r>
+              <a:endParaRPr lang="en-US" b="1" dirty="0">
+                <a:latin typeface="Cambria" charset="0"/>
+                <a:ea typeface="Cambria" charset="0"/>
+                <a:cs typeface="Cambria" charset="0"/>
+              </a:endParaRPr>
+            </a:p>
+          </p:txBody>
+        </p:sp>
+        <p:sp>
+          <p:nvSpPr>
+            <p:cNvPr id="127" name="TextBox 126"/>
+            <p:cNvSpPr txBox="1"/>
+            <p:nvPr/>
+          </p:nvSpPr>
+          <p:spPr>
+            <a:xfrm rot="994728">
+              <a:off x="8733183" y="3074900"/>
+              <a:ext cx="1313566" cy="369332"/>
+            </a:xfrm>
+            <a:prstGeom prst="rect">
+              <a:avLst/>
+            </a:prstGeom>
+            <a:noFill/>
+            <a:ln>
+              <a:noFill/>
+            </a:ln>
+          </p:spPr>
+          <p:style>
+            <a:lnRef idx="2">
+              <a:schemeClr val="accent1"/>
+            </a:lnRef>
+            <a:fillRef idx="1">
+              <a:schemeClr val="lt1"/>
+            </a:fillRef>
+            <a:effectRef idx="0">
+              <a:schemeClr val="accent1"/>
+            </a:effectRef>
+            <a:fontRef idx="minor">
+              <a:schemeClr val="dk1"/>
+            </a:fontRef>
+          </p:style>
+          <p:txBody>
+            <a:bodyPr wrap="square" rtlCol="0">
+              <a:spAutoFit/>
+            </a:bodyPr>
+            <a:lstStyle/>
+            <a:p>
+              <a:pPr algn="ctr"/>
+              <a:r>
+                <a:rPr lang="en-US" dirty="0" smtClean="0">
+                  <a:latin typeface="Cambria" charset="0"/>
+                  <a:ea typeface="Cambria" charset="0"/>
+                  <a:cs typeface="Cambria" charset="0"/>
+                </a:rPr>
+                <a:t>Matched</a:t>
+              </a:r>
+              <a:endParaRPr lang="en-US" dirty="0">
+                <a:latin typeface="Cambria" charset="0"/>
+                <a:ea typeface="Cambria" charset="0"/>
+                <a:cs typeface="Cambria" charset="0"/>
+              </a:endParaRPr>
+            </a:p>
+          </p:txBody>
+        </p:sp>
+        <p:grpSp>
+          <p:nvGrpSpPr>
+            <p:cNvPr id="128" name="Group 127"/>
+            <p:cNvGrpSpPr/>
+            <p:nvPr/>
+          </p:nvGrpSpPr>
+          <p:grpSpPr>
+            <a:xfrm>
+              <a:off x="10356853" y="3029714"/>
+              <a:ext cx="567128" cy="573377"/>
+              <a:chOff x="10180821" y="764498"/>
+              <a:chExt cx="567128" cy="573377"/>
+            </a:xfrm>
+          </p:grpSpPr>
+          <p:sp>
+            <p:nvSpPr>
+              <p:cNvPr id="146" name="Oval 145"/>
+              <p:cNvSpPr/>
+              <p:nvPr/>
+            </p:nvSpPr>
+            <p:spPr>
+              <a:xfrm>
+                <a:off x="10180821" y="764498"/>
+                <a:ext cx="567128" cy="573377"/>
+              </a:xfrm>
+              <a:prstGeom prst="ellipse">
+                <a:avLst/>
+              </a:prstGeom>
+              <a:noFill/>
+              <a:ln w="28575">
+                <a:solidFill>
+                  <a:schemeClr val="accent1"/>
+                </a:solidFill>
+              </a:ln>
+            </p:spPr>
+            <p:style>
+              <a:lnRef idx="2">
+                <a:schemeClr val="accent1">
+                  <a:shade val="50000"/>
+                </a:schemeClr>
+              </a:lnRef>
+              <a:fillRef idx="1">
+                <a:schemeClr val="accent1"/>
+              </a:fillRef>
+              <a:effectRef idx="0">
+                <a:schemeClr val="accent1"/>
+              </a:effectRef>
+              <a:fontRef idx="minor">
+                <a:schemeClr val="lt1"/>
+              </a:fontRef>
+            </p:style>
+            <p:txBody>
+              <a:bodyPr rtlCol="0" anchor="ctr"/>
+              <a:lstStyle/>
+              <a:p>
+                <a:pPr algn="ctr"/>
+                <a:endParaRPr lang="en-US">
+                  <a:latin typeface="Cambria" charset="0"/>
+                  <a:ea typeface="Cambria" charset="0"/>
+                  <a:cs typeface="Cambria" charset="0"/>
+                </a:endParaRPr>
+              </a:p>
+            </p:txBody>
+          </p:sp>
+          <p:sp>
+            <p:nvSpPr>
+              <p:cNvPr id="147" name="TextBox 146"/>
+              <p:cNvSpPr txBox="1"/>
+              <p:nvPr/>
+            </p:nvSpPr>
+            <p:spPr>
+              <a:xfrm>
+                <a:off x="10305114" y="881510"/>
+                <a:ext cx="408482" cy="369332"/>
+              </a:xfrm>
+              <a:prstGeom prst="rect">
+                <a:avLst/>
+              </a:prstGeom>
+              <a:noFill/>
+            </p:spPr>
+            <p:txBody>
+              <a:bodyPr wrap="square" rtlCol="0">
+                <a:spAutoFit/>
+              </a:bodyPr>
+              <a:lstStyle/>
+              <a:p>
+                <a:r>
+                  <a:rPr lang="en-US" dirty="0" smtClean="0">
+                    <a:latin typeface="Cambria" charset="0"/>
+                    <a:ea typeface="Cambria" charset="0"/>
+                    <a:cs typeface="Cambria" charset="0"/>
+                  </a:rPr>
+                  <a:t>N</a:t>
+                </a:r>
+                <a:endParaRPr lang="en-US" dirty="0">
+                  <a:latin typeface="Cambria" charset="0"/>
+                  <a:ea typeface="Cambria" charset="0"/>
+                  <a:cs typeface="Cambria" charset="0"/>
+                </a:endParaRPr>
+              </a:p>
+            </p:txBody>
+          </p:sp>
+        </p:grpSp>
+        <p:grpSp>
+          <p:nvGrpSpPr>
+            <p:cNvPr id="129" name="Group 128"/>
+            <p:cNvGrpSpPr/>
+            <p:nvPr/>
+          </p:nvGrpSpPr>
+          <p:grpSpPr>
+            <a:xfrm>
+              <a:off x="10356853" y="1958546"/>
+              <a:ext cx="567128" cy="573377"/>
+              <a:chOff x="10180821" y="764498"/>
+              <a:chExt cx="567128" cy="573377"/>
+            </a:xfrm>
+          </p:grpSpPr>
+          <p:sp>
+            <p:nvSpPr>
+              <p:cNvPr id="144" name="Oval 143"/>
+              <p:cNvSpPr/>
+              <p:nvPr/>
+            </p:nvSpPr>
+            <p:spPr>
+              <a:xfrm>
+                <a:off x="10180821" y="764498"/>
+                <a:ext cx="567128" cy="573377"/>
+              </a:xfrm>
+              <a:prstGeom prst="ellipse">
+                <a:avLst/>
+              </a:prstGeom>
+              <a:noFill/>
+              <a:ln w="28575">
+                <a:solidFill>
+                  <a:schemeClr val="accent1"/>
+                </a:solidFill>
+              </a:ln>
+            </p:spPr>
+            <p:style>
+              <a:lnRef idx="2">
+                <a:schemeClr val="accent1">
+                  <a:shade val="50000"/>
+                </a:schemeClr>
+              </a:lnRef>
+              <a:fillRef idx="1">
+                <a:schemeClr val="accent1"/>
+              </a:fillRef>
+              <a:effectRef idx="0">
+                <a:schemeClr val="accent1"/>
+              </a:effectRef>
+              <a:fontRef idx="minor">
+                <a:schemeClr val="lt1"/>
+              </a:fontRef>
+            </p:style>
+            <p:txBody>
+              <a:bodyPr rtlCol="0" anchor="ctr"/>
+              <a:lstStyle/>
+              <a:p>
+                <a:pPr algn="ctr"/>
+                <a:endParaRPr lang="en-US">
+                  <a:latin typeface="Cambria" charset="0"/>
+                  <a:ea typeface="Cambria" charset="0"/>
+                  <a:cs typeface="Cambria" charset="0"/>
+                </a:endParaRPr>
+              </a:p>
+            </p:txBody>
+          </p:sp>
+          <p:sp>
+            <p:nvSpPr>
+              <p:cNvPr id="145" name="TextBox 144"/>
+              <p:cNvSpPr txBox="1"/>
+              <p:nvPr/>
+            </p:nvSpPr>
+            <p:spPr>
+              <a:xfrm>
+                <a:off x="10305114" y="881510"/>
+                <a:ext cx="408482" cy="369332"/>
+              </a:xfrm>
+              <a:prstGeom prst="rect">
+                <a:avLst/>
+              </a:prstGeom>
+              <a:noFill/>
+            </p:spPr>
+            <p:txBody>
+              <a:bodyPr wrap="square" rtlCol="0">
+                <a:spAutoFit/>
+              </a:bodyPr>
+              <a:lstStyle/>
+              <a:p>
+                <a:r>
+                  <a:rPr lang="en-US" dirty="0">
+                    <a:latin typeface="Cambria" charset="0"/>
+                    <a:ea typeface="Cambria" charset="0"/>
+                    <a:cs typeface="Cambria" charset="0"/>
+                  </a:rPr>
+                  <a:t>A</a:t>
+                </a:r>
+              </a:p>
+            </p:txBody>
+          </p:sp>
+        </p:grpSp>
+        <p:cxnSp>
+          <p:nvCxnSpPr>
+            <p:cNvPr id="130" name="Straight Arrow Connector 129"/>
+            <p:cNvCxnSpPr>
+              <a:stCxn id="141" idx="3"/>
+            </p:cNvCxnSpPr>
+            <p:nvPr/>
+          </p:nvCxnSpPr>
+          <p:spPr>
+            <a:xfrm flipV="1">
+              <a:off x="8915760" y="2245235"/>
+              <a:ext cx="1441093" cy="580237"/>
+            </a:xfrm>
+            <a:prstGeom prst="straightConnector1">
+              <a:avLst/>
+            </a:prstGeom>
+            <a:ln>
+              <a:tailEnd type="triangle"/>
+            </a:ln>
+          </p:spPr>
+          <p:style>
+            <a:lnRef idx="1">
+              <a:schemeClr val="accent1"/>
+            </a:lnRef>
+            <a:fillRef idx="0">
+              <a:schemeClr val="accent1"/>
+            </a:fillRef>
+            <a:effectRef idx="0">
+              <a:schemeClr val="accent1"/>
+            </a:effectRef>
+            <a:fontRef idx="minor">
+              <a:schemeClr val="tx1"/>
+            </a:fontRef>
+          </p:style>
+        </p:cxnSp>
+        <p:cxnSp>
+          <p:nvCxnSpPr>
+            <p:cNvPr id="131" name="Straight Arrow Connector 130"/>
+            <p:cNvCxnSpPr>
+              <a:stCxn id="141" idx="3"/>
+            </p:cNvCxnSpPr>
+            <p:nvPr/>
+          </p:nvCxnSpPr>
+          <p:spPr>
+            <a:xfrm>
+              <a:off x="8915760" y="2825472"/>
+              <a:ext cx="1441093" cy="490931"/>
+            </a:xfrm>
+            <a:prstGeom prst="straightConnector1">
+              <a:avLst/>
+            </a:prstGeom>
+            <a:ln>
+              <a:tailEnd type="triangle"/>
+            </a:ln>
+          </p:spPr>
+          <p:style>
+            <a:lnRef idx="1">
+              <a:schemeClr val="accent1"/>
+            </a:lnRef>
+            <a:fillRef idx="0">
+              <a:schemeClr val="accent1"/>
+            </a:fillRef>
+            <a:effectRef idx="0">
+              <a:schemeClr val="accent1"/>
+            </a:effectRef>
+            <a:fontRef idx="minor">
+              <a:schemeClr val="tx1"/>
+            </a:fontRef>
+          </p:style>
+        </p:cxnSp>
+        <p:sp>
+          <p:nvSpPr>
+            <p:cNvPr id="132" name="Rounded Rectangle 131"/>
+            <p:cNvSpPr/>
+            <p:nvPr/>
+          </p:nvSpPr>
+          <p:spPr>
+            <a:xfrm>
+              <a:off x="199506" y="1246909"/>
+              <a:ext cx="5041835" cy="3158836"/>
+            </a:xfrm>
+            <a:prstGeom prst="roundRect">
+              <a:avLst/>
+            </a:prstGeom>
+            <a:noFill/>
+          </p:spPr>
+          <p:style>
+            <a:lnRef idx="2">
+              <a:schemeClr val="accent1"/>
+            </a:lnRef>
+            <a:fillRef idx="1">
+              <a:schemeClr val="lt1"/>
+            </a:fillRef>
+            <a:effectRef idx="0">
+              <a:schemeClr val="accent1"/>
+            </a:effectRef>
+            <a:fontRef idx="minor">
+              <a:schemeClr val="dk1"/>
+            </a:fontRef>
+          </p:style>
+          <p:txBody>
+            <a:bodyPr rtlCol="0" anchor="ctr"/>
+            <a:lstStyle/>
+            <a:p>
+              <a:pPr algn="ctr"/>
+              <a:endParaRPr lang="en-US"/>
+            </a:p>
+          </p:txBody>
+        </p:sp>
+        <p:cxnSp>
+          <p:nvCxnSpPr>
+            <p:cNvPr id="133" name="Straight Arrow Connector 132"/>
+            <p:cNvCxnSpPr>
+              <a:endCxn id="141" idx="1"/>
+            </p:cNvCxnSpPr>
+            <p:nvPr/>
+          </p:nvCxnSpPr>
+          <p:spPr>
+            <a:xfrm flipV="1">
+              <a:off x="5241341" y="2825472"/>
+              <a:ext cx="725410" cy="855"/>
+            </a:xfrm>
+            <a:prstGeom prst="straightConnector1">
+              <a:avLst/>
+            </a:prstGeom>
+            <a:ln>
+              <a:tailEnd type="triangle"/>
+            </a:ln>
+          </p:spPr>
+          <p:style>
+            <a:lnRef idx="1">
+              <a:schemeClr val="accent1"/>
+            </a:lnRef>
+            <a:fillRef idx="0">
+              <a:schemeClr val="accent1"/>
+            </a:fillRef>
+            <a:effectRef idx="0">
+              <a:schemeClr val="accent1"/>
+            </a:effectRef>
+            <a:fontRef idx="minor">
+              <a:schemeClr val="tx1"/>
+            </a:fontRef>
+          </p:style>
+        </p:cxnSp>
+        <p:sp>
+          <p:nvSpPr>
+            <p:cNvPr id="134" name="Rounded Rectangle 133"/>
+            <p:cNvSpPr/>
+            <p:nvPr/>
+          </p:nvSpPr>
+          <p:spPr>
+            <a:xfrm>
+              <a:off x="5966751" y="1245199"/>
+              <a:ext cx="2949009" cy="3160546"/>
+            </a:xfrm>
+            <a:prstGeom prst="roundRect">
+              <a:avLst/>
+            </a:prstGeom>
+            <a:noFill/>
+          </p:spPr>
+          <p:style>
+            <a:lnRef idx="2">
+              <a:schemeClr val="accent1"/>
+            </a:lnRef>
+            <a:fillRef idx="1">
+              <a:schemeClr val="lt1"/>
+            </a:fillRef>
+            <a:effectRef idx="0">
+              <a:schemeClr val="accent1"/>
+            </a:effectRef>
+            <a:fontRef idx="minor">
+              <a:schemeClr val="dk1"/>
+            </a:fontRef>
+          </p:style>
+          <p:txBody>
+            <a:bodyPr rtlCol="0" anchor="ctr"/>
+            <a:lstStyle/>
+            <a:p>
+              <a:pPr algn="ctr"/>
+              <a:endParaRPr lang="en-US"/>
+            </a:p>
+          </p:txBody>
+        </p:sp>
+        <p:sp>
+          <p:nvSpPr>
+            <p:cNvPr id="135" name="TextBox 134"/>
+            <p:cNvSpPr txBox="1"/>
+            <p:nvPr/>
+          </p:nvSpPr>
+          <p:spPr>
+            <a:xfrm rot="20312375">
+              <a:off x="8843886" y="2166784"/>
+              <a:ext cx="1313566" cy="369332"/>
+            </a:xfrm>
+            <a:prstGeom prst="rect">
+              <a:avLst/>
+            </a:prstGeom>
+            <a:noFill/>
+            <a:ln>
+              <a:noFill/>
+            </a:ln>
+          </p:spPr>
+          <p:style>
+            <a:lnRef idx="2">
+              <a:schemeClr val="accent1"/>
+            </a:lnRef>
+            <a:fillRef idx="1">
+              <a:schemeClr val="lt1"/>
+            </a:fillRef>
+            <a:effectRef idx="0">
+              <a:schemeClr val="accent1"/>
+            </a:effectRef>
+            <a:fontRef idx="minor">
+              <a:schemeClr val="dk1"/>
+            </a:fontRef>
+          </p:style>
+          <p:txBody>
+            <a:bodyPr wrap="square" rtlCol="0">
+              <a:spAutoFit/>
+            </a:bodyPr>
+            <a:lstStyle/>
+            <a:p>
+              <a:pPr algn="ctr"/>
+              <a:r>
+                <a:rPr lang="en-US" dirty="0" smtClean="0">
+                  <a:latin typeface="Cambria" charset="0"/>
+                  <a:ea typeface="Cambria" charset="0"/>
+                  <a:cs typeface="Cambria" charset="0"/>
+                </a:rPr>
+                <a:t>Unmatched</a:t>
+              </a:r>
+              <a:endParaRPr lang="en-US" dirty="0">
+                <a:latin typeface="Cambria" charset="0"/>
+                <a:ea typeface="Cambria" charset="0"/>
+                <a:cs typeface="Cambria" charset="0"/>
+              </a:endParaRPr>
+            </a:p>
+          </p:txBody>
+        </p:sp>
+        <p:sp>
+          <p:nvSpPr>
+            <p:cNvPr id="136" name="TextBox 135"/>
+            <p:cNvSpPr txBox="1"/>
+            <p:nvPr/>
+          </p:nvSpPr>
+          <p:spPr>
+            <a:xfrm>
+              <a:off x="6033306" y="1504315"/>
+              <a:ext cx="1375904" cy="369332"/>
+            </a:xfrm>
+            <a:prstGeom prst="rect">
+              <a:avLst/>
+            </a:prstGeom>
+            <a:noFill/>
+          </p:spPr>
+          <p:txBody>
+            <a:bodyPr wrap="square" rtlCol="0">
+              <a:spAutoFit/>
+            </a:bodyPr>
+            <a:lstStyle/>
+            <a:p>
+              <a:r>
+                <a:rPr lang="en-US" b="1" dirty="0" smtClean="0">
+                  <a:latin typeface="Cambria" charset="0"/>
+                  <a:ea typeface="Cambria" charset="0"/>
+                  <a:cs typeface="Cambria" charset="0"/>
+                </a:rPr>
+                <a:t>Input label</a:t>
+              </a:r>
+              <a:endParaRPr lang="en-US" b="1" dirty="0">
+                <a:latin typeface="Cambria" charset="0"/>
+                <a:ea typeface="Cambria" charset="0"/>
+                <a:cs typeface="Cambria" charset="0"/>
+              </a:endParaRPr>
+            </a:p>
+          </p:txBody>
+        </p:sp>
+        <p:sp>
+          <p:nvSpPr>
+            <p:cNvPr id="137" name="TextBox 136"/>
+            <p:cNvSpPr txBox="1"/>
+            <p:nvPr/>
+          </p:nvSpPr>
+          <p:spPr>
+            <a:xfrm>
+              <a:off x="7493205" y="1504315"/>
+              <a:ext cx="1422555" cy="369332"/>
+            </a:xfrm>
+            <a:prstGeom prst="rect">
+              <a:avLst/>
+            </a:prstGeom>
+            <a:noFill/>
+          </p:spPr>
+          <p:txBody>
+            <a:bodyPr wrap="square" rtlCol="0">
+              <a:spAutoFit/>
+            </a:bodyPr>
+            <a:lstStyle/>
+            <a:p>
+              <a:r>
+                <a:rPr lang="en-US" b="1" smtClean="0">
+                  <a:latin typeface="Cambria" charset="0"/>
+                  <a:ea typeface="Cambria" charset="0"/>
+                  <a:cs typeface="Cambria" charset="0"/>
+                </a:rPr>
+                <a:t>Recon </a:t>
+              </a:r>
+              <a:r>
+                <a:rPr lang="en-US" b="1" dirty="0" smtClean="0">
+                  <a:latin typeface="Cambria" charset="0"/>
+                  <a:ea typeface="Cambria" charset="0"/>
+                  <a:cs typeface="Cambria" charset="0"/>
+                </a:rPr>
+                <a:t>label</a:t>
+              </a:r>
+              <a:endParaRPr lang="en-US" b="1" dirty="0">
+                <a:latin typeface="Cambria" charset="0"/>
+                <a:ea typeface="Cambria" charset="0"/>
+                <a:cs typeface="Cambria" charset="0"/>
+              </a:endParaRPr>
+            </a:p>
+          </p:txBody>
+        </p:sp>
+        <p:sp>
+          <p:nvSpPr>
+            <p:cNvPr id="138" name="Oval 137"/>
+            <p:cNvSpPr/>
+            <p:nvPr/>
+          </p:nvSpPr>
+          <p:spPr>
+            <a:xfrm>
+              <a:off x="6446816" y="2131052"/>
+              <a:ext cx="464696" cy="494675"/>
+            </a:xfrm>
+            <a:prstGeom prst="ellipse">
+              <a:avLst/>
+            </a:prstGeom>
+          </p:spPr>
+          <p:style>
+            <a:lnRef idx="2">
+              <a:schemeClr val="accent1">
+                <a:shade val="50000"/>
+              </a:schemeClr>
+            </a:lnRef>
+            <a:fillRef idx="1">
+              <a:schemeClr val="accent1"/>
+            </a:fillRef>
+            <a:effectRef idx="0">
+              <a:schemeClr val="accent1"/>
+            </a:effectRef>
+            <a:fontRef idx="minor">
+              <a:schemeClr val="lt1"/>
+            </a:fontRef>
+          </p:style>
+          <p:txBody>
+            <a:bodyPr rtlCol="0" anchor="ctr"/>
+            <a:lstStyle/>
+            <a:p>
+              <a:pPr algn="ctr"/>
+              <a:endParaRPr lang="en-US">
+                <a:latin typeface="Cambria" charset="0"/>
+                <a:ea typeface="Cambria" charset="0"/>
+                <a:cs typeface="Cambria" charset="0"/>
+              </a:endParaRPr>
+            </a:p>
+          </p:txBody>
+        </p:sp>
+        <p:sp>
+          <p:nvSpPr>
+            <p:cNvPr id="139" name="Oval 138"/>
+            <p:cNvSpPr/>
+            <p:nvPr/>
+          </p:nvSpPr>
+          <p:spPr>
+            <a:xfrm>
+              <a:off x="6446816" y="3520994"/>
+              <a:ext cx="464696" cy="494675"/>
+            </a:xfrm>
+            <a:prstGeom prst="ellipse">
+              <a:avLst/>
+            </a:prstGeom>
+          </p:spPr>
+          <p:style>
+            <a:lnRef idx="2">
+              <a:schemeClr val="accent1">
+                <a:shade val="50000"/>
+              </a:schemeClr>
+            </a:lnRef>
+            <a:fillRef idx="1">
+              <a:schemeClr val="accent1"/>
+            </a:fillRef>
+            <a:effectRef idx="0">
+              <a:schemeClr val="accent1"/>
+            </a:effectRef>
+            <a:fontRef idx="minor">
+              <a:schemeClr val="lt1"/>
+            </a:fontRef>
+          </p:style>
+          <p:txBody>
+            <a:bodyPr rtlCol="0" anchor="ctr"/>
+            <a:lstStyle/>
+            <a:p>
+              <a:pPr algn="ctr"/>
+              <a:endParaRPr lang="en-US">
+                <a:latin typeface="Cambria" charset="0"/>
+                <a:ea typeface="Cambria" charset="0"/>
+                <a:cs typeface="Cambria" charset="0"/>
+              </a:endParaRPr>
+            </a:p>
+          </p:txBody>
+        </p:sp>
+        <p:sp>
+          <p:nvSpPr>
+            <p:cNvPr id="140" name="Oval 139"/>
+            <p:cNvSpPr/>
+            <p:nvPr/>
+          </p:nvSpPr>
+          <p:spPr>
+            <a:xfrm>
+              <a:off x="6446816" y="2826023"/>
+              <a:ext cx="464696" cy="494675"/>
+            </a:xfrm>
+            <a:prstGeom prst="ellipse">
+              <a:avLst/>
+            </a:prstGeom>
+          </p:spPr>
+          <p:style>
+            <a:lnRef idx="2">
+              <a:schemeClr val="accent1">
+                <a:shade val="50000"/>
+              </a:schemeClr>
+            </a:lnRef>
+            <a:fillRef idx="1">
+              <a:schemeClr val="accent1"/>
+            </a:fillRef>
+            <a:effectRef idx="0">
+              <a:schemeClr val="accent1"/>
+            </a:effectRef>
+            <a:fontRef idx="minor">
+              <a:schemeClr val="lt1"/>
+            </a:fontRef>
+          </p:style>
+          <p:txBody>
+            <a:bodyPr rtlCol="0" anchor="ctr"/>
+            <a:lstStyle/>
+            <a:p>
+              <a:pPr algn="ctr"/>
+              <a:endParaRPr lang="en-US">
+                <a:latin typeface="Cambria" charset="0"/>
+                <a:ea typeface="Cambria" charset="0"/>
+                <a:cs typeface="Cambria" charset="0"/>
+              </a:endParaRPr>
+            </a:p>
+          </p:txBody>
+        </p:sp>
+        <p:sp>
+          <p:nvSpPr>
+            <p:cNvPr id="141" name="Oval 140"/>
+            <p:cNvSpPr/>
+            <p:nvPr/>
+          </p:nvSpPr>
+          <p:spPr>
+            <a:xfrm>
+              <a:off x="7859923" y="2131052"/>
+              <a:ext cx="464696" cy="494675"/>
+            </a:xfrm>
+            <a:prstGeom prst="ellipse">
+              <a:avLst/>
+            </a:prstGeom>
+          </p:spPr>
+          <p:style>
+            <a:lnRef idx="2">
+              <a:schemeClr val="accent1">
+                <a:shade val="50000"/>
+              </a:schemeClr>
+            </a:lnRef>
+            <a:fillRef idx="1">
+              <a:schemeClr val="accent1"/>
+            </a:fillRef>
+            <a:effectRef idx="0">
+              <a:schemeClr val="accent1"/>
+            </a:effectRef>
+            <a:fontRef idx="minor">
+              <a:schemeClr val="lt1"/>
+            </a:fontRef>
+          </p:style>
+          <p:txBody>
+            <a:bodyPr rtlCol="0" anchor="ctr"/>
+            <a:lstStyle/>
+            <a:p>
+              <a:pPr algn="ctr"/>
+              <a:endParaRPr lang="en-US">
+                <a:latin typeface="Cambria" charset="0"/>
+                <a:ea typeface="Cambria" charset="0"/>
+                <a:cs typeface="Cambria" charset="0"/>
+              </a:endParaRPr>
+            </a:p>
+          </p:txBody>
+        </p:sp>
+        <p:sp>
+          <p:nvSpPr>
+            <p:cNvPr id="142" name="Oval 141"/>
+            <p:cNvSpPr/>
+            <p:nvPr/>
+          </p:nvSpPr>
+          <p:spPr>
+            <a:xfrm>
+              <a:off x="7859923" y="3520994"/>
+              <a:ext cx="464696" cy="494675"/>
+            </a:xfrm>
+            <a:prstGeom prst="ellipse">
+              <a:avLst/>
+            </a:prstGeom>
+          </p:spPr>
+          <p:style>
+            <a:lnRef idx="2">
+              <a:schemeClr val="accent1">
+                <a:shade val="50000"/>
+              </a:schemeClr>
+            </a:lnRef>
+            <a:fillRef idx="1">
+              <a:schemeClr val="accent1"/>
+            </a:fillRef>
+            <a:effectRef idx="0">
+              <a:schemeClr val="accent1"/>
+            </a:effectRef>
+            <a:fontRef idx="minor">
+              <a:schemeClr val="lt1"/>
+            </a:fontRef>
+          </p:style>
+          <p:txBody>
+            <a:bodyPr rtlCol="0" anchor="ctr"/>
+            <a:lstStyle/>
+            <a:p>
+              <a:pPr algn="ctr"/>
+              <a:endParaRPr lang="en-US">
+                <a:latin typeface="Cambria" charset="0"/>
+                <a:ea typeface="Cambria" charset="0"/>
+                <a:cs typeface="Cambria" charset="0"/>
+              </a:endParaRPr>
+            </a:p>
+          </p:txBody>
+        </p:sp>
+        <p:sp>
+          <p:nvSpPr>
+            <p:cNvPr id="143" name="Oval 142"/>
+            <p:cNvSpPr/>
+            <p:nvPr/>
+          </p:nvSpPr>
+          <p:spPr>
+            <a:xfrm>
+              <a:off x="7859923" y="2826023"/>
+              <a:ext cx="464696" cy="494675"/>
+            </a:xfrm>
+            <a:prstGeom prst="ellipse">
+              <a:avLst/>
+            </a:prstGeom>
+          </p:spPr>
+          <p:style>
+            <a:lnRef idx="2">
+              <a:schemeClr val="accent1">
+                <a:shade val="50000"/>
+              </a:schemeClr>
+            </a:lnRef>
+            <a:fillRef idx="1">
+              <a:schemeClr val="accent1"/>
+            </a:fillRef>
+            <a:effectRef idx="0">
+              <a:schemeClr val="accent1"/>
+            </a:effectRef>
+            <a:fontRef idx="minor">
+              <a:schemeClr val="lt1"/>
+            </a:fontRef>
+          </p:style>
+          <p:txBody>
+            <a:bodyPr rtlCol="0" anchor="ctr"/>
+            <a:lstStyle/>
+            <a:p>
+              <a:pPr algn="ctr"/>
+              <a:endParaRPr lang="en-US">
+                <a:latin typeface="Cambria" charset="0"/>
+                <a:ea typeface="Cambria" charset="0"/>
+                <a:cs typeface="Cambria" charset="0"/>
+              </a:endParaRPr>
+            </a:p>
+          </p:txBody>
+        </p:sp>
+      </p:grpSp>
+    </p:spTree>
+    <p:extLst>
+      <p:ext uri="{BB962C8B-B14F-4D97-AF65-F5344CB8AC3E}">
+        <p14:creationId xmlns:p14="http://schemas.microsoft.com/office/powerpoint/2010/main" val="1974940232"/>
+      </p:ext>
+    </p:extLst>
+  </p:cSld>
+  <p:clrMapOvr>
+    <a:masterClrMapping/>
+  </p:clrMapOvr>
+</p:sld>
+</file>
+
+<file path=ppt/slides/slide5.xml><?xml version="1.0" encoding="utf-8"?>
+<p:sld xmlns:a="http://schemas.openxmlformats.org/drawingml/2006/main" xmlns:r="http://schemas.openxmlformats.org/officeDocument/2006/relationships" xmlns:p="http://schemas.openxmlformats.org/presentationml/2006/main">
+  <p:cSld>
+    <p:spTree>
+      <p:nvGrpSpPr>
+        <p:cNvPr id="1" name=""/>
+        <p:cNvGrpSpPr/>
+        <p:nvPr/>
+      </p:nvGrpSpPr>
+      <p:grpSpPr>
+        <a:xfrm>
+          <a:off x="0" y="0"/>
+          <a:ext cx="0" cy="0"/>
+          <a:chOff x="0" y="0"/>
+          <a:chExt cx="0" cy="0"/>
+        </a:xfrm>
+      </p:grpSpPr>
+      <p:grpSp>
+        <p:nvGrpSpPr>
+          <p:cNvPr id="2" name="Group 1"/>
+          <p:cNvGrpSpPr/>
+          <p:nvPr/>
+        </p:nvGrpSpPr>
+        <p:grpSpPr>
+          <a:xfrm>
+            <a:off x="199507" y="1245199"/>
+            <a:ext cx="10656916" cy="2445652"/>
+            <a:chOff x="199506" y="1245199"/>
+            <a:chExt cx="10724475" cy="3160546"/>
+          </a:xfrm>
+        </p:grpSpPr>
+        <p:sp>
+          <p:nvSpPr>
+            <p:cNvPr id="30" name="Oval 29"/>
+            <p:cNvSpPr/>
+            <p:nvPr/>
+          </p:nvSpPr>
+          <p:spPr>
+            <a:xfrm>
+              <a:off x="424343" y="2131052"/>
+              <a:ext cx="464696" cy="494675"/>
+            </a:xfrm>
+            <a:prstGeom prst="ellipse">
+              <a:avLst/>
+            </a:prstGeom>
+          </p:spPr>
+          <p:style>
+            <a:lnRef idx="2">
+              <a:schemeClr val="accent1">
+                <a:shade val="50000"/>
+              </a:schemeClr>
+            </a:lnRef>
+            <a:fillRef idx="1">
+              <a:schemeClr val="accent1"/>
+            </a:fillRef>
+            <a:effectRef idx="0">
+              <a:schemeClr val="accent1"/>
+            </a:effectRef>
+            <a:fontRef idx="minor">
+              <a:schemeClr val="lt1"/>
+            </a:fontRef>
+          </p:style>
+          <p:txBody>
+            <a:bodyPr rtlCol="0" anchor="ctr"/>
+            <a:lstStyle/>
+            <a:p>
+              <a:pPr algn="ctr"/>
+              <a:endParaRPr lang="en-US">
+                <a:latin typeface="Cambria" charset="0"/>
+                <a:ea typeface="Cambria" charset="0"/>
+                <a:cs typeface="Cambria" charset="0"/>
+              </a:endParaRPr>
+            </a:p>
+          </p:txBody>
+        </p:sp>
+        <p:sp>
+          <p:nvSpPr>
+            <p:cNvPr id="31" name="Oval 30"/>
+            <p:cNvSpPr/>
+            <p:nvPr/>
+          </p:nvSpPr>
+          <p:spPr>
+            <a:xfrm>
+              <a:off x="424343" y="3520994"/>
+              <a:ext cx="464696" cy="494675"/>
+            </a:xfrm>
+            <a:prstGeom prst="ellipse">
+              <a:avLst/>
+            </a:prstGeom>
+          </p:spPr>
+          <p:style>
+            <a:lnRef idx="2">
+              <a:schemeClr val="accent1">
+                <a:shade val="50000"/>
+              </a:schemeClr>
+            </a:lnRef>
+            <a:fillRef idx="1">
+              <a:schemeClr val="accent1"/>
+            </a:fillRef>
+            <a:effectRef idx="0">
+              <a:schemeClr val="accent1"/>
+            </a:effectRef>
+            <a:fontRef idx="minor">
+              <a:schemeClr val="lt1"/>
+            </a:fontRef>
+          </p:style>
+          <p:txBody>
+            <a:bodyPr rtlCol="0" anchor="ctr"/>
+            <a:lstStyle/>
+            <a:p>
+              <a:pPr algn="ctr"/>
+              <a:endParaRPr lang="en-US">
+                <a:latin typeface="Cambria" charset="0"/>
+                <a:ea typeface="Cambria" charset="0"/>
+                <a:cs typeface="Cambria" charset="0"/>
+              </a:endParaRPr>
+            </a:p>
+          </p:txBody>
+        </p:sp>
+        <p:sp>
+          <p:nvSpPr>
+            <p:cNvPr id="32" name="Oval 31"/>
+            <p:cNvSpPr/>
+            <p:nvPr/>
+          </p:nvSpPr>
+          <p:spPr>
+            <a:xfrm>
+              <a:off x="424343" y="2826023"/>
+              <a:ext cx="464696" cy="494675"/>
+            </a:xfrm>
+            <a:prstGeom prst="ellipse">
+              <a:avLst/>
+            </a:prstGeom>
+          </p:spPr>
+          <p:style>
+            <a:lnRef idx="2">
+              <a:schemeClr val="accent1">
+                <a:shade val="50000"/>
+              </a:schemeClr>
+            </a:lnRef>
+            <a:fillRef idx="1">
+              <a:schemeClr val="accent1"/>
+            </a:fillRef>
+            <a:effectRef idx="0">
+              <a:schemeClr val="accent1"/>
+            </a:effectRef>
+            <a:fontRef idx="minor">
+              <a:schemeClr val="lt1"/>
+            </a:fontRef>
+          </p:style>
+          <p:txBody>
+            <a:bodyPr rtlCol="0" anchor="ctr"/>
+            <a:lstStyle/>
+            <a:p>
+              <a:pPr algn="ctr"/>
+              <a:endParaRPr lang="en-US">
+                <a:latin typeface="Cambria" charset="0"/>
+                <a:ea typeface="Cambria" charset="0"/>
+                <a:cs typeface="Cambria" charset="0"/>
+              </a:endParaRPr>
+            </a:p>
+          </p:txBody>
+        </p:sp>
+        <p:sp>
+          <p:nvSpPr>
+            <p:cNvPr id="33" name="Oval 32"/>
+            <p:cNvSpPr/>
+            <p:nvPr/>
+          </p:nvSpPr>
+          <p:spPr>
+            <a:xfrm>
+              <a:off x="1131379" y="2131052"/>
+              <a:ext cx="464696" cy="494675"/>
+            </a:xfrm>
+            <a:prstGeom prst="ellipse">
+              <a:avLst/>
+            </a:prstGeom>
+          </p:spPr>
+          <p:style>
+            <a:lnRef idx="2">
+              <a:schemeClr val="accent1">
+                <a:shade val="50000"/>
+              </a:schemeClr>
+            </a:lnRef>
+            <a:fillRef idx="1">
+              <a:schemeClr val="accent1"/>
+            </a:fillRef>
+            <a:effectRef idx="0">
+              <a:schemeClr val="accent1"/>
+            </a:effectRef>
+            <a:fontRef idx="minor">
+              <a:schemeClr val="lt1"/>
+            </a:fontRef>
+          </p:style>
+          <p:txBody>
+            <a:bodyPr rtlCol="0" anchor="ctr"/>
+            <a:lstStyle/>
+            <a:p>
+              <a:pPr algn="ctr"/>
+              <a:endParaRPr lang="en-US">
+                <a:latin typeface="Cambria" charset="0"/>
+                <a:ea typeface="Cambria" charset="0"/>
+                <a:cs typeface="Cambria" charset="0"/>
+              </a:endParaRPr>
+            </a:p>
+          </p:txBody>
+        </p:sp>
+        <p:sp>
+          <p:nvSpPr>
+            <p:cNvPr id="34" name="Oval 33"/>
+            <p:cNvSpPr/>
+            <p:nvPr/>
+          </p:nvSpPr>
+          <p:spPr>
+            <a:xfrm>
+              <a:off x="1131379" y="3520994"/>
+              <a:ext cx="464696" cy="494675"/>
+            </a:xfrm>
+            <a:prstGeom prst="ellipse">
+              <a:avLst/>
+            </a:prstGeom>
+          </p:spPr>
+          <p:style>
+            <a:lnRef idx="2">
+              <a:schemeClr val="accent1">
+                <a:shade val="50000"/>
+              </a:schemeClr>
+            </a:lnRef>
+            <a:fillRef idx="1">
+              <a:schemeClr val="accent1"/>
+            </a:fillRef>
+            <a:effectRef idx="0">
+              <a:schemeClr val="accent1"/>
+            </a:effectRef>
+            <a:fontRef idx="minor">
+              <a:schemeClr val="lt1"/>
+            </a:fontRef>
+          </p:style>
+          <p:txBody>
+            <a:bodyPr rtlCol="0" anchor="ctr"/>
+            <a:lstStyle/>
+            <a:p>
+              <a:pPr algn="ctr"/>
+              <a:endParaRPr lang="en-US">
+                <a:latin typeface="Cambria" charset="0"/>
+                <a:ea typeface="Cambria" charset="0"/>
+                <a:cs typeface="Cambria" charset="0"/>
+              </a:endParaRPr>
+            </a:p>
+          </p:txBody>
+        </p:sp>
+        <p:sp>
+          <p:nvSpPr>
+            <p:cNvPr id="35" name="Oval 34"/>
+            <p:cNvSpPr/>
+            <p:nvPr/>
+          </p:nvSpPr>
+          <p:spPr>
+            <a:xfrm>
+              <a:off x="1131379" y="2826023"/>
+              <a:ext cx="464696" cy="494675"/>
+            </a:xfrm>
+            <a:prstGeom prst="ellipse">
+              <a:avLst/>
+            </a:prstGeom>
+          </p:spPr>
+          <p:style>
+            <a:lnRef idx="2">
+              <a:schemeClr val="accent1">
+                <a:shade val="50000"/>
+              </a:schemeClr>
+            </a:lnRef>
+            <a:fillRef idx="1">
+              <a:schemeClr val="accent1"/>
+            </a:fillRef>
+            <a:effectRef idx="0">
+              <a:schemeClr val="accent1"/>
+            </a:effectRef>
+            <a:fontRef idx="minor">
+              <a:schemeClr val="lt1"/>
+            </a:fontRef>
+          </p:style>
+          <p:txBody>
+            <a:bodyPr rtlCol="0" anchor="ctr"/>
+            <a:lstStyle/>
+            <a:p>
+              <a:pPr algn="ctr"/>
+              <a:endParaRPr lang="en-US">
+                <a:latin typeface="Cambria" charset="0"/>
+                <a:ea typeface="Cambria" charset="0"/>
+                <a:cs typeface="Cambria" charset="0"/>
+              </a:endParaRPr>
+            </a:p>
+          </p:txBody>
+        </p:sp>
+        <p:sp>
+          <p:nvSpPr>
+            <p:cNvPr id="36" name="Oval 35"/>
+            <p:cNvSpPr/>
+            <p:nvPr/>
+          </p:nvSpPr>
+          <p:spPr>
+            <a:xfrm>
+              <a:off x="1838415" y="2131052"/>
+              <a:ext cx="464696" cy="494675"/>
+            </a:xfrm>
+            <a:prstGeom prst="ellipse">
+              <a:avLst/>
+            </a:prstGeom>
+          </p:spPr>
+          <p:style>
+            <a:lnRef idx="2">
+              <a:schemeClr val="accent1">
+                <a:shade val="50000"/>
+              </a:schemeClr>
+            </a:lnRef>
+            <a:fillRef idx="1">
+              <a:schemeClr val="accent1"/>
+            </a:fillRef>
+            <a:effectRef idx="0">
+              <a:schemeClr val="accent1"/>
+            </a:effectRef>
+            <a:fontRef idx="minor">
+              <a:schemeClr val="lt1"/>
+            </a:fontRef>
+          </p:style>
+          <p:txBody>
+            <a:bodyPr rtlCol="0" anchor="ctr"/>
+            <a:lstStyle/>
+            <a:p>
+              <a:pPr algn="ctr"/>
+              <a:endParaRPr lang="en-US">
+                <a:latin typeface="Cambria" charset="0"/>
+                <a:ea typeface="Cambria" charset="0"/>
+                <a:cs typeface="Cambria" charset="0"/>
+              </a:endParaRPr>
+            </a:p>
+          </p:txBody>
+        </p:sp>
+        <p:sp>
+          <p:nvSpPr>
+            <p:cNvPr id="42" name="Oval 41"/>
+            <p:cNvSpPr/>
+            <p:nvPr/>
+          </p:nvSpPr>
+          <p:spPr>
+            <a:xfrm>
+              <a:off x="1838415" y="3520994"/>
+              <a:ext cx="464696" cy="494675"/>
+            </a:xfrm>
+            <a:prstGeom prst="ellipse">
+              <a:avLst/>
+            </a:prstGeom>
+          </p:spPr>
+          <p:style>
+            <a:lnRef idx="2">
+              <a:schemeClr val="accent1">
+                <a:shade val="50000"/>
+              </a:schemeClr>
+            </a:lnRef>
+            <a:fillRef idx="1">
+              <a:schemeClr val="accent1"/>
+            </a:fillRef>
+            <a:effectRef idx="0">
+              <a:schemeClr val="accent1"/>
+            </a:effectRef>
+            <a:fontRef idx="minor">
+              <a:schemeClr val="lt1"/>
+            </a:fontRef>
+          </p:style>
+          <p:txBody>
+            <a:bodyPr rtlCol="0" anchor="ctr"/>
+            <a:lstStyle/>
+            <a:p>
+              <a:pPr algn="ctr"/>
+              <a:endParaRPr lang="en-US">
+                <a:latin typeface="Cambria" charset="0"/>
+                <a:ea typeface="Cambria" charset="0"/>
+                <a:cs typeface="Cambria" charset="0"/>
+              </a:endParaRPr>
+            </a:p>
+          </p:txBody>
+        </p:sp>
+        <p:sp>
+          <p:nvSpPr>
+            <p:cNvPr id="43" name="Oval 42"/>
+            <p:cNvSpPr/>
+            <p:nvPr/>
+          </p:nvSpPr>
+          <p:spPr>
+            <a:xfrm>
+              <a:off x="1838415" y="2826023"/>
+              <a:ext cx="464696" cy="494675"/>
+            </a:xfrm>
+            <a:prstGeom prst="ellipse">
+              <a:avLst/>
+            </a:prstGeom>
+          </p:spPr>
+          <p:style>
+            <a:lnRef idx="2">
+              <a:schemeClr val="accent1">
+                <a:shade val="50000"/>
+              </a:schemeClr>
+            </a:lnRef>
+            <a:fillRef idx="1">
+              <a:schemeClr val="accent1"/>
+            </a:fillRef>
+            <a:effectRef idx="0">
+              <a:schemeClr val="accent1"/>
+            </a:effectRef>
+            <a:fontRef idx="minor">
+              <a:schemeClr val="lt1"/>
+            </a:fontRef>
+          </p:style>
+          <p:txBody>
+            <a:bodyPr rtlCol="0" anchor="ctr"/>
+            <a:lstStyle/>
+            <a:p>
+              <a:pPr algn="ctr"/>
+              <a:endParaRPr lang="en-US">
+                <a:latin typeface="Cambria" charset="0"/>
+                <a:ea typeface="Cambria" charset="0"/>
+                <a:cs typeface="Cambria" charset="0"/>
+              </a:endParaRPr>
+            </a:p>
+          </p:txBody>
+        </p:sp>
+        <p:sp>
+          <p:nvSpPr>
+            <p:cNvPr id="45" name="Oval 44"/>
+            <p:cNvSpPr/>
+            <p:nvPr/>
+          </p:nvSpPr>
+          <p:spPr>
+            <a:xfrm>
+              <a:off x="2946738" y="2131052"/>
+              <a:ext cx="464696" cy="494675"/>
+            </a:xfrm>
+            <a:prstGeom prst="ellipse">
+              <a:avLst/>
+            </a:prstGeom>
+          </p:spPr>
+          <p:style>
+            <a:lnRef idx="2">
+              <a:schemeClr val="accent1">
+                <a:shade val="50000"/>
+              </a:schemeClr>
+            </a:lnRef>
+            <a:fillRef idx="1">
+              <a:schemeClr val="accent1"/>
+            </a:fillRef>
+            <a:effectRef idx="0">
+              <a:schemeClr val="accent1"/>
+            </a:effectRef>
+            <a:fontRef idx="minor">
+              <a:schemeClr val="lt1"/>
+            </a:fontRef>
+          </p:style>
+          <p:txBody>
+            <a:bodyPr rtlCol="0" anchor="ctr"/>
+            <a:lstStyle/>
+            <a:p>
+              <a:pPr algn="ctr"/>
+              <a:endParaRPr lang="en-US">
+                <a:latin typeface="Cambria" charset="0"/>
+                <a:ea typeface="Cambria" charset="0"/>
+                <a:cs typeface="Cambria" charset="0"/>
+              </a:endParaRPr>
+            </a:p>
+          </p:txBody>
+        </p:sp>
+        <p:sp>
+          <p:nvSpPr>
+            <p:cNvPr id="46" name="Oval 45"/>
+            <p:cNvSpPr/>
+            <p:nvPr/>
+          </p:nvSpPr>
+          <p:spPr>
+            <a:xfrm>
+              <a:off x="2946738" y="3520994"/>
+              <a:ext cx="464696" cy="494675"/>
+            </a:xfrm>
+            <a:prstGeom prst="ellipse">
+              <a:avLst/>
+            </a:prstGeom>
+          </p:spPr>
+          <p:style>
+            <a:lnRef idx="2">
+              <a:schemeClr val="accent1">
+                <a:shade val="50000"/>
+              </a:schemeClr>
+            </a:lnRef>
+            <a:fillRef idx="1">
+              <a:schemeClr val="accent1"/>
+            </a:fillRef>
+            <a:effectRef idx="0">
+              <a:schemeClr val="accent1"/>
+            </a:effectRef>
+            <a:fontRef idx="minor">
+              <a:schemeClr val="lt1"/>
+            </a:fontRef>
+          </p:style>
+          <p:txBody>
+            <a:bodyPr rtlCol="0" anchor="ctr"/>
+            <a:lstStyle/>
+            <a:p>
+              <a:pPr algn="ctr"/>
+              <a:endParaRPr lang="en-US">
+                <a:latin typeface="Cambria" charset="0"/>
+                <a:ea typeface="Cambria" charset="0"/>
+                <a:cs typeface="Cambria" charset="0"/>
+              </a:endParaRPr>
+            </a:p>
+          </p:txBody>
+        </p:sp>
+        <p:sp>
+          <p:nvSpPr>
+            <p:cNvPr id="47" name="Oval 46"/>
+            <p:cNvSpPr/>
+            <p:nvPr/>
+          </p:nvSpPr>
+          <p:spPr>
+            <a:xfrm>
+              <a:off x="2946738" y="2826023"/>
+              <a:ext cx="464696" cy="494675"/>
+            </a:xfrm>
+            <a:prstGeom prst="ellipse">
+              <a:avLst/>
+            </a:prstGeom>
+          </p:spPr>
+          <p:style>
+            <a:lnRef idx="2">
+              <a:schemeClr val="accent1">
+                <a:shade val="50000"/>
+              </a:schemeClr>
+            </a:lnRef>
+            <a:fillRef idx="1">
+              <a:schemeClr val="accent1"/>
+            </a:fillRef>
+            <a:effectRef idx="0">
+              <a:schemeClr val="accent1"/>
+            </a:effectRef>
+            <a:fontRef idx="minor">
+              <a:schemeClr val="lt1"/>
+            </a:fontRef>
+          </p:style>
+          <p:txBody>
+            <a:bodyPr rtlCol="0" anchor="ctr"/>
+            <a:lstStyle/>
+            <a:p>
+              <a:pPr algn="ctr"/>
+              <a:endParaRPr lang="en-US">
+                <a:latin typeface="Cambria" charset="0"/>
+                <a:ea typeface="Cambria" charset="0"/>
+                <a:cs typeface="Cambria" charset="0"/>
+              </a:endParaRPr>
+            </a:p>
+          </p:txBody>
+        </p:sp>
+        <p:sp>
+          <p:nvSpPr>
+            <p:cNvPr id="49" name="Oval 48"/>
+            <p:cNvSpPr/>
+            <p:nvPr/>
+          </p:nvSpPr>
+          <p:spPr>
+            <a:xfrm>
+              <a:off x="3653774" y="2131052"/>
+              <a:ext cx="464696" cy="494675"/>
+            </a:xfrm>
+            <a:prstGeom prst="ellipse">
+              <a:avLst/>
+            </a:prstGeom>
+          </p:spPr>
+          <p:style>
+            <a:lnRef idx="2">
+              <a:schemeClr val="accent1">
+                <a:shade val="50000"/>
+              </a:schemeClr>
+            </a:lnRef>
+            <a:fillRef idx="1">
+              <a:schemeClr val="accent1"/>
+            </a:fillRef>
+            <a:effectRef idx="0">
+              <a:schemeClr val="accent1"/>
+            </a:effectRef>
+            <a:fontRef idx="minor">
+              <a:schemeClr val="lt1"/>
+            </a:fontRef>
+          </p:style>
+          <p:txBody>
+            <a:bodyPr rtlCol="0" anchor="ctr"/>
+            <a:lstStyle/>
+            <a:p>
+              <a:pPr algn="ctr"/>
+              <a:endParaRPr lang="en-US">
+                <a:latin typeface="Cambria" charset="0"/>
+                <a:ea typeface="Cambria" charset="0"/>
+                <a:cs typeface="Cambria" charset="0"/>
+              </a:endParaRPr>
+            </a:p>
+          </p:txBody>
+        </p:sp>
+        <p:sp>
+          <p:nvSpPr>
+            <p:cNvPr id="50" name="Oval 49"/>
+            <p:cNvSpPr/>
+            <p:nvPr/>
+          </p:nvSpPr>
+          <p:spPr>
+            <a:xfrm>
+              <a:off x="3653774" y="3520994"/>
+              <a:ext cx="464696" cy="494675"/>
+            </a:xfrm>
+            <a:prstGeom prst="ellipse">
+              <a:avLst/>
+            </a:prstGeom>
+          </p:spPr>
+          <p:style>
+            <a:lnRef idx="2">
+              <a:schemeClr val="accent1">
+                <a:shade val="50000"/>
+              </a:schemeClr>
+            </a:lnRef>
+            <a:fillRef idx="1">
+              <a:schemeClr val="accent1"/>
+            </a:fillRef>
+            <a:effectRef idx="0">
+              <a:schemeClr val="accent1"/>
+            </a:effectRef>
+            <a:fontRef idx="minor">
+              <a:schemeClr val="lt1"/>
+            </a:fontRef>
+          </p:style>
+          <p:txBody>
+            <a:bodyPr rtlCol="0" anchor="ctr"/>
+            <a:lstStyle/>
+            <a:p>
+              <a:pPr algn="ctr"/>
+              <a:endParaRPr lang="en-US">
+                <a:latin typeface="Cambria" charset="0"/>
+                <a:ea typeface="Cambria" charset="0"/>
+                <a:cs typeface="Cambria" charset="0"/>
+              </a:endParaRPr>
+            </a:p>
+          </p:txBody>
+        </p:sp>
+        <p:sp>
+          <p:nvSpPr>
+            <p:cNvPr id="52" name="Oval 51"/>
+            <p:cNvSpPr/>
+            <p:nvPr/>
+          </p:nvSpPr>
+          <p:spPr>
+            <a:xfrm>
+              <a:off x="3653774" y="2826023"/>
+              <a:ext cx="464696" cy="494675"/>
+            </a:xfrm>
+            <a:prstGeom prst="ellipse">
+              <a:avLst/>
+            </a:prstGeom>
+          </p:spPr>
+          <p:style>
+            <a:lnRef idx="2">
+              <a:schemeClr val="accent1">
+                <a:shade val="50000"/>
+              </a:schemeClr>
+            </a:lnRef>
+            <a:fillRef idx="1">
+              <a:schemeClr val="accent1"/>
+            </a:fillRef>
+            <a:effectRef idx="0">
+              <a:schemeClr val="accent1"/>
+            </a:effectRef>
+            <a:fontRef idx="minor">
+              <a:schemeClr val="lt1"/>
+            </a:fontRef>
+          </p:style>
+          <p:txBody>
+            <a:bodyPr rtlCol="0" anchor="ctr"/>
+            <a:lstStyle/>
+            <a:p>
+              <a:pPr algn="ctr"/>
+              <a:endParaRPr lang="en-US">
+                <a:latin typeface="Cambria" charset="0"/>
+                <a:ea typeface="Cambria" charset="0"/>
+                <a:cs typeface="Cambria" charset="0"/>
+              </a:endParaRPr>
+            </a:p>
+          </p:txBody>
+        </p:sp>
+        <p:sp>
+          <p:nvSpPr>
+            <p:cNvPr id="53" name="Oval 52"/>
+            <p:cNvSpPr/>
+            <p:nvPr/>
+          </p:nvSpPr>
+          <p:spPr>
+            <a:xfrm>
+              <a:off x="4360810" y="2131052"/>
+              <a:ext cx="464696" cy="494675"/>
+            </a:xfrm>
+            <a:prstGeom prst="ellipse">
+              <a:avLst/>
+            </a:prstGeom>
+          </p:spPr>
+          <p:style>
+            <a:lnRef idx="2">
+              <a:schemeClr val="accent1">
+                <a:shade val="50000"/>
+              </a:schemeClr>
+            </a:lnRef>
+            <a:fillRef idx="1">
+              <a:schemeClr val="accent1"/>
+            </a:fillRef>
+            <a:effectRef idx="0">
+              <a:schemeClr val="accent1"/>
+            </a:effectRef>
+            <a:fontRef idx="minor">
+              <a:schemeClr val="lt1"/>
+            </a:fontRef>
+          </p:style>
+          <p:txBody>
+            <a:bodyPr rtlCol="0" anchor="ctr"/>
+            <a:lstStyle/>
+            <a:p>
+              <a:pPr algn="ctr"/>
+              <a:endParaRPr lang="en-US">
+                <a:latin typeface="Cambria" charset="0"/>
+                <a:ea typeface="Cambria" charset="0"/>
+                <a:cs typeface="Cambria" charset="0"/>
+              </a:endParaRPr>
+            </a:p>
+          </p:txBody>
+        </p:sp>
+        <p:sp>
+          <p:nvSpPr>
+            <p:cNvPr id="54" name="Oval 53"/>
+            <p:cNvSpPr/>
+            <p:nvPr/>
+          </p:nvSpPr>
+          <p:spPr>
+            <a:xfrm>
+              <a:off x="4360810" y="3520994"/>
+              <a:ext cx="464696" cy="494675"/>
+            </a:xfrm>
+            <a:prstGeom prst="ellipse">
+              <a:avLst/>
+            </a:prstGeom>
+          </p:spPr>
+          <p:style>
+            <a:lnRef idx="2">
+              <a:schemeClr val="accent1">
+                <a:shade val="50000"/>
+              </a:schemeClr>
+            </a:lnRef>
+            <a:fillRef idx="1">
+              <a:schemeClr val="accent1"/>
+            </a:fillRef>
+            <a:effectRef idx="0">
+              <a:schemeClr val="accent1"/>
+            </a:effectRef>
+            <a:fontRef idx="minor">
+              <a:schemeClr val="lt1"/>
+            </a:fontRef>
+          </p:style>
+          <p:txBody>
+            <a:bodyPr rtlCol="0" anchor="ctr"/>
+            <a:lstStyle/>
+            <a:p>
+              <a:pPr algn="ctr"/>
+              <a:endParaRPr lang="en-US">
+                <a:latin typeface="Cambria" charset="0"/>
+                <a:ea typeface="Cambria" charset="0"/>
+                <a:cs typeface="Cambria" charset="0"/>
+              </a:endParaRPr>
+            </a:p>
+          </p:txBody>
+        </p:sp>
+        <p:sp>
+          <p:nvSpPr>
+            <p:cNvPr id="56" name="Oval 55"/>
+            <p:cNvSpPr/>
+            <p:nvPr/>
+          </p:nvSpPr>
+          <p:spPr>
+            <a:xfrm>
+              <a:off x="4360810" y="2826023"/>
+              <a:ext cx="464696" cy="494675"/>
+            </a:xfrm>
+            <a:prstGeom prst="ellipse">
+              <a:avLst/>
+            </a:prstGeom>
+          </p:spPr>
+          <p:style>
+            <a:lnRef idx="2">
+              <a:schemeClr val="accent1">
+                <a:shade val="50000"/>
+              </a:schemeClr>
+            </a:lnRef>
+            <a:fillRef idx="1">
+              <a:schemeClr val="accent1"/>
+            </a:fillRef>
+            <a:effectRef idx="0">
+              <a:schemeClr val="accent1"/>
+            </a:effectRef>
+            <a:fontRef idx="minor">
+              <a:schemeClr val="lt1"/>
+            </a:fontRef>
+          </p:style>
+          <p:txBody>
+            <a:bodyPr rtlCol="0" anchor="ctr"/>
+            <a:lstStyle/>
+            <a:p>
+              <a:pPr algn="ctr"/>
+              <a:endParaRPr lang="en-US">
+                <a:latin typeface="Cambria" charset="0"/>
+                <a:ea typeface="Cambria" charset="0"/>
+                <a:cs typeface="Cambria" charset="0"/>
+              </a:endParaRPr>
+            </a:p>
+          </p:txBody>
+        </p:sp>
+        <p:sp>
+          <p:nvSpPr>
+            <p:cNvPr id="57" name="TextBox 56"/>
+            <p:cNvSpPr txBox="1"/>
+            <p:nvPr/>
+          </p:nvSpPr>
+          <p:spPr>
+            <a:xfrm>
+              <a:off x="991471" y="1476906"/>
+              <a:ext cx="846944" cy="369332"/>
+            </a:xfrm>
+            <a:prstGeom prst="rect">
+              <a:avLst/>
+            </a:prstGeom>
+            <a:noFill/>
+          </p:spPr>
+          <p:txBody>
+            <a:bodyPr wrap="square" rtlCol="0">
+              <a:spAutoFit/>
+            </a:bodyPr>
+            <a:lstStyle/>
+            <a:p>
+              <a:r>
+                <a:rPr lang="en-US" b="1" dirty="0" smtClean="0">
+                  <a:latin typeface="Cambria" charset="0"/>
+                  <a:ea typeface="Cambria" charset="0"/>
+                  <a:cs typeface="Cambria" charset="0"/>
+                </a:rPr>
+                <a:t>Input</a:t>
+              </a:r>
+              <a:endParaRPr lang="en-US" b="1" dirty="0">
+                <a:latin typeface="Cambria" charset="0"/>
+                <a:ea typeface="Cambria" charset="0"/>
+                <a:cs typeface="Cambria" charset="0"/>
+              </a:endParaRPr>
+            </a:p>
+          </p:txBody>
+        </p:sp>
+        <p:sp>
+          <p:nvSpPr>
+            <p:cNvPr id="58" name="TextBox 57"/>
+            <p:cNvSpPr txBox="1"/>
+            <p:nvPr/>
+          </p:nvSpPr>
+          <p:spPr>
+            <a:xfrm>
+              <a:off x="3064180" y="1504315"/>
+              <a:ext cx="1643883" cy="369332"/>
+            </a:xfrm>
+            <a:prstGeom prst="rect">
+              <a:avLst/>
+            </a:prstGeom>
+            <a:noFill/>
+          </p:spPr>
+          <p:txBody>
+            <a:bodyPr wrap="square" rtlCol="0">
+              <a:spAutoFit/>
+            </a:bodyPr>
+            <a:lstStyle/>
+            <a:p>
+              <a:r>
+                <a:rPr lang="en-US" b="1" smtClean="0">
+                  <a:latin typeface="Cambria" charset="0"/>
+                  <a:ea typeface="Cambria" charset="0"/>
+                  <a:cs typeface="Cambria" charset="0"/>
+                </a:rPr>
+                <a:t>Recon </a:t>
+              </a:r>
+              <a:r>
+                <a:rPr lang="en-US" b="1" dirty="0" smtClean="0">
+                  <a:latin typeface="Cambria" charset="0"/>
+                  <a:ea typeface="Cambria" charset="0"/>
+                  <a:cs typeface="Cambria" charset="0"/>
+                </a:rPr>
+                <a:t>input</a:t>
+              </a:r>
+              <a:endParaRPr lang="en-US" b="1" dirty="0">
+                <a:latin typeface="Cambria" charset="0"/>
+                <a:ea typeface="Cambria" charset="0"/>
+                <a:cs typeface="Cambria" charset="0"/>
+              </a:endParaRPr>
+            </a:p>
+          </p:txBody>
+        </p:sp>
+        <p:sp>
+          <p:nvSpPr>
+            <p:cNvPr id="62" name="TextBox 61"/>
+            <p:cNvSpPr txBox="1"/>
+            <p:nvPr/>
+          </p:nvSpPr>
+          <p:spPr>
+            <a:xfrm rot="994728">
+              <a:off x="8733183" y="3074900"/>
+              <a:ext cx="1313566" cy="369332"/>
+            </a:xfrm>
+            <a:prstGeom prst="rect">
+              <a:avLst/>
+            </a:prstGeom>
+            <a:noFill/>
+            <a:ln>
+              <a:noFill/>
+            </a:ln>
+          </p:spPr>
+          <p:style>
+            <a:lnRef idx="2">
+              <a:schemeClr val="accent1"/>
+            </a:lnRef>
+            <a:fillRef idx="1">
+              <a:schemeClr val="lt1"/>
+            </a:fillRef>
+            <a:effectRef idx="0">
+              <a:schemeClr val="accent1"/>
+            </a:effectRef>
+            <a:fontRef idx="minor">
+              <a:schemeClr val="dk1"/>
+            </a:fontRef>
+          </p:style>
+          <p:txBody>
+            <a:bodyPr wrap="square" rtlCol="0">
+              <a:spAutoFit/>
+            </a:bodyPr>
+            <a:lstStyle/>
+            <a:p>
+              <a:pPr algn="ctr"/>
+              <a:r>
+                <a:rPr lang="en-US" dirty="0" smtClean="0">
+                  <a:latin typeface="Cambria" charset="0"/>
+                  <a:ea typeface="Cambria" charset="0"/>
+                  <a:cs typeface="Cambria" charset="0"/>
+                </a:rPr>
+                <a:t>Matched</a:t>
+              </a:r>
+              <a:endParaRPr lang="en-US" dirty="0">
+                <a:latin typeface="Cambria" charset="0"/>
+                <a:ea typeface="Cambria" charset="0"/>
+                <a:cs typeface="Cambria" charset="0"/>
+              </a:endParaRPr>
+            </a:p>
+          </p:txBody>
+        </p:sp>
+        <p:grpSp>
+          <p:nvGrpSpPr>
+            <p:cNvPr id="71" name="Group 70"/>
+            <p:cNvGrpSpPr/>
+            <p:nvPr/>
+          </p:nvGrpSpPr>
+          <p:grpSpPr>
+            <a:xfrm>
+              <a:off x="10356853" y="3029714"/>
+              <a:ext cx="567128" cy="573377"/>
+              <a:chOff x="10180821" y="764498"/>
+              <a:chExt cx="567128" cy="573377"/>
+            </a:xfrm>
+          </p:grpSpPr>
+          <p:sp>
+            <p:nvSpPr>
+              <p:cNvPr id="72" name="Oval 71"/>
+              <p:cNvSpPr/>
+              <p:nvPr/>
+            </p:nvSpPr>
+            <p:spPr>
+              <a:xfrm>
+                <a:off x="10180821" y="764498"/>
+                <a:ext cx="567128" cy="573377"/>
+              </a:xfrm>
+              <a:prstGeom prst="ellipse">
+                <a:avLst/>
+              </a:prstGeom>
+              <a:noFill/>
+              <a:ln w="28575">
+                <a:solidFill>
+                  <a:schemeClr val="accent1"/>
+                </a:solidFill>
+              </a:ln>
+            </p:spPr>
+            <p:style>
+              <a:lnRef idx="2">
+                <a:schemeClr val="accent1">
+                  <a:shade val="50000"/>
+                </a:schemeClr>
+              </a:lnRef>
+              <a:fillRef idx="1">
+                <a:schemeClr val="accent1"/>
+              </a:fillRef>
+              <a:effectRef idx="0">
+                <a:schemeClr val="accent1"/>
+              </a:effectRef>
+              <a:fontRef idx="minor">
+                <a:schemeClr val="lt1"/>
+              </a:fontRef>
+            </p:style>
+            <p:txBody>
+              <a:bodyPr rtlCol="0" anchor="ctr"/>
+              <a:lstStyle/>
+              <a:p>
+                <a:pPr algn="ctr"/>
+                <a:endParaRPr lang="en-US">
+                  <a:latin typeface="Cambria" charset="0"/>
+                  <a:ea typeface="Cambria" charset="0"/>
+                  <a:cs typeface="Cambria" charset="0"/>
+                </a:endParaRPr>
+              </a:p>
+            </p:txBody>
+          </p:sp>
+          <p:sp>
+            <p:nvSpPr>
+              <p:cNvPr id="73" name="TextBox 72"/>
+              <p:cNvSpPr txBox="1"/>
+              <p:nvPr/>
+            </p:nvSpPr>
+            <p:spPr>
+              <a:xfrm>
+                <a:off x="10305114" y="881510"/>
+                <a:ext cx="408482" cy="369332"/>
+              </a:xfrm>
+              <a:prstGeom prst="rect">
+                <a:avLst/>
+              </a:prstGeom>
+              <a:noFill/>
+            </p:spPr>
+            <p:txBody>
+              <a:bodyPr wrap="square" rtlCol="0">
+                <a:spAutoFit/>
+              </a:bodyPr>
+              <a:lstStyle/>
+              <a:p>
+                <a:r>
+                  <a:rPr lang="en-US" dirty="0" smtClean="0">
+                    <a:latin typeface="Cambria" charset="0"/>
+                    <a:ea typeface="Cambria" charset="0"/>
+                    <a:cs typeface="Cambria" charset="0"/>
+                  </a:rPr>
+                  <a:t>N</a:t>
+                </a:r>
+                <a:endParaRPr lang="en-US" dirty="0">
+                  <a:latin typeface="Cambria" charset="0"/>
+                  <a:ea typeface="Cambria" charset="0"/>
+                  <a:cs typeface="Cambria" charset="0"/>
+                </a:endParaRPr>
+              </a:p>
+            </p:txBody>
+          </p:sp>
+        </p:grpSp>
+        <p:grpSp>
+          <p:nvGrpSpPr>
+            <p:cNvPr id="74" name="Group 73"/>
+            <p:cNvGrpSpPr/>
+            <p:nvPr/>
+          </p:nvGrpSpPr>
+          <p:grpSpPr>
+            <a:xfrm>
+              <a:off x="10356853" y="1958546"/>
+              <a:ext cx="567128" cy="573377"/>
+              <a:chOff x="10180821" y="764498"/>
+              <a:chExt cx="567128" cy="573377"/>
+            </a:xfrm>
+          </p:grpSpPr>
+          <p:sp>
+            <p:nvSpPr>
+              <p:cNvPr id="75" name="Oval 74"/>
+              <p:cNvSpPr/>
+              <p:nvPr/>
+            </p:nvSpPr>
+            <p:spPr>
+              <a:xfrm>
+                <a:off x="10180821" y="764498"/>
+                <a:ext cx="567128" cy="573377"/>
+              </a:xfrm>
+              <a:prstGeom prst="ellipse">
+                <a:avLst/>
+              </a:prstGeom>
+              <a:noFill/>
+              <a:ln w="28575">
+                <a:solidFill>
+                  <a:schemeClr val="accent1"/>
+                </a:solidFill>
+              </a:ln>
+            </p:spPr>
+            <p:style>
+              <a:lnRef idx="2">
+                <a:schemeClr val="accent1">
+                  <a:shade val="50000"/>
+                </a:schemeClr>
+              </a:lnRef>
+              <a:fillRef idx="1">
+                <a:schemeClr val="accent1"/>
+              </a:fillRef>
+              <a:effectRef idx="0">
+                <a:schemeClr val="accent1"/>
+              </a:effectRef>
+              <a:fontRef idx="minor">
+                <a:schemeClr val="lt1"/>
+              </a:fontRef>
+            </p:style>
+            <p:txBody>
+              <a:bodyPr rtlCol="0" anchor="ctr"/>
+              <a:lstStyle/>
+              <a:p>
+                <a:pPr algn="ctr"/>
+                <a:endParaRPr lang="en-US">
+                  <a:latin typeface="Cambria" charset="0"/>
+                  <a:ea typeface="Cambria" charset="0"/>
+                  <a:cs typeface="Cambria" charset="0"/>
+                </a:endParaRPr>
+              </a:p>
+            </p:txBody>
+          </p:sp>
+          <p:sp>
+            <p:nvSpPr>
+              <p:cNvPr id="77" name="TextBox 76"/>
+              <p:cNvSpPr txBox="1"/>
+              <p:nvPr/>
+            </p:nvSpPr>
+            <p:spPr>
+              <a:xfrm>
+                <a:off x="10305114" y="881510"/>
+                <a:ext cx="408482" cy="369332"/>
+              </a:xfrm>
+              <a:prstGeom prst="rect">
+                <a:avLst/>
+              </a:prstGeom>
+              <a:noFill/>
+            </p:spPr>
+            <p:txBody>
+              <a:bodyPr wrap="square" rtlCol="0">
+                <a:spAutoFit/>
+              </a:bodyPr>
+              <a:lstStyle/>
+              <a:p>
+                <a:r>
+                  <a:rPr lang="en-US" dirty="0">
+                    <a:latin typeface="Cambria" charset="0"/>
+                    <a:ea typeface="Cambria" charset="0"/>
+                    <a:cs typeface="Cambria" charset="0"/>
+                  </a:rPr>
+                  <a:t>A</a:t>
+                </a:r>
+              </a:p>
+            </p:txBody>
+          </p:sp>
+        </p:grpSp>
+        <p:cxnSp>
+          <p:nvCxnSpPr>
+            <p:cNvPr id="155" name="Straight Arrow Connector 154"/>
+            <p:cNvCxnSpPr>
+              <a:stCxn id="37" idx="3"/>
+              <a:endCxn id="75" idx="2"/>
+            </p:cNvCxnSpPr>
+            <p:nvPr/>
+          </p:nvCxnSpPr>
+          <p:spPr>
+            <a:xfrm flipV="1">
+              <a:off x="8915760" y="2245235"/>
+              <a:ext cx="1441093" cy="580237"/>
+            </a:xfrm>
+            <a:prstGeom prst="straightConnector1">
+              <a:avLst/>
+            </a:prstGeom>
+            <a:ln>
+              <a:tailEnd type="triangle"/>
+            </a:ln>
+          </p:spPr>
+          <p:style>
+            <a:lnRef idx="1">
+              <a:schemeClr val="accent1"/>
+            </a:lnRef>
+            <a:fillRef idx="0">
+              <a:schemeClr val="accent1"/>
+            </a:fillRef>
+            <a:effectRef idx="0">
+              <a:schemeClr val="accent1"/>
+            </a:effectRef>
+            <a:fontRef idx="minor">
+              <a:schemeClr val="tx1"/>
+            </a:fontRef>
+          </p:style>
+        </p:cxnSp>
+        <p:cxnSp>
+          <p:nvCxnSpPr>
+            <p:cNvPr id="157" name="Straight Arrow Connector 156"/>
+            <p:cNvCxnSpPr>
+              <a:stCxn id="37" idx="3"/>
+              <a:endCxn id="72" idx="2"/>
+            </p:cNvCxnSpPr>
+            <p:nvPr/>
+          </p:nvCxnSpPr>
+          <p:spPr>
+            <a:xfrm>
+              <a:off x="8915760" y="2825472"/>
+              <a:ext cx="1441093" cy="490931"/>
+            </a:xfrm>
+            <a:prstGeom prst="straightConnector1">
+              <a:avLst/>
+            </a:prstGeom>
+            <a:ln>
+              <a:tailEnd type="triangle"/>
+            </a:ln>
+          </p:spPr>
+          <p:style>
+            <a:lnRef idx="1">
+              <a:schemeClr val="accent1"/>
+            </a:lnRef>
+            <a:fillRef idx="0">
+              <a:schemeClr val="accent1"/>
+            </a:fillRef>
+            <a:effectRef idx="0">
+              <a:schemeClr val="accent1"/>
+            </a:effectRef>
+            <a:fontRef idx="minor">
+              <a:schemeClr val="tx1"/>
+            </a:fontRef>
+          </p:style>
+        </p:cxnSp>
+        <p:sp>
+          <p:nvSpPr>
+            <p:cNvPr id="169" name="Rounded Rectangle 168"/>
+            <p:cNvSpPr/>
+            <p:nvPr/>
+          </p:nvSpPr>
+          <p:spPr>
+            <a:xfrm>
+              <a:off x="199506" y="1246909"/>
+              <a:ext cx="5041835" cy="3158836"/>
+            </a:xfrm>
+            <a:prstGeom prst="roundRect">
+              <a:avLst/>
+            </a:prstGeom>
+            <a:noFill/>
+          </p:spPr>
+          <p:style>
+            <a:lnRef idx="2">
+              <a:schemeClr val="accent1"/>
+            </a:lnRef>
+            <a:fillRef idx="1">
+              <a:schemeClr val="lt1"/>
+            </a:fillRef>
+            <a:effectRef idx="0">
+              <a:schemeClr val="accent1"/>
+            </a:effectRef>
+            <a:fontRef idx="minor">
+              <a:schemeClr val="dk1"/>
+            </a:fontRef>
+          </p:style>
+          <p:txBody>
+            <a:bodyPr rtlCol="0" anchor="ctr"/>
+            <a:lstStyle/>
+            <a:p>
+              <a:pPr algn="ctr"/>
+              <a:endParaRPr lang="en-US"/>
+            </a:p>
+          </p:txBody>
+        </p:sp>
+        <p:cxnSp>
+          <p:nvCxnSpPr>
+            <p:cNvPr id="171" name="Straight Arrow Connector 170"/>
+            <p:cNvCxnSpPr>
+              <a:stCxn id="169" idx="3"/>
+              <a:endCxn id="37" idx="1"/>
+            </p:cNvCxnSpPr>
+            <p:nvPr/>
+          </p:nvCxnSpPr>
+          <p:spPr>
+            <a:xfrm flipV="1">
+              <a:off x="5241341" y="2825472"/>
+              <a:ext cx="725410" cy="855"/>
+            </a:xfrm>
+            <a:prstGeom prst="straightConnector1">
+              <a:avLst/>
+            </a:prstGeom>
+            <a:ln>
+              <a:tailEnd type="triangle"/>
+            </a:ln>
+          </p:spPr>
+          <p:style>
+            <a:lnRef idx="1">
+              <a:schemeClr val="accent1"/>
+            </a:lnRef>
+            <a:fillRef idx="0">
+              <a:schemeClr val="accent1"/>
+            </a:fillRef>
+            <a:effectRef idx="0">
+              <a:schemeClr val="accent1"/>
+            </a:effectRef>
+            <a:fontRef idx="minor">
+              <a:schemeClr val="tx1"/>
+            </a:fontRef>
+          </p:style>
+        </p:cxnSp>
+        <p:sp>
+          <p:nvSpPr>
+            <p:cNvPr id="37" name="Rounded Rectangle 36"/>
+            <p:cNvSpPr/>
+            <p:nvPr/>
+          </p:nvSpPr>
+          <p:spPr>
+            <a:xfrm>
+              <a:off x="5966751" y="1245199"/>
+              <a:ext cx="2949009" cy="3160546"/>
+            </a:xfrm>
+            <a:prstGeom prst="roundRect">
+              <a:avLst/>
+            </a:prstGeom>
+            <a:noFill/>
+          </p:spPr>
+          <p:style>
+            <a:lnRef idx="2">
+              <a:schemeClr val="accent1"/>
+            </a:lnRef>
+            <a:fillRef idx="1">
+              <a:schemeClr val="lt1"/>
+            </a:fillRef>
+            <a:effectRef idx="0">
+              <a:schemeClr val="accent1"/>
+            </a:effectRef>
+            <a:fontRef idx="minor">
+              <a:schemeClr val="dk1"/>
+            </a:fontRef>
+          </p:style>
+          <p:txBody>
+            <a:bodyPr rtlCol="0" anchor="ctr"/>
+            <a:lstStyle/>
+            <a:p>
+              <a:pPr algn="ctr"/>
+              <a:endParaRPr lang="en-US"/>
+            </a:p>
+          </p:txBody>
+        </p:sp>
+        <p:sp>
+          <p:nvSpPr>
+            <p:cNvPr id="48" name="TextBox 47"/>
+            <p:cNvSpPr txBox="1"/>
+            <p:nvPr/>
+          </p:nvSpPr>
+          <p:spPr>
+            <a:xfrm rot="20312375">
+              <a:off x="8843886" y="2166784"/>
+              <a:ext cx="1313566" cy="369332"/>
+            </a:xfrm>
+            <a:prstGeom prst="rect">
+              <a:avLst/>
+            </a:prstGeom>
+            <a:noFill/>
+            <a:ln>
+              <a:noFill/>
+            </a:ln>
+          </p:spPr>
+          <p:style>
+            <a:lnRef idx="2">
+              <a:schemeClr val="accent1"/>
+            </a:lnRef>
+            <a:fillRef idx="1">
+              <a:schemeClr val="lt1"/>
+            </a:fillRef>
+            <a:effectRef idx="0">
+              <a:schemeClr val="accent1"/>
+            </a:effectRef>
+            <a:fontRef idx="minor">
+              <a:schemeClr val="dk1"/>
+            </a:fontRef>
+          </p:style>
+          <p:txBody>
+            <a:bodyPr wrap="square" rtlCol="0">
+              <a:spAutoFit/>
+            </a:bodyPr>
+            <a:lstStyle/>
+            <a:p>
+              <a:pPr algn="ctr"/>
+              <a:r>
+                <a:rPr lang="en-US" dirty="0" smtClean="0">
+                  <a:latin typeface="Cambria" charset="0"/>
+                  <a:ea typeface="Cambria" charset="0"/>
+                  <a:cs typeface="Cambria" charset="0"/>
+                </a:rPr>
+                <a:t>Unmatched</a:t>
+              </a:r>
+              <a:endParaRPr lang="en-US" dirty="0">
+                <a:latin typeface="Cambria" charset="0"/>
+                <a:ea typeface="Cambria" charset="0"/>
+                <a:cs typeface="Cambria" charset="0"/>
+              </a:endParaRPr>
+            </a:p>
+          </p:txBody>
+        </p:sp>
+        <p:sp>
+          <p:nvSpPr>
+            <p:cNvPr id="51" name="TextBox 50"/>
+            <p:cNvSpPr txBox="1"/>
+            <p:nvPr/>
+          </p:nvSpPr>
+          <p:spPr>
+            <a:xfrm>
+              <a:off x="6033306" y="1504315"/>
+              <a:ext cx="1375904" cy="369332"/>
+            </a:xfrm>
+            <a:prstGeom prst="rect">
+              <a:avLst/>
+            </a:prstGeom>
+            <a:noFill/>
+          </p:spPr>
+          <p:txBody>
+            <a:bodyPr wrap="square" rtlCol="0">
+              <a:spAutoFit/>
+            </a:bodyPr>
+            <a:lstStyle/>
+            <a:p>
+              <a:r>
+                <a:rPr lang="en-US" b="1" dirty="0" smtClean="0">
+                  <a:latin typeface="Cambria" charset="0"/>
+                  <a:ea typeface="Cambria" charset="0"/>
+                  <a:cs typeface="Cambria" charset="0"/>
+                </a:rPr>
+                <a:t>Input label</a:t>
+              </a:r>
+              <a:endParaRPr lang="en-US" b="1" dirty="0">
+                <a:latin typeface="Cambria" charset="0"/>
+                <a:ea typeface="Cambria" charset="0"/>
+                <a:cs typeface="Cambria" charset="0"/>
+              </a:endParaRPr>
+            </a:p>
+          </p:txBody>
+        </p:sp>
+        <p:sp>
+          <p:nvSpPr>
+            <p:cNvPr id="55" name="TextBox 54"/>
+            <p:cNvSpPr txBox="1"/>
+            <p:nvPr/>
+          </p:nvSpPr>
+          <p:spPr>
+            <a:xfrm>
+              <a:off x="7493205" y="1504315"/>
+              <a:ext cx="1422555" cy="369332"/>
+            </a:xfrm>
+            <a:prstGeom prst="rect">
+              <a:avLst/>
+            </a:prstGeom>
+            <a:noFill/>
+          </p:spPr>
+          <p:txBody>
+            <a:bodyPr wrap="square" rtlCol="0">
+              <a:spAutoFit/>
+            </a:bodyPr>
+            <a:lstStyle/>
+            <a:p>
+              <a:r>
+                <a:rPr lang="en-US" b="1" smtClean="0">
+                  <a:latin typeface="Cambria" charset="0"/>
+                  <a:ea typeface="Cambria" charset="0"/>
+                  <a:cs typeface="Cambria" charset="0"/>
+                </a:rPr>
+                <a:t>Recon </a:t>
+              </a:r>
+              <a:r>
+                <a:rPr lang="en-US" b="1" dirty="0" smtClean="0">
+                  <a:latin typeface="Cambria" charset="0"/>
+                  <a:ea typeface="Cambria" charset="0"/>
+                  <a:cs typeface="Cambria" charset="0"/>
+                </a:rPr>
+                <a:t>label</a:t>
+              </a:r>
+              <a:endParaRPr lang="en-US" b="1" dirty="0">
+                <a:latin typeface="Cambria" charset="0"/>
+                <a:ea typeface="Cambria" charset="0"/>
+                <a:cs typeface="Cambria" charset="0"/>
+              </a:endParaRPr>
+            </a:p>
+          </p:txBody>
+        </p:sp>
+        <p:sp>
+          <p:nvSpPr>
+            <p:cNvPr id="59" name="Oval 58"/>
+            <p:cNvSpPr/>
+            <p:nvPr/>
+          </p:nvSpPr>
+          <p:spPr>
+            <a:xfrm>
+              <a:off x="6446816" y="2131052"/>
+              <a:ext cx="464696" cy="494675"/>
+            </a:xfrm>
+            <a:prstGeom prst="ellipse">
+              <a:avLst/>
+            </a:prstGeom>
+          </p:spPr>
+          <p:style>
+            <a:lnRef idx="2">
+              <a:schemeClr val="accent1">
+                <a:shade val="50000"/>
+              </a:schemeClr>
+            </a:lnRef>
+            <a:fillRef idx="1">
+              <a:schemeClr val="accent1"/>
+            </a:fillRef>
+            <a:effectRef idx="0">
+              <a:schemeClr val="accent1"/>
+            </a:effectRef>
+            <a:fontRef idx="minor">
+              <a:schemeClr val="lt1"/>
+            </a:fontRef>
+          </p:style>
+          <p:txBody>
+            <a:bodyPr rtlCol="0" anchor="ctr"/>
+            <a:lstStyle/>
+            <a:p>
+              <a:pPr algn="ctr"/>
+              <a:endParaRPr lang="en-US">
+                <a:latin typeface="Cambria" charset="0"/>
+                <a:ea typeface="Cambria" charset="0"/>
+                <a:cs typeface="Cambria" charset="0"/>
+              </a:endParaRPr>
+            </a:p>
+          </p:txBody>
+        </p:sp>
+        <p:sp>
+          <p:nvSpPr>
+            <p:cNvPr id="60" name="Oval 59"/>
+            <p:cNvSpPr/>
+            <p:nvPr/>
+          </p:nvSpPr>
+          <p:spPr>
+            <a:xfrm>
+              <a:off x="6446816" y="3520994"/>
+              <a:ext cx="464696" cy="494675"/>
+            </a:xfrm>
+            <a:prstGeom prst="ellipse">
+              <a:avLst/>
+            </a:prstGeom>
+          </p:spPr>
+          <p:style>
+            <a:lnRef idx="2">
+              <a:schemeClr val="accent1">
+                <a:shade val="50000"/>
+              </a:schemeClr>
+            </a:lnRef>
+            <a:fillRef idx="1">
+              <a:schemeClr val="accent1"/>
+            </a:fillRef>
+            <a:effectRef idx="0">
+              <a:schemeClr val="accent1"/>
+            </a:effectRef>
+            <a:fontRef idx="minor">
+              <a:schemeClr val="lt1"/>
+            </a:fontRef>
+          </p:style>
+          <p:txBody>
+            <a:bodyPr rtlCol="0" anchor="ctr"/>
+            <a:lstStyle/>
+            <a:p>
+              <a:pPr algn="ctr"/>
+              <a:endParaRPr lang="en-US">
+                <a:latin typeface="Cambria" charset="0"/>
+                <a:ea typeface="Cambria" charset="0"/>
+                <a:cs typeface="Cambria" charset="0"/>
+              </a:endParaRPr>
+            </a:p>
+          </p:txBody>
+        </p:sp>
+        <p:sp>
+          <p:nvSpPr>
+            <p:cNvPr id="61" name="Oval 60"/>
+            <p:cNvSpPr/>
+            <p:nvPr/>
+          </p:nvSpPr>
+          <p:spPr>
+            <a:xfrm>
+              <a:off x="6446816" y="2826023"/>
+              <a:ext cx="464696" cy="494675"/>
+            </a:xfrm>
+            <a:prstGeom prst="ellipse">
+              <a:avLst/>
+            </a:prstGeom>
+          </p:spPr>
+          <p:style>
+            <a:lnRef idx="2">
+              <a:schemeClr val="accent1">
+                <a:shade val="50000"/>
+              </a:schemeClr>
+            </a:lnRef>
+            <a:fillRef idx="1">
+              <a:schemeClr val="accent1"/>
+            </a:fillRef>
+            <a:effectRef idx="0">
+              <a:schemeClr val="accent1"/>
+            </a:effectRef>
+            <a:fontRef idx="minor">
+              <a:schemeClr val="lt1"/>
+            </a:fontRef>
+          </p:style>
+          <p:txBody>
+            <a:bodyPr rtlCol="0" anchor="ctr"/>
+            <a:lstStyle/>
+            <a:p>
+              <a:pPr algn="ctr"/>
+              <a:endParaRPr lang="en-US">
+                <a:latin typeface="Cambria" charset="0"/>
+                <a:ea typeface="Cambria" charset="0"/>
+                <a:cs typeface="Cambria" charset="0"/>
+              </a:endParaRPr>
+            </a:p>
+          </p:txBody>
+        </p:sp>
+        <p:sp>
+          <p:nvSpPr>
+            <p:cNvPr id="63" name="Oval 62"/>
+            <p:cNvSpPr/>
+            <p:nvPr/>
+          </p:nvSpPr>
+          <p:spPr>
+            <a:xfrm>
+              <a:off x="7859923" y="2131052"/>
+              <a:ext cx="464696" cy="494675"/>
+            </a:xfrm>
+            <a:prstGeom prst="ellipse">
+              <a:avLst/>
+            </a:prstGeom>
+          </p:spPr>
+          <p:style>
+            <a:lnRef idx="2">
+              <a:schemeClr val="accent1">
+                <a:shade val="50000"/>
+              </a:schemeClr>
+            </a:lnRef>
+            <a:fillRef idx="1">
+              <a:schemeClr val="accent1"/>
+            </a:fillRef>
+            <a:effectRef idx="0">
+              <a:schemeClr val="accent1"/>
+            </a:effectRef>
+            <a:fontRef idx="minor">
+              <a:schemeClr val="lt1"/>
+            </a:fontRef>
+          </p:style>
+          <p:txBody>
+            <a:bodyPr rtlCol="0" anchor="ctr"/>
+            <a:lstStyle/>
+            <a:p>
+              <a:pPr algn="ctr"/>
+              <a:endParaRPr lang="en-US">
+                <a:latin typeface="Cambria" charset="0"/>
+                <a:ea typeface="Cambria" charset="0"/>
+                <a:cs typeface="Cambria" charset="0"/>
+              </a:endParaRPr>
+            </a:p>
+          </p:txBody>
+        </p:sp>
+        <p:sp>
+          <p:nvSpPr>
+            <p:cNvPr id="64" name="Oval 63"/>
+            <p:cNvSpPr/>
+            <p:nvPr/>
+          </p:nvSpPr>
+          <p:spPr>
+            <a:xfrm>
+              <a:off x="7859923" y="3520994"/>
+              <a:ext cx="464696" cy="494675"/>
+            </a:xfrm>
+            <a:prstGeom prst="ellipse">
+              <a:avLst/>
+            </a:prstGeom>
+          </p:spPr>
+          <p:style>
+            <a:lnRef idx="2">
+              <a:schemeClr val="accent1">
+                <a:shade val="50000"/>
+              </a:schemeClr>
+            </a:lnRef>
+            <a:fillRef idx="1">
+              <a:schemeClr val="accent1"/>
+            </a:fillRef>
+            <a:effectRef idx="0">
+              <a:schemeClr val="accent1"/>
+            </a:effectRef>
+            <a:fontRef idx="minor">
+              <a:schemeClr val="lt1"/>
+            </a:fontRef>
+          </p:style>
+          <p:txBody>
+            <a:bodyPr rtlCol="0" anchor="ctr"/>
+            <a:lstStyle/>
+            <a:p>
+              <a:pPr algn="ctr"/>
+              <a:endParaRPr lang="en-US">
+                <a:latin typeface="Cambria" charset="0"/>
+                <a:ea typeface="Cambria" charset="0"/>
+                <a:cs typeface="Cambria" charset="0"/>
+              </a:endParaRPr>
+            </a:p>
+          </p:txBody>
+        </p:sp>
+        <p:sp>
+          <p:nvSpPr>
+            <p:cNvPr id="65" name="Oval 64"/>
+            <p:cNvSpPr/>
+            <p:nvPr/>
+          </p:nvSpPr>
+          <p:spPr>
+            <a:xfrm>
+              <a:off x="7859923" y="2826023"/>
+              <a:ext cx="464696" cy="494675"/>
+            </a:xfrm>
+            <a:prstGeom prst="ellipse">
+              <a:avLst/>
+            </a:prstGeom>
+          </p:spPr>
+          <p:style>
+            <a:lnRef idx="2">
+              <a:schemeClr val="accent1">
+                <a:shade val="50000"/>
+              </a:schemeClr>
+            </a:lnRef>
+            <a:fillRef idx="1">
+              <a:schemeClr val="accent1"/>
+            </a:fillRef>
+            <a:effectRef idx="0">
+              <a:schemeClr val="accent1"/>
+            </a:effectRef>
+            <a:fontRef idx="minor">
+              <a:schemeClr val="lt1"/>
+            </a:fontRef>
+          </p:style>
+          <p:txBody>
+            <a:bodyPr rtlCol="0" anchor="ctr"/>
+            <a:lstStyle/>
+            <a:p>
+              <a:pPr algn="ctr"/>
+              <a:endParaRPr lang="en-US">
+                <a:latin typeface="Cambria" charset="0"/>
+                <a:ea typeface="Cambria" charset="0"/>
+                <a:cs typeface="Cambria" charset="0"/>
+              </a:endParaRPr>
+            </a:p>
+          </p:txBody>
+        </p:sp>
+      </p:grpSp>
+    </p:spTree>
+    <p:extLst>
+      <p:ext uri="{BB962C8B-B14F-4D97-AF65-F5344CB8AC3E}">
+        <p14:creationId xmlns:p14="http://schemas.microsoft.com/office/powerpoint/2010/main" val="1303408163"/>
       </p:ext>
     </p:extLst>
   </p:cSld>
